--- a/Studying must go on/Presentation1.pptx
+++ b/Studying must go on/Presentation1.pptx
@@ -10,6 +10,8 @@
     <p:sldId id="257" r:id="rId4"/>
     <p:sldId id="259" r:id="rId5"/>
     <p:sldId id="260" r:id="rId6"/>
+    <p:sldId id="263" r:id="rId7"/>
+    <p:sldId id="262" r:id="rId8"/>
   </p:sldIdLst>
   <p:sldSz cx="12192000" cy="6858000"/>
   <p:notesSz cx="6858000" cy="9144000"/>
@@ -3356,10 +3358,10 @@
       </p:grpSpPr>
       <p:sp useBgFill="1">
         <p:nvSpPr>
-          <p:cNvPr id="62" name="Rectangle 61">
-            <a:extLst>
-              <a:ext uri="{FF2B5EF4-FFF2-40B4-BE49-F238E27FC236}">
-                <a16:creationId xmlns:a16="http://schemas.microsoft.com/office/drawing/2014/main" id="{DA9C8D46-54D8-4DF1-99A2-E651C7B132F4}"/>
+          <p:cNvPr id="77" name="Rectangle 76">
+            <a:extLst>
+              <a:ext uri="{FF2B5EF4-FFF2-40B4-BE49-F238E27FC236}">
+                <a16:creationId xmlns:a16="http://schemas.microsoft.com/office/drawing/2014/main" id="{934F1179-B481-4F9E-BCA3-AFB972070F83}"/>
               </a:ext>
               <a:ext uri="{C183D7F6-B498-43B3-948B-1728B52AA6E4}">
                 <adec:decorative xmlns:adec="http://schemas.microsoft.com/office/drawing/2017/decorative" val="1"/>
@@ -3385,95 +3387,6 @@
           <a:prstGeom prst="rect">
             <a:avLst/>
           </a:prstGeom>
-          <a:ln w="12700" cap="flat" cmpd="sng" algn="ctr">
-            <a:noFill/>
-            <a:prstDash val="solid"/>
-            <a:miter lim="800000"/>
-          </a:ln>
-          <a:effectLst/>
-          <a:extLst>
-            <a:ext uri="{91240B29-F687-4F45-9708-019B960494DF}">
-              <a14:hiddenLine xmlns:a14="http://schemas.microsoft.com/office/drawing/2010/main" w="12700" cap="flat" cmpd="sng" algn="ctr">
-                <a:solidFill>
-                  <a:schemeClr val="accent1">
-                    <a:shade val="50000"/>
-                  </a:schemeClr>
-                </a:solidFill>
-                <a:prstDash val="solid"/>
-                <a:miter lim="800000"/>
-              </a14:hiddenLine>
-            </a:ext>
-          </a:extLst>
-        </p:spPr>
-        <p:style>
-          <a:lnRef idx="2">
-            <a:schemeClr val="accent1">
-              <a:shade val="50000"/>
-            </a:schemeClr>
-          </a:lnRef>
-          <a:fillRef idx="1">
-            <a:schemeClr val="accent1"/>
-          </a:fillRef>
-          <a:effectRef idx="0">
-            <a:schemeClr val="accent1"/>
-          </a:effectRef>
-          <a:fontRef idx="minor">
-            <a:schemeClr val="lt1"/>
-          </a:fontRef>
-        </p:style>
-        <p:txBody>
-          <a:bodyPr rtlCol="0" anchor="ctr"/>
-          <a:lstStyle/>
-          <a:p>
-            <a:pPr algn="ctr"/>
-            <a:endParaRPr lang="en-US"/>
-          </a:p>
-        </p:txBody>
-      </p:sp>
-      <p:sp>
-        <p:nvSpPr>
-          <p:cNvPr id="64" name="Rectangle 63">
-            <a:extLst>
-              <a:ext uri="{FF2B5EF4-FFF2-40B4-BE49-F238E27FC236}">
-                <a16:creationId xmlns:a16="http://schemas.microsoft.com/office/drawing/2014/main" id="{9715DAF0-AE1B-46C9-8A6B-DB2AA05AB91D}"/>
-              </a:ext>
-              <a:ext uri="{C183D7F6-B498-43B3-948B-1728B52AA6E4}">
-                <adec:decorative xmlns:adec="http://schemas.microsoft.com/office/drawing/2017/decorative" val="1"/>
-              </a:ext>
-            </a:extLst>
-          </p:cNvPr>
-          <p:cNvSpPr>
-            <a:spLocks noGrp="1" noRot="1" noChangeAspect="1" noMove="1" noResize="1" noEditPoints="1" noAdjustHandles="1" noChangeArrowheads="1" noChangeShapeType="1" noTextEdit="1"/>
-          </p:cNvSpPr>
-          <p:nvPr>
-            <p:extLst>
-              <p:ext uri="{386F3935-93C4-4BCD-93E2-E3B085C9AB24}">
-                <p16:designElem xmlns:p16="http://schemas.microsoft.com/office/powerpoint/2015/main" val="1"/>
-              </p:ext>
-            </p:extLst>
-          </p:nvPr>
-        </p:nvSpPr>
-        <p:spPr>
-          <a:xfrm rot="10800000">
-            <a:off x="-1" y="0"/>
-            <a:ext cx="12191999" cy="6858000"/>
-          </a:xfrm>
-          <a:prstGeom prst="rect">
-            <a:avLst/>
-          </a:prstGeom>
-          <a:gradFill>
-            <a:gsLst>
-              <a:gs pos="0">
-                <a:schemeClr val="accent1">
-                  <a:lumMod val="50000"/>
-                </a:schemeClr>
-              </a:gs>
-              <a:gs pos="100000">
-                <a:srgbClr val="000000"/>
-              </a:gs>
-            </a:gsLst>
-            <a:lin ang="9000000" scaled="0"/>
-          </a:gradFill>
           <a:ln>
             <a:noFill/>
           </a:ln>
@@ -3505,10 +3418,10 @@
       </p:sp>
       <p:sp>
         <p:nvSpPr>
-          <p:cNvPr id="66" name="Freeform: Shape 65">
-            <a:extLst>
-              <a:ext uri="{FF2B5EF4-FFF2-40B4-BE49-F238E27FC236}">
-                <a16:creationId xmlns:a16="http://schemas.microsoft.com/office/drawing/2014/main" id="{DE12BF4D-F47A-41C1-85FC-652E412D3B47}"/>
+          <p:cNvPr id="79" name="Right Triangle 78">
+            <a:extLst>
+              <a:ext uri="{FF2B5EF4-FFF2-40B4-BE49-F238E27FC236}">
+                <a16:creationId xmlns:a16="http://schemas.microsoft.com/office/drawing/2014/main" id="{827DC2C4-B485-428A-BF4A-472D2967F47F}"/>
               </a:ext>
               <a:ext uri="{C183D7F6-B498-43B3-948B-1728B52AA6E4}">
                 <adec:decorative xmlns:adec="http://schemas.microsoft.com/office/drawing/2017/decorative" val="1"/>
@@ -3527,111 +3440,16 @@
           </p:nvPr>
         </p:nvSpPr>
         <p:spPr>
-          <a:xfrm rot="13988591">
-            <a:off x="7897613" y="684022"/>
-            <a:ext cx="5330585" cy="5218721"/>
+          <a:xfrm flipH="1">
+            <a:off x="8576720" y="3335867"/>
+            <a:ext cx="3291840" cy="3200400"/>
           </a:xfrm>
-          <a:custGeom>
+          <a:prstGeom prst="rtTriangle">
             <a:avLst/>
-            <a:gdLst>
-              <a:gd name="connsiteX0" fmla="*/ 4721855 w 5330585"/>
-              <a:gd name="connsiteY0" fmla="*/ 4361426 h 5218721"/>
-              <a:gd name="connsiteX1" fmla="*/ 3457542 w 5330585"/>
-              <a:gd name="connsiteY1" fmla="*/ 5211667 h 5218721"/>
-              <a:gd name="connsiteX2" fmla="*/ 3430109 w 5330585"/>
-              <a:gd name="connsiteY2" fmla="*/ 5218721 h 5218721"/>
-              <a:gd name="connsiteX3" fmla="*/ 0 w 5330585"/>
-              <a:gd name="connsiteY3" fmla="*/ 2647363 h 5218721"/>
-              <a:gd name="connsiteX4" fmla="*/ 12834 w 5330585"/>
-              <a:gd name="connsiteY4" fmla="*/ 2393199 h 5218721"/>
-              <a:gd name="connsiteX5" fmla="*/ 2664828 w 5330585"/>
-              <a:gd name="connsiteY5" fmla="*/ 0 h 5218721"/>
-              <a:gd name="connsiteX6" fmla="*/ 5330585 w 5330585"/>
-              <a:gd name="connsiteY6" fmla="*/ 2665757 h 5218721"/>
-              <a:gd name="connsiteX7" fmla="*/ 4721855 w 5330585"/>
-              <a:gd name="connsiteY7" fmla="*/ 4361426 h 5218721"/>
-            </a:gdLst>
-            <a:ahLst/>
-            <a:cxnLst>
-              <a:cxn ang="0">
-                <a:pos x="connsiteX0" y="connsiteY0"/>
-              </a:cxn>
-              <a:cxn ang="0">
-                <a:pos x="connsiteX1" y="connsiteY1"/>
-              </a:cxn>
-              <a:cxn ang="0">
-                <a:pos x="connsiteX2" y="connsiteY2"/>
-              </a:cxn>
-              <a:cxn ang="0">
-                <a:pos x="connsiteX3" y="connsiteY3"/>
-              </a:cxn>
-              <a:cxn ang="0">
-                <a:pos x="connsiteX4" y="connsiteY4"/>
-              </a:cxn>
-              <a:cxn ang="0">
-                <a:pos x="connsiteX5" y="connsiteY5"/>
-              </a:cxn>
-              <a:cxn ang="0">
-                <a:pos x="connsiteX6" y="connsiteY6"/>
-              </a:cxn>
-              <a:cxn ang="0">
-                <a:pos x="connsiteX7" y="connsiteY7"/>
-              </a:cxn>
-            </a:cxnLst>
-            <a:rect l="l" t="t" r="r" b="b"/>
-            <a:pathLst>
-              <a:path w="5330585" h="5218721">
-                <a:moveTo>
-                  <a:pt x="4721855" y="4361426"/>
-                </a:moveTo>
-                <a:cubicBezTo>
-                  <a:pt x="4395896" y="4756397"/>
-                  <a:pt x="3958379" y="5055891"/>
-                  <a:pt x="3457542" y="5211667"/>
-                </a:cubicBezTo>
-                <a:lnTo>
-                  <a:pt x="3430109" y="5218721"/>
-                </a:lnTo>
-                <a:lnTo>
-                  <a:pt x="0" y="2647363"/>
-                </a:lnTo>
-                <a:lnTo>
-                  <a:pt x="12834" y="2393199"/>
-                </a:lnTo>
-                <a:cubicBezTo>
-                  <a:pt x="149347" y="1048975"/>
-                  <a:pt x="1284587" y="0"/>
-                  <a:pt x="2664828" y="0"/>
-                </a:cubicBezTo>
-                <a:cubicBezTo>
-                  <a:pt x="4137085" y="0"/>
-                  <a:pt x="5330585" y="1193500"/>
-                  <a:pt x="5330585" y="2665757"/>
-                </a:cubicBezTo>
-                <a:cubicBezTo>
-                  <a:pt x="5330585" y="3309870"/>
-                  <a:pt x="5102142" y="3900626"/>
-                  <a:pt x="4721855" y="4361426"/>
-                </a:cubicBezTo>
-                <a:close/>
-              </a:path>
-            </a:pathLst>
-          </a:custGeom>
-          <a:gradFill>
-            <a:gsLst>
-              <a:gs pos="16000">
-                <a:srgbClr val="000000">
-                  <a:alpha val="41000"/>
-                </a:srgbClr>
-              </a:gs>
-              <a:gs pos="85000">
-                <a:schemeClr val="accent1">
-                  <a:alpha val="25000"/>
-                </a:schemeClr>
-              </a:gs>
-            </a:gsLst>
-            <a:lin ang="14400000" scaled="0"/>
-          </a:gradFill>
+          </a:prstGeom>
+          <a:solidFill>
+            <a:schemeClr val="accent4"/>
+          </a:solidFill>
           <a:ln>
             <a:noFill/>
           </a:ln>
@@ -3653,9 +3471,7 @@
           </a:fontRef>
         </p:style>
         <p:txBody>
-          <a:bodyPr wrap="square" rtlCol="0" anchor="ctr">
-            <a:noAutofit/>
-          </a:bodyPr>
+          <a:bodyPr rtlCol="0" anchor="ctr"/>
           <a:lstStyle/>
           <a:p>
             <a:pPr algn="ctr"/>
@@ -3665,10 +3481,10 @@
       </p:sp>
       <p:sp>
         <p:nvSpPr>
-          <p:cNvPr id="68" name="Rectangle 67">
-            <a:extLst>
-              <a:ext uri="{FF2B5EF4-FFF2-40B4-BE49-F238E27FC236}">
-                <a16:creationId xmlns:a16="http://schemas.microsoft.com/office/drawing/2014/main" id="{AAF055B3-1F95-4ABA-BFE4-A58320A8206E}"/>
+          <p:cNvPr id="91" name="Rectangle 90">
+            <a:extLst>
+              <a:ext uri="{FF2B5EF4-FFF2-40B4-BE49-F238E27FC236}">
+                <a16:creationId xmlns:a16="http://schemas.microsoft.com/office/drawing/2014/main" id="{EE04B5EB-F158-4507-90DD-BD23620C7CC9}"/>
               </a:ext>
               <a:ext uri="{C183D7F6-B498-43B3-948B-1728B52AA6E4}">
                 <adec:decorative xmlns:adec="http://schemas.microsoft.com/office/drawing/2017/decorative" val="1"/>
@@ -3687,31 +3503,21 @@
           </p:nvPr>
         </p:nvSpPr>
         <p:spPr>
-          <a:xfrm rot="10800000" flipH="1">
-            <a:off x="0" y="0"/>
-            <a:ext cx="12165981" cy="4480890"/>
+          <a:xfrm>
+            <a:off x="641774" y="623275"/>
+            <a:ext cx="10905053" cy="5607882"/>
           </a:xfrm>
           <a:prstGeom prst="rect">
             <a:avLst/>
           </a:prstGeom>
-          <a:gradFill>
-            <a:gsLst>
-              <a:gs pos="0">
-                <a:schemeClr val="accent1">
-                  <a:lumMod val="75000"/>
-                  <a:alpha val="50000"/>
-                </a:schemeClr>
-              </a:gs>
-              <a:gs pos="99000">
-                <a:srgbClr val="000000">
-                  <a:alpha val="34000"/>
-                </a:srgbClr>
-              </a:gs>
-            </a:gsLst>
-            <a:lin ang="15600000" scaled="0"/>
-          </a:gradFill>
-          <a:ln>
-            <a:noFill/>
+          <a:noFill/>
+          <a:ln w="19050">
+            <a:solidFill>
+              <a:schemeClr val="tx1">
+                <a:lumMod val="75000"/>
+                <a:lumOff val="25000"/>
+              </a:schemeClr>
+            </a:solidFill>
           </a:ln>
         </p:spPr>
         <p:style>
@@ -3741,82 +3547,6 @@
       </p:sp>
       <p:sp>
         <p:nvSpPr>
-          <p:cNvPr id="70" name="Rectangle 69">
-            <a:extLst>
-              <a:ext uri="{FF2B5EF4-FFF2-40B4-BE49-F238E27FC236}">
-                <a16:creationId xmlns:a16="http://schemas.microsoft.com/office/drawing/2014/main" id="{65FBF53F-BBBA-4974-AD72-0E8CD294E50F}"/>
-              </a:ext>
-              <a:ext uri="{C183D7F6-B498-43B3-948B-1728B52AA6E4}">
-                <adec:decorative xmlns:adec="http://schemas.microsoft.com/office/drawing/2017/decorative" val="1"/>
-              </a:ext>
-            </a:extLst>
-          </p:cNvPr>
-          <p:cNvSpPr>
-            <a:spLocks noGrp="1" noRot="1" noChangeAspect="1" noMove="1" noResize="1" noEditPoints="1" noAdjustHandles="1" noChangeArrowheads="1" noChangeShapeType="1" noTextEdit="1"/>
-          </p:cNvSpPr>
-          <p:nvPr>
-            <p:extLst>
-              <p:ext uri="{386F3935-93C4-4BCD-93E2-E3B085C9AB24}">
-                <p16:designElem xmlns:p16="http://schemas.microsoft.com/office/powerpoint/2015/main" val="1"/>
-              </p:ext>
-            </p:extLst>
-          </p:nvPr>
-        </p:nvSpPr>
-        <p:spPr>
-          <a:xfrm rot="10800000">
-            <a:off x="12622" y="-2"/>
-            <a:ext cx="12179371" cy="6400796"/>
-          </a:xfrm>
-          <a:prstGeom prst="rect">
-            <a:avLst/>
-          </a:prstGeom>
-          <a:gradFill>
-            <a:gsLst>
-              <a:gs pos="45000">
-                <a:schemeClr val="accent1">
-                  <a:lumMod val="75000"/>
-                  <a:alpha val="0"/>
-                </a:schemeClr>
-              </a:gs>
-              <a:gs pos="99000">
-                <a:srgbClr val="000000">
-                  <a:alpha val="68000"/>
-                </a:srgbClr>
-              </a:gs>
-            </a:gsLst>
-            <a:lin ang="13800000" scaled="0"/>
-          </a:gradFill>
-          <a:ln>
-            <a:noFill/>
-          </a:ln>
-        </p:spPr>
-        <p:style>
-          <a:lnRef idx="2">
-            <a:schemeClr val="accent1">
-              <a:shade val="50000"/>
-            </a:schemeClr>
-          </a:lnRef>
-          <a:fillRef idx="1">
-            <a:schemeClr val="accent1"/>
-          </a:fillRef>
-          <a:effectRef idx="0">
-            <a:schemeClr val="accent1"/>
-          </a:effectRef>
-          <a:fontRef idx="minor">
-            <a:schemeClr val="lt1"/>
-          </a:fontRef>
-        </p:style>
-        <p:txBody>
-          <a:bodyPr rtlCol="0" anchor="ctr"/>
-          <a:lstStyle/>
-          <a:p>
-            <a:pPr algn="ctr"/>
-            <a:endParaRPr lang="en-US"/>
-          </a:p>
-        </p:txBody>
-      </p:sp>
-      <p:sp>
-        <p:nvSpPr>
           <p:cNvPr id="2" name="Title 1">
             <a:extLst>
               <a:ext uri="{FF2B5EF4-FFF2-40B4-BE49-F238E27FC236}">
@@ -3833,8 +3563,8 @@
         </p:nvSpPr>
         <p:spPr>
           <a:xfrm>
-            <a:off x="4221803" y="1201002"/>
-            <a:ext cx="7208197" cy="2779619"/>
+            <a:off x="1285241" y="1008993"/>
+            <a:ext cx="9231410" cy="3542045"/>
           </a:xfrm>
         </p:spPr>
         <p:txBody>
@@ -3845,25 +3575,13 @@
           <a:p>
             <a:pPr algn="l"/>
             <a:r>
-              <a:rPr lang="en-KR" sz="4800">
-                <a:solidFill>
-                  <a:srgbClr val="FFFFFF"/>
-                </a:solidFill>
-              </a:rPr>
+              <a:rPr lang="en-KR" sz="9800"/>
               <a:t>DeepSeek-Janus</a:t>
             </a:r>
             <a:br>
-              <a:rPr lang="en-KR" sz="4800">
-                <a:solidFill>
-                  <a:srgbClr val="FFFFFF"/>
-                </a:solidFill>
-              </a:rPr>
+              <a:rPr lang="en-KR" sz="9800"/>
             </a:br>
-            <a:endParaRPr lang="en-KR" sz="4800">
-              <a:solidFill>
-                <a:srgbClr val="FFFFFF"/>
-              </a:solidFill>
-            </a:endParaRPr>
+            <a:endParaRPr lang="en-KR" sz="9800"/>
           </a:p>
         </p:txBody>
       </p:sp>
@@ -3885,100 +3603,21 @@
         </p:nvSpPr>
         <p:spPr>
           <a:xfrm>
-            <a:off x="4221803" y="4940490"/>
-            <a:ext cx="7208197" cy="1265112"/>
+            <a:off x="1285241" y="4582814"/>
+            <a:ext cx="7132335" cy="1312657"/>
           </a:xfrm>
         </p:spPr>
         <p:txBody>
-          <a:bodyPr>
+          <a:bodyPr anchor="t">
             <a:normAutofit/>
           </a:bodyPr>
           <a:lstStyle/>
           <a:p>
             <a:pPr algn="l"/>
             <a:r>
-              <a:rPr lang="en-KR">
-                <a:solidFill>
-                  <a:srgbClr val="FFFFFF"/>
-                </a:solidFill>
-              </a:rPr>
+              <a:rPr lang="en-KR"/>
               <a:t>Focusing on the Method</a:t>
             </a:r>
-          </a:p>
-        </p:txBody>
-      </p:sp>
-      <p:sp>
-        <p:nvSpPr>
-          <p:cNvPr id="72" name="Rectangle 71">
-            <a:extLst>
-              <a:ext uri="{FF2B5EF4-FFF2-40B4-BE49-F238E27FC236}">
-                <a16:creationId xmlns:a16="http://schemas.microsoft.com/office/drawing/2014/main" id="{5A2875D7-3769-4291-959E-9FAD764A760C}"/>
-              </a:ext>
-              <a:ext uri="{C183D7F6-B498-43B3-948B-1728B52AA6E4}">
-                <adec:decorative xmlns:adec="http://schemas.microsoft.com/office/drawing/2017/decorative" val="1"/>
-              </a:ext>
-            </a:extLst>
-          </p:cNvPr>
-          <p:cNvSpPr>
-            <a:spLocks noGrp="1" noRot="1" noChangeAspect="1" noMove="1" noResize="1" noEditPoints="1" noAdjustHandles="1" noChangeArrowheads="1" noChangeShapeType="1" noTextEdit="1"/>
-          </p:cNvSpPr>
-          <p:nvPr>
-            <p:extLst>
-              <p:ext uri="{386F3935-93C4-4BCD-93E2-E3B085C9AB24}">
-                <p16:designElem xmlns:p16="http://schemas.microsoft.com/office/powerpoint/2015/main" val="1"/>
-              </p:ext>
-            </p:extLst>
-          </p:nvPr>
-        </p:nvSpPr>
-        <p:spPr>
-          <a:xfrm>
-            <a:off x="432461" y="0"/>
-            <a:ext cx="3214360" cy="6858000"/>
-          </a:xfrm>
-          <a:prstGeom prst="rect">
-            <a:avLst/>
-          </a:prstGeom>
-          <a:gradFill>
-            <a:gsLst>
-              <a:gs pos="0">
-                <a:srgbClr val="000000">
-                  <a:alpha val="41000"/>
-                </a:srgbClr>
-              </a:gs>
-              <a:gs pos="86000">
-                <a:schemeClr val="accent1">
-                  <a:alpha val="3000"/>
-                </a:schemeClr>
-              </a:gs>
-            </a:gsLst>
-            <a:lin ang="2400000" scaled="0"/>
-          </a:gradFill>
-          <a:ln>
-            <a:noFill/>
-          </a:ln>
-        </p:spPr>
-        <p:style>
-          <a:lnRef idx="2">
-            <a:schemeClr val="accent1">
-              <a:shade val="50000"/>
-            </a:schemeClr>
-          </a:lnRef>
-          <a:fillRef idx="1">
-            <a:schemeClr val="accent1"/>
-          </a:fillRef>
-          <a:effectRef idx="0">
-            <a:schemeClr val="accent1"/>
-          </a:effectRef>
-          <a:fontRef idx="minor">
-            <a:schemeClr val="lt1"/>
-          </a:fontRef>
-        </p:style>
-        <p:txBody>
-          <a:bodyPr rtlCol="0" anchor="ctr"/>
-          <a:lstStyle/>
-          <a:p>
-            <a:pPr algn="ctr"/>
-            <a:endParaRPr lang="en-US" dirty="0"/>
           </a:p>
         </p:txBody>
       </p:sp>
@@ -6821,12 +6460,192 @@
             <a:off x="7811589" y="1462492"/>
             <a:ext cx="654749" cy="1503912"/>
           </a:xfrm>
-          <a:prstGeom prst="rightBrace">
-            <a:avLst>
-              <a:gd name="adj1" fmla="val 8333"/>
-              <a:gd name="adj2" fmla="val 69819"/>
-            </a:avLst>
-          </a:prstGeom>
+          <a:custGeom>
+            <a:avLst/>
+            <a:gdLst>
+              <a:gd name="connsiteX0" fmla="*/ 0 w 654749"/>
+              <a:gd name="connsiteY0" fmla="*/ 0 h 1503912"/>
+              <a:gd name="connsiteX1" fmla="*/ 327375 w 654749"/>
+              <a:gd name="connsiteY1" fmla="*/ 54560 h 1503912"/>
+              <a:gd name="connsiteX2" fmla="*/ 327375 w 654749"/>
+              <a:gd name="connsiteY2" fmla="*/ 543826 h 1503912"/>
+              <a:gd name="connsiteX3" fmla="*/ 327375 w 654749"/>
+              <a:gd name="connsiteY3" fmla="*/ 995456 h 1503912"/>
+              <a:gd name="connsiteX4" fmla="*/ 654750 w 654749"/>
+              <a:gd name="connsiteY4" fmla="*/ 1050016 h 1503912"/>
+              <a:gd name="connsiteX5" fmla="*/ 327375 w 654749"/>
+              <a:gd name="connsiteY5" fmla="*/ 1104576 h 1503912"/>
+              <a:gd name="connsiteX6" fmla="*/ 327375 w 654749"/>
+              <a:gd name="connsiteY6" fmla="*/ 1449352 h 1503912"/>
+              <a:gd name="connsiteX7" fmla="*/ 0 w 654749"/>
+              <a:gd name="connsiteY7" fmla="*/ 1503912 h 1503912"/>
+              <a:gd name="connsiteX8" fmla="*/ 0 w 654749"/>
+              <a:gd name="connsiteY8" fmla="*/ 1002608 h 1503912"/>
+              <a:gd name="connsiteX9" fmla="*/ 0 w 654749"/>
+              <a:gd name="connsiteY9" fmla="*/ 501304 h 1503912"/>
+              <a:gd name="connsiteX10" fmla="*/ 0 w 654749"/>
+              <a:gd name="connsiteY10" fmla="*/ 0 h 1503912"/>
+              <a:gd name="connsiteX0" fmla="*/ 0 w 654749"/>
+              <a:gd name="connsiteY0" fmla="*/ 0 h 1503912"/>
+              <a:gd name="connsiteX1" fmla="*/ 327375 w 654749"/>
+              <a:gd name="connsiteY1" fmla="*/ 54560 h 1503912"/>
+              <a:gd name="connsiteX2" fmla="*/ 327375 w 654749"/>
+              <a:gd name="connsiteY2" fmla="*/ 515599 h 1503912"/>
+              <a:gd name="connsiteX3" fmla="*/ 327375 w 654749"/>
+              <a:gd name="connsiteY3" fmla="*/ 995456 h 1503912"/>
+              <a:gd name="connsiteX4" fmla="*/ 654750 w 654749"/>
+              <a:gd name="connsiteY4" fmla="*/ 1050016 h 1503912"/>
+              <a:gd name="connsiteX5" fmla="*/ 327375 w 654749"/>
+              <a:gd name="connsiteY5" fmla="*/ 1104576 h 1503912"/>
+              <a:gd name="connsiteX6" fmla="*/ 327375 w 654749"/>
+              <a:gd name="connsiteY6" fmla="*/ 1449352 h 1503912"/>
+              <a:gd name="connsiteX7" fmla="*/ 0 w 654749"/>
+              <a:gd name="connsiteY7" fmla="*/ 1503912 h 1503912"/>
+            </a:gdLst>
+            <a:ahLst/>
+            <a:cxnLst>
+              <a:cxn ang="0">
+                <a:pos x="connsiteX0" y="connsiteY0"/>
+              </a:cxn>
+              <a:cxn ang="0">
+                <a:pos x="connsiteX1" y="connsiteY1"/>
+              </a:cxn>
+              <a:cxn ang="0">
+                <a:pos x="connsiteX2" y="connsiteY2"/>
+              </a:cxn>
+              <a:cxn ang="0">
+                <a:pos x="connsiteX3" y="connsiteY3"/>
+              </a:cxn>
+              <a:cxn ang="0">
+                <a:pos x="connsiteX4" y="connsiteY4"/>
+              </a:cxn>
+              <a:cxn ang="0">
+                <a:pos x="connsiteX5" y="connsiteY5"/>
+              </a:cxn>
+              <a:cxn ang="0">
+                <a:pos x="connsiteX6" y="connsiteY6"/>
+              </a:cxn>
+              <a:cxn ang="0">
+                <a:pos x="connsiteX7" y="connsiteY7"/>
+              </a:cxn>
+            </a:cxnLst>
+            <a:rect l="l" t="t" r="r" b="b"/>
+            <a:pathLst>
+              <a:path w="654749" h="1503912" stroke="0" extrusionOk="0">
+                <a:moveTo>
+                  <a:pt x="0" y="0"/>
+                </a:moveTo>
+                <a:cubicBezTo>
+                  <a:pt x="179042" y="-1087"/>
+                  <a:pt x="326072" y="24916"/>
+                  <a:pt x="327375" y="54560"/>
+                </a:cubicBezTo>
+                <a:cubicBezTo>
+                  <a:pt x="315394" y="247462"/>
+                  <a:pt x="332732" y="397964"/>
+                  <a:pt x="327375" y="543826"/>
+                </a:cubicBezTo>
+                <a:cubicBezTo>
+                  <a:pt x="322018" y="689688"/>
+                  <a:pt x="319633" y="892622"/>
+                  <a:pt x="327375" y="995456"/>
+                </a:cubicBezTo>
+                <a:cubicBezTo>
+                  <a:pt x="304965" y="1013328"/>
+                  <a:pt x="489805" y="1057593"/>
+                  <a:pt x="654750" y="1050016"/>
+                </a:cubicBezTo>
+                <a:cubicBezTo>
+                  <a:pt x="481156" y="1050871"/>
+                  <a:pt x="329270" y="1070543"/>
+                  <a:pt x="327375" y="1104576"/>
+                </a:cubicBezTo>
+                <a:cubicBezTo>
+                  <a:pt x="333464" y="1258989"/>
+                  <a:pt x="338063" y="1340616"/>
+                  <a:pt x="327375" y="1449352"/>
+                </a:cubicBezTo>
+                <a:cubicBezTo>
+                  <a:pt x="354630" y="1484343"/>
+                  <a:pt x="163435" y="1532645"/>
+                  <a:pt x="0" y="1503912"/>
+                </a:cubicBezTo>
+                <a:cubicBezTo>
+                  <a:pt x="5110" y="1322149"/>
+                  <a:pt x="11955" y="1247835"/>
+                  <a:pt x="0" y="1002608"/>
+                </a:cubicBezTo>
+                <a:cubicBezTo>
+                  <a:pt x="-11955" y="757381"/>
+                  <a:pt x="22891" y="751045"/>
+                  <a:pt x="0" y="501304"/>
+                </a:cubicBezTo>
+                <a:cubicBezTo>
+                  <a:pt x="-22891" y="251563"/>
+                  <a:pt x="-13261" y="219129"/>
+                  <a:pt x="0" y="0"/>
+                </a:cubicBezTo>
+                <a:close/>
+              </a:path>
+              <a:path w="654749" h="1503912" fill="none" extrusionOk="0">
+                <a:moveTo>
+                  <a:pt x="0" y="0"/>
+                </a:moveTo>
+                <a:cubicBezTo>
+                  <a:pt x="181265" y="711"/>
+                  <a:pt x="330595" y="28371"/>
+                  <a:pt x="327375" y="54560"/>
+                </a:cubicBezTo>
+                <a:cubicBezTo>
+                  <a:pt x="317849" y="232554"/>
+                  <a:pt x="347741" y="400675"/>
+                  <a:pt x="327375" y="515599"/>
+                </a:cubicBezTo>
+                <a:cubicBezTo>
+                  <a:pt x="307009" y="630523"/>
+                  <a:pt x="328042" y="807455"/>
+                  <a:pt x="327375" y="995456"/>
+                </a:cubicBezTo>
+                <a:cubicBezTo>
+                  <a:pt x="294309" y="1023242"/>
+                  <a:pt x="461160" y="1023952"/>
+                  <a:pt x="654750" y="1050016"/>
+                </a:cubicBezTo>
+                <a:cubicBezTo>
+                  <a:pt x="474308" y="1045120"/>
+                  <a:pt x="325162" y="1075735"/>
+                  <a:pt x="327375" y="1104576"/>
+                </a:cubicBezTo>
+                <a:cubicBezTo>
+                  <a:pt x="312544" y="1204697"/>
+                  <a:pt x="327838" y="1298941"/>
+                  <a:pt x="327375" y="1449352"/>
+                </a:cubicBezTo>
+                <a:cubicBezTo>
+                  <a:pt x="336231" y="1463520"/>
+                  <a:pt x="166401" y="1511318"/>
+                  <a:pt x="0" y="1503912"/>
+                </a:cubicBezTo>
+              </a:path>
+            </a:pathLst>
+          </a:custGeom>
+          <a:ln>
+            <a:extLst>
+              <a:ext uri="{C807C97D-BFC1-408E-A445-0C87EB9F89A2}">
+                <ask:lineSketchStyleProps xmlns:ask="http://schemas.microsoft.com/office/drawing/2018/sketchyshapes" sd="1219033472">
+                  <a:prstGeom prst="rightBrace">
+                    <a:avLst>
+                      <a:gd name="adj1" fmla="val 8333"/>
+                      <a:gd name="adj2" fmla="val 69819"/>
+                    </a:avLst>
+                  </a:prstGeom>
+                  <ask:type>
+                    <ask:lineSketchFreehand/>
+                  </ask:type>
+                </ask:lineSketchStyleProps>
+              </a:ext>
+            </a:extLst>
+          </a:ln>
         </p:spPr>
         <p:style>
           <a:lnRef idx="2">
@@ -7640,12 +7459,168 @@
             <a:off x="2726994" y="4987106"/>
             <a:ext cx="446834" cy="646331"/>
           </a:xfrm>
-          <a:prstGeom prst="rightBrace">
-            <a:avLst>
-              <a:gd name="adj1" fmla="val 18078"/>
-              <a:gd name="adj2" fmla="val 28319"/>
-            </a:avLst>
-          </a:prstGeom>
+          <a:custGeom>
+            <a:avLst/>
+            <a:gdLst>
+              <a:gd name="connsiteX0" fmla="*/ 0 w 446834"/>
+              <a:gd name="connsiteY0" fmla="*/ 0 h 646331"/>
+              <a:gd name="connsiteX1" fmla="*/ 223417 w 446834"/>
+              <a:gd name="connsiteY1" fmla="*/ 80779 h 646331"/>
+              <a:gd name="connsiteX2" fmla="*/ 223417 w 446834"/>
+              <a:gd name="connsiteY2" fmla="*/ 102256 h 646331"/>
+              <a:gd name="connsiteX3" fmla="*/ 446834 w 446834"/>
+              <a:gd name="connsiteY3" fmla="*/ 183035 h 646331"/>
+              <a:gd name="connsiteX4" fmla="*/ 223417 w 446834"/>
+              <a:gd name="connsiteY4" fmla="*/ 263814 h 646331"/>
+              <a:gd name="connsiteX5" fmla="*/ 223417 w 446834"/>
+              <a:gd name="connsiteY5" fmla="*/ 565552 h 646331"/>
+              <a:gd name="connsiteX6" fmla="*/ 0 w 446834"/>
+              <a:gd name="connsiteY6" fmla="*/ 646331 h 646331"/>
+              <a:gd name="connsiteX7" fmla="*/ 0 w 446834"/>
+              <a:gd name="connsiteY7" fmla="*/ 310239 h 646331"/>
+              <a:gd name="connsiteX8" fmla="*/ 0 w 446834"/>
+              <a:gd name="connsiteY8" fmla="*/ 0 h 646331"/>
+              <a:gd name="connsiteX0" fmla="*/ 0 w 446834"/>
+              <a:gd name="connsiteY0" fmla="*/ 0 h 646331"/>
+              <a:gd name="connsiteX1" fmla="*/ 223417 w 446834"/>
+              <a:gd name="connsiteY1" fmla="*/ 80779 h 646331"/>
+              <a:gd name="connsiteX2" fmla="*/ 223417 w 446834"/>
+              <a:gd name="connsiteY2" fmla="*/ 102256 h 646331"/>
+              <a:gd name="connsiteX3" fmla="*/ 446834 w 446834"/>
+              <a:gd name="connsiteY3" fmla="*/ 183035 h 646331"/>
+              <a:gd name="connsiteX4" fmla="*/ 223417 w 446834"/>
+              <a:gd name="connsiteY4" fmla="*/ 263814 h 646331"/>
+              <a:gd name="connsiteX5" fmla="*/ 223417 w 446834"/>
+              <a:gd name="connsiteY5" fmla="*/ 565552 h 646331"/>
+              <a:gd name="connsiteX6" fmla="*/ 0 w 446834"/>
+              <a:gd name="connsiteY6" fmla="*/ 646331 h 646331"/>
+            </a:gdLst>
+            <a:ahLst/>
+            <a:cxnLst>
+              <a:cxn ang="0">
+                <a:pos x="connsiteX0" y="connsiteY0"/>
+              </a:cxn>
+              <a:cxn ang="0">
+                <a:pos x="connsiteX1" y="connsiteY1"/>
+              </a:cxn>
+              <a:cxn ang="0">
+                <a:pos x="connsiteX2" y="connsiteY2"/>
+              </a:cxn>
+              <a:cxn ang="0">
+                <a:pos x="connsiteX3" y="connsiteY3"/>
+              </a:cxn>
+              <a:cxn ang="0">
+                <a:pos x="connsiteX4" y="connsiteY4"/>
+              </a:cxn>
+              <a:cxn ang="0">
+                <a:pos x="connsiteX5" y="connsiteY5"/>
+              </a:cxn>
+              <a:cxn ang="0">
+                <a:pos x="connsiteX6" y="connsiteY6"/>
+              </a:cxn>
+            </a:cxnLst>
+            <a:rect l="l" t="t" r="r" b="b"/>
+            <a:pathLst>
+              <a:path w="446834" h="646331" stroke="0" extrusionOk="0">
+                <a:moveTo>
+                  <a:pt x="0" y="0"/>
+                </a:moveTo>
+                <a:cubicBezTo>
+                  <a:pt x="118077" y="-3277"/>
+                  <a:pt x="220570" y="37234"/>
+                  <a:pt x="223417" y="80779"/>
+                </a:cubicBezTo>
+                <a:cubicBezTo>
+                  <a:pt x="224946" y="87537"/>
+                  <a:pt x="221181" y="93010"/>
+                  <a:pt x="223417" y="102256"/>
+                </a:cubicBezTo>
+                <a:cubicBezTo>
+                  <a:pt x="200522" y="129455"/>
+                  <a:pt x="319060" y="192032"/>
+                  <a:pt x="446834" y="183035"/>
+                </a:cubicBezTo>
+                <a:cubicBezTo>
+                  <a:pt x="323577" y="193437"/>
+                  <a:pt x="220115" y="208565"/>
+                  <a:pt x="223417" y="263814"/>
+                </a:cubicBezTo>
+                <a:cubicBezTo>
+                  <a:pt x="238928" y="397992"/>
+                  <a:pt x="210963" y="471969"/>
+                  <a:pt x="223417" y="565552"/>
+                </a:cubicBezTo>
+                <a:cubicBezTo>
+                  <a:pt x="203064" y="629327"/>
+                  <a:pt x="120680" y="620489"/>
+                  <a:pt x="0" y="646331"/>
+                </a:cubicBezTo>
+                <a:cubicBezTo>
+                  <a:pt x="-39969" y="544312"/>
+                  <a:pt x="13502" y="430988"/>
+                  <a:pt x="0" y="310239"/>
+                </a:cubicBezTo>
+                <a:cubicBezTo>
+                  <a:pt x="-13502" y="189490"/>
+                  <a:pt x="35627" y="120252"/>
+                  <a:pt x="0" y="0"/>
+                </a:cubicBezTo>
+                <a:close/>
+              </a:path>
+              <a:path w="446834" h="646331" fill="none" extrusionOk="0">
+                <a:moveTo>
+                  <a:pt x="0" y="0"/>
+                </a:moveTo>
+                <a:cubicBezTo>
+                  <a:pt x="129127" y="4692"/>
+                  <a:pt x="224080" y="37152"/>
+                  <a:pt x="223417" y="80779"/>
+                </a:cubicBezTo>
+                <a:cubicBezTo>
+                  <a:pt x="225481" y="90249"/>
+                  <a:pt x="220902" y="93642"/>
+                  <a:pt x="223417" y="102256"/>
+                </a:cubicBezTo>
+                <a:cubicBezTo>
+                  <a:pt x="204517" y="142033"/>
+                  <a:pt x="328544" y="176704"/>
+                  <a:pt x="446834" y="183035"/>
+                </a:cubicBezTo>
+                <a:cubicBezTo>
+                  <a:pt x="315038" y="179785"/>
+                  <a:pt x="221115" y="213460"/>
+                  <a:pt x="223417" y="263814"/>
+                </a:cubicBezTo>
+                <a:cubicBezTo>
+                  <a:pt x="232039" y="333012"/>
+                  <a:pt x="212268" y="441442"/>
+                  <a:pt x="223417" y="565552"/>
+                </a:cubicBezTo>
+                <a:cubicBezTo>
+                  <a:pt x="224405" y="596801"/>
+                  <a:pt x="97947" y="661187"/>
+                  <a:pt x="0" y="646331"/>
+                </a:cubicBezTo>
+              </a:path>
+            </a:pathLst>
+          </a:custGeom>
+          <a:ln>
+            <a:extLst>
+              <a:ext uri="{C807C97D-BFC1-408E-A445-0C87EB9F89A2}">
+                <ask:lineSketchStyleProps xmlns:ask="http://schemas.microsoft.com/office/drawing/2018/sketchyshapes" sd="1219033472">
+                  <a:prstGeom prst="rightBrace">
+                    <a:avLst>
+                      <a:gd name="adj1" fmla="val 18078"/>
+                      <a:gd name="adj2" fmla="val 28319"/>
+                    </a:avLst>
+                  </a:prstGeom>
+                  <ask:type>
+                    <ask:lineSketchScribble/>
+                  </ask:type>
+                </ask:lineSketchStyleProps>
+              </a:ext>
+            </a:extLst>
+          </a:ln>
         </p:spPr>
         <p:style>
           <a:lnRef idx="2">
@@ -9656,7 +9631,11 @@
           <a:bodyPr/>
           <a:lstStyle/>
           <a:p>
-            <a:endParaRPr lang="en-KR"/>
+            <a:r>
+              <a:rPr lang="en-US" dirty="0"/>
+              <a:t>Before Training Session</a:t>
+            </a:r>
+            <a:endParaRPr lang="en-KR" dirty="0"/>
           </a:p>
         </p:txBody>
       </p:sp>
@@ -9678,13 +9657,178 @@
         </p:nvSpPr>
         <p:spPr/>
         <p:txBody>
-          <a:bodyPr/>
-          <a:lstStyle/>
-          <a:p>
-            <a:endParaRPr lang="en-KR"/>
-          </a:p>
-        </p:txBody>
-      </p:sp>
+          <a:bodyPr>
+            <a:normAutofit fontScale="92500" lnSpcReduction="20000"/>
+          </a:bodyPr>
+          <a:lstStyle/>
+          <a:p>
+            <a:r>
+              <a:rPr lang="en-KR" dirty="0"/>
+              <a:t>LLM </a:t>
+            </a:r>
+            <a:r>
+              <a:rPr lang="ko-KR" altLang="en-US" dirty="0"/>
+              <a:t>학습의 </a:t>
+            </a:r>
+            <a:r>
+              <a:rPr lang="en-US" altLang="ko-KR" dirty="0"/>
+              <a:t>Traditional </a:t>
+            </a:r>
+            <a:r>
+              <a:rPr lang="ko-KR" altLang="en-US" dirty="0"/>
+              <a:t>한 방식대로 진행됨</a:t>
+            </a:r>
+            <a:endParaRPr lang="en-KR" dirty="0"/>
+          </a:p>
+          <a:p>
+            <a:endParaRPr lang="en-KR" dirty="0"/>
+          </a:p>
+          <a:p>
+            <a:endParaRPr lang="en-KR" dirty="0"/>
+          </a:p>
+          <a:p>
+            <a:endParaRPr lang="en-KR" dirty="0"/>
+          </a:p>
+          <a:p>
+            <a:endParaRPr lang="en-KR" dirty="0"/>
+          </a:p>
+          <a:p>
+            <a:endParaRPr lang="en-KR" dirty="0"/>
+          </a:p>
+          <a:p>
+            <a:endParaRPr lang="en-KR" dirty="0"/>
+          </a:p>
+          <a:p>
+            <a:endParaRPr lang="en-KR" dirty="0"/>
+          </a:p>
+          <a:p>
+            <a:r>
+              <a:rPr lang="en-KR" dirty="0"/>
+              <a:t>Adaptor </a:t>
+            </a:r>
+            <a:r>
+              <a:rPr lang="ko-KR" altLang="en-US" dirty="0"/>
+              <a:t>저놈이 뭐냐</a:t>
+            </a:r>
+            <a:r>
+              <a:rPr lang="en-US" altLang="ko-KR" dirty="0"/>
+              <a:t> &lt;- finetuning </a:t>
+            </a:r>
+            <a:r>
+              <a:rPr lang="ko-KR" altLang="en-US" dirty="0"/>
+              <a:t>을 쉽게 하게 </a:t>
+            </a:r>
+            <a:r>
+              <a:rPr lang="ko-KR" altLang="en-US" dirty="0" err="1"/>
+              <a:t>해주는녀석</a:t>
+            </a:r>
+            <a:endParaRPr lang="en-US" altLang="ko-KR" dirty="0"/>
+          </a:p>
+          <a:p>
+            <a:pPr lvl="1"/>
+            <a:r>
+              <a:rPr lang="en-US" altLang="ko-KR" i="1" dirty="0">
+                <a:solidFill>
+                  <a:schemeClr val="accent6"/>
+                </a:solidFill>
+              </a:rPr>
+              <a:t>LLM </a:t>
+            </a:r>
+            <a:r>
+              <a:rPr lang="ko-KR" altLang="en-US" i="1" dirty="0">
+                <a:solidFill>
+                  <a:schemeClr val="accent6"/>
+                </a:solidFill>
+              </a:rPr>
+              <a:t>튜닝을 위한 </a:t>
+            </a:r>
+            <a:r>
+              <a:rPr lang="en-US" altLang="ko-KR" i="1" dirty="0">
+                <a:solidFill>
+                  <a:schemeClr val="accent6"/>
+                </a:solidFill>
+              </a:rPr>
+              <a:t>Skill</a:t>
+            </a:r>
+          </a:p>
+          <a:p>
+            <a:pPr lvl="1"/>
+            <a:r>
+              <a:rPr lang="ko-KR" altLang="en-US" dirty="0"/>
+              <a:t>작은 모듈 붙여서</a:t>
+            </a:r>
+            <a:r>
+              <a:rPr lang="en-US" altLang="ko-KR" dirty="0"/>
+              <a:t>,</a:t>
+            </a:r>
+            <a:r>
+              <a:rPr lang="ko-KR" altLang="en-US" dirty="0"/>
+              <a:t> 그것들만 학습시키면서 성능을 증가시킴</a:t>
+            </a:r>
+            <a:endParaRPr lang="en-US" altLang="ko-KR" dirty="0"/>
+          </a:p>
+          <a:p>
+            <a:endParaRPr lang="en-KR" dirty="0"/>
+          </a:p>
+        </p:txBody>
+      </p:sp>
+      <p:pic>
+        <p:nvPicPr>
+          <p:cNvPr id="6" name="Picture 5">
+            <a:extLst>
+              <a:ext uri="{FF2B5EF4-FFF2-40B4-BE49-F238E27FC236}">
+                <a16:creationId xmlns:a16="http://schemas.microsoft.com/office/drawing/2014/main" id="{E0305133-F12D-9F0D-2D2E-AB88CCB4E932}"/>
+              </a:ext>
+            </a:extLst>
+          </p:cNvPr>
+          <p:cNvPicPr>
+            <a:picLocks noChangeAspect="1"/>
+          </p:cNvPicPr>
+          <p:nvPr/>
+        </p:nvPicPr>
+        <p:blipFill>
+          <a:blip r:embed="rId2"/>
+          <a:stretch>
+            <a:fillRect/>
+          </a:stretch>
+        </p:blipFill>
+        <p:spPr>
+          <a:xfrm>
+            <a:off x="1372259" y="2307615"/>
+            <a:ext cx="9447482" cy="2603587"/>
+          </a:xfrm>
+          <a:prstGeom prst="rect">
+            <a:avLst/>
+          </a:prstGeom>
+          <a:noFill/>
+          <a:ln w="38100" cap="flat">
+            <a:gradFill>
+              <a:gsLst>
+                <a:gs pos="80000">
+                  <a:srgbClr val="EA3566"/>
+                </a:gs>
+                <a:gs pos="60000">
+                  <a:srgbClr val="EA3B58"/>
+                </a:gs>
+                <a:gs pos="40000">
+                  <a:srgbClr val="EC6037"/>
+                </a:gs>
+                <a:gs pos="19000">
+                  <a:srgbClr val="ED6D32"/>
+                </a:gs>
+                <a:gs pos="0">
+                  <a:srgbClr val="F4B140"/>
+                </a:gs>
+                <a:gs pos="100000">
+                  <a:srgbClr val="CB4CC9"/>
+                </a:gs>
+              </a:gsLst>
+              <a:lin ang="2700000" scaled="0"/>
+            </a:gradFill>
+            <a:miter lim="800000"/>
+          </a:ln>
+        </p:spPr>
+      </p:pic>
     </p:spTree>
     <p:extLst>
       <p:ext uri="{BB962C8B-B14F-4D97-AF65-F5344CB8AC3E}">
@@ -9698,45 +9842,318 @@
 </p:sld>
 </file>
 
+<file path=ppt/slides/slide6.xml><?xml version="1.0" encoding="utf-8"?>
+<p:sld xmlns:a="http://schemas.openxmlformats.org/drawingml/2006/main" xmlns:r="http://schemas.openxmlformats.org/officeDocument/2006/relationships" xmlns:p="http://schemas.openxmlformats.org/presentationml/2006/main">
+  <p:cSld>
+    <p:spTree>
+      <p:nvGrpSpPr>
+        <p:cNvPr id="1" name=""/>
+        <p:cNvGrpSpPr/>
+        <p:nvPr/>
+      </p:nvGrpSpPr>
+      <p:grpSpPr>
+        <a:xfrm>
+          <a:off x="0" y="0"/>
+          <a:ext cx="0" cy="0"/>
+          <a:chOff x="0" y="0"/>
+          <a:chExt cx="0" cy="0"/>
+        </a:xfrm>
+      </p:grpSpPr>
+      <p:sp>
+        <p:nvSpPr>
+          <p:cNvPr id="2" name="Title 1">
+            <a:extLst>
+              <a:ext uri="{FF2B5EF4-FFF2-40B4-BE49-F238E27FC236}">
+                <a16:creationId xmlns:a16="http://schemas.microsoft.com/office/drawing/2014/main" id="{13907ED7-5894-BBEB-3BD5-E25D064DF83C}"/>
+              </a:ext>
+            </a:extLst>
+          </p:cNvPr>
+          <p:cNvSpPr>
+            <a:spLocks noGrp="1"/>
+          </p:cNvSpPr>
+          <p:nvPr>
+            <p:ph type="title"/>
+          </p:nvPr>
+        </p:nvSpPr>
+        <p:spPr/>
+        <p:txBody>
+          <a:bodyPr/>
+          <a:lstStyle/>
+          <a:p>
+            <a:endParaRPr lang="en-KR"/>
+          </a:p>
+        </p:txBody>
+      </p:sp>
+      <p:sp>
+        <p:nvSpPr>
+          <p:cNvPr id="3" name="Content Placeholder 2">
+            <a:extLst>
+              <a:ext uri="{FF2B5EF4-FFF2-40B4-BE49-F238E27FC236}">
+                <a16:creationId xmlns:a16="http://schemas.microsoft.com/office/drawing/2014/main" id="{550773A3-68A3-0C92-DC5B-E92B8D78C8D5}"/>
+              </a:ext>
+            </a:extLst>
+          </p:cNvPr>
+          <p:cNvSpPr>
+            <a:spLocks noGrp="1"/>
+          </p:cNvSpPr>
+          <p:nvPr>
+            <p:ph idx="1"/>
+          </p:nvPr>
+        </p:nvSpPr>
+        <p:spPr/>
+        <p:txBody>
+          <a:bodyPr/>
+          <a:lstStyle/>
+          <a:p>
+            <a:endParaRPr lang="en-KR"/>
+          </a:p>
+        </p:txBody>
+      </p:sp>
+      <p:pic>
+        <p:nvPicPr>
+          <p:cNvPr id="4" name="Picture 3">
+            <a:extLst>
+              <a:ext uri="{FF2B5EF4-FFF2-40B4-BE49-F238E27FC236}">
+                <a16:creationId xmlns:a16="http://schemas.microsoft.com/office/drawing/2014/main" id="{0C2D199C-791D-9556-0CA9-554536E08073}"/>
+              </a:ext>
+            </a:extLst>
+          </p:cNvPr>
+          <p:cNvPicPr>
+            <a:picLocks noChangeAspect="1"/>
+          </p:cNvPicPr>
+          <p:nvPr/>
+        </p:nvPicPr>
+        <p:blipFill>
+          <a:blip r:embed="rId2"/>
+          <a:stretch>
+            <a:fillRect/>
+          </a:stretch>
+        </p:blipFill>
+        <p:spPr>
+          <a:xfrm>
+            <a:off x="1372259" y="2307615"/>
+            <a:ext cx="9447482" cy="2603587"/>
+          </a:xfrm>
+          <a:prstGeom prst="rect">
+            <a:avLst/>
+          </a:prstGeom>
+          <a:noFill/>
+          <a:ln w="38100" cap="flat">
+            <a:gradFill>
+              <a:gsLst>
+                <a:gs pos="80000">
+                  <a:srgbClr val="EA3566"/>
+                </a:gs>
+                <a:gs pos="60000">
+                  <a:srgbClr val="EA3B58"/>
+                </a:gs>
+                <a:gs pos="40000">
+                  <a:srgbClr val="EC6037"/>
+                </a:gs>
+                <a:gs pos="19000">
+                  <a:srgbClr val="ED6D32"/>
+                </a:gs>
+                <a:gs pos="0">
+                  <a:srgbClr val="F4B140"/>
+                </a:gs>
+                <a:gs pos="100000">
+                  <a:srgbClr val="CB4CC9"/>
+                </a:gs>
+              </a:gsLst>
+              <a:lin ang="2700000" scaled="0"/>
+            </a:gradFill>
+            <a:miter lim="800000"/>
+          </a:ln>
+        </p:spPr>
+      </p:pic>
+    </p:spTree>
+    <p:extLst>
+      <p:ext uri="{BB962C8B-B14F-4D97-AF65-F5344CB8AC3E}">
+        <p14:creationId xmlns:p14="http://schemas.microsoft.com/office/powerpoint/2010/main" val="765859738"/>
+      </p:ext>
+    </p:extLst>
+  </p:cSld>
+  <p:clrMapOvr>
+    <a:masterClrMapping/>
+  </p:clrMapOvr>
+</p:sld>
+</file>
+
+<file path=ppt/slides/slide7.xml><?xml version="1.0" encoding="utf-8"?>
+<p:sld xmlns:a="http://schemas.openxmlformats.org/drawingml/2006/main" xmlns:r="http://schemas.openxmlformats.org/officeDocument/2006/relationships" xmlns:p="http://schemas.openxmlformats.org/presentationml/2006/main">
+  <p:cSld>
+    <p:spTree>
+      <p:nvGrpSpPr>
+        <p:cNvPr id="1" name=""/>
+        <p:cNvGrpSpPr/>
+        <p:nvPr/>
+      </p:nvGrpSpPr>
+      <p:grpSpPr>
+        <a:xfrm>
+          <a:off x="0" y="0"/>
+          <a:ext cx="0" cy="0"/>
+          <a:chOff x="0" y="0"/>
+          <a:chExt cx="0" cy="0"/>
+        </a:xfrm>
+      </p:grpSpPr>
+      <p:sp>
+        <p:nvSpPr>
+          <p:cNvPr id="2" name="Title 1">
+            <a:extLst>
+              <a:ext uri="{FF2B5EF4-FFF2-40B4-BE49-F238E27FC236}">
+                <a16:creationId xmlns:a16="http://schemas.microsoft.com/office/drawing/2014/main" id="{F4B20B5D-54ED-945D-EC0E-28A4A029B66C}"/>
+              </a:ext>
+            </a:extLst>
+          </p:cNvPr>
+          <p:cNvSpPr>
+            <a:spLocks noGrp="1"/>
+          </p:cNvSpPr>
+          <p:nvPr>
+            <p:ph type="title"/>
+          </p:nvPr>
+        </p:nvSpPr>
+        <p:spPr/>
+        <p:txBody>
+          <a:bodyPr/>
+          <a:lstStyle/>
+          <a:p>
+            <a:endParaRPr lang="en-KR"/>
+          </a:p>
+        </p:txBody>
+      </p:sp>
+      <p:sp>
+        <p:nvSpPr>
+          <p:cNvPr id="3" name="Content Placeholder 2">
+            <a:extLst>
+              <a:ext uri="{FF2B5EF4-FFF2-40B4-BE49-F238E27FC236}">
+                <a16:creationId xmlns:a16="http://schemas.microsoft.com/office/drawing/2014/main" id="{A919FC46-44A4-B983-F495-A130E56D6DF8}"/>
+              </a:ext>
+            </a:extLst>
+          </p:cNvPr>
+          <p:cNvSpPr>
+            <a:spLocks noGrp="1"/>
+          </p:cNvSpPr>
+          <p:nvPr>
+            <p:ph idx="1"/>
+          </p:nvPr>
+        </p:nvSpPr>
+        <p:spPr/>
+        <p:txBody>
+          <a:bodyPr/>
+          <a:lstStyle/>
+          <a:p>
+            <a:endParaRPr lang="en-KR"/>
+          </a:p>
+        </p:txBody>
+      </p:sp>
+      <p:pic>
+        <p:nvPicPr>
+          <p:cNvPr id="4" name="Picture 3">
+            <a:extLst>
+              <a:ext uri="{FF2B5EF4-FFF2-40B4-BE49-F238E27FC236}">
+                <a16:creationId xmlns:a16="http://schemas.microsoft.com/office/drawing/2014/main" id="{A3776C48-CCB5-5836-584C-43D1E595080B}"/>
+              </a:ext>
+            </a:extLst>
+          </p:cNvPr>
+          <p:cNvPicPr>
+            <a:picLocks noChangeAspect="1"/>
+          </p:cNvPicPr>
+          <p:nvPr/>
+        </p:nvPicPr>
+        <p:blipFill>
+          <a:blip r:embed="rId2"/>
+          <a:srcRect r="67275"/>
+          <a:stretch/>
+        </p:blipFill>
+        <p:spPr>
+          <a:xfrm>
+            <a:off x="1372259" y="2307615"/>
+            <a:ext cx="3091676" cy="2603587"/>
+          </a:xfrm>
+          <a:prstGeom prst="rect">
+            <a:avLst/>
+          </a:prstGeom>
+          <a:noFill/>
+          <a:ln w="38100" cap="flat">
+            <a:gradFill>
+              <a:gsLst>
+                <a:gs pos="80000">
+                  <a:srgbClr val="EA3566"/>
+                </a:gs>
+                <a:gs pos="60000">
+                  <a:srgbClr val="EA3B58"/>
+                </a:gs>
+                <a:gs pos="40000">
+                  <a:srgbClr val="EC6037"/>
+                </a:gs>
+                <a:gs pos="19000">
+                  <a:srgbClr val="ED6D32"/>
+                </a:gs>
+                <a:gs pos="0">
+                  <a:srgbClr val="F4B140"/>
+                </a:gs>
+                <a:gs pos="100000">
+                  <a:srgbClr val="CB4CC9"/>
+                </a:gs>
+              </a:gsLst>
+              <a:lin ang="2700000" scaled="0"/>
+            </a:gradFill>
+            <a:miter lim="800000"/>
+          </a:ln>
+        </p:spPr>
+      </p:pic>
+    </p:spTree>
+    <p:extLst>
+      <p:ext uri="{BB962C8B-B14F-4D97-AF65-F5344CB8AC3E}">
+        <p14:creationId xmlns:p14="http://schemas.microsoft.com/office/powerpoint/2010/main" val="992659809"/>
+      </p:ext>
+    </p:extLst>
+  </p:cSld>
+  <p:clrMapOvr>
+    <a:masterClrMapping/>
+  </p:clrMapOvr>
+</p:sld>
+</file>
+
 <file path=ppt/theme/theme1.xml><?xml version="1.0" encoding="utf-8"?>
 <a:theme xmlns:a="http://schemas.openxmlformats.org/drawingml/2006/main" name="Office Theme">
   <a:themeElements>
-    <a:clrScheme name="Office">
+    <a:clrScheme name="inst_cstm1">
       <a:dk1>
-        <a:sysClr val="windowText" lastClr="000000"/>
+        <a:srgbClr val="2E2E57"/>
       </a:dk1>
       <a:lt1>
-        <a:sysClr val="window" lastClr="FFFFFF"/>
+        <a:srgbClr val="FFFFFF"/>
       </a:lt1>
       <a:dk2>
-        <a:srgbClr val="0E2841"/>
+        <a:srgbClr val="3B3737"/>
       </a:dk2>
       <a:lt2>
-        <a:srgbClr val="E8E8E8"/>
+        <a:srgbClr val="DCE0E7"/>
       </a:lt2>
       <a:accent1>
-        <a:srgbClr val="156082"/>
+        <a:srgbClr val="F4B040"/>
       </a:accent1>
       <a:accent2>
-        <a:srgbClr val="E97132"/>
+        <a:srgbClr val="EC6C32"/>
       </a:accent2>
       <a:accent3>
-        <a:srgbClr val="196B24"/>
+        <a:srgbClr val="EC6036"/>
       </a:accent3>
       <a:accent4>
-        <a:srgbClr val="0F9ED5"/>
+        <a:srgbClr val="E93A58"/>
       </a:accent4>
       <a:accent5>
-        <a:srgbClr val="A02B93"/>
+        <a:srgbClr val="EA3566"/>
       </a:accent5>
       <a:accent6>
-        <a:srgbClr val="4EA72E"/>
+        <a:srgbClr val="CB4BC9"/>
       </a:accent6>
       <a:hlink>
-        <a:srgbClr val="467886"/>
+        <a:srgbClr val="87ABDF"/>
       </a:hlink>
       <a:folHlink>
-        <a:srgbClr val="96607D"/>
+        <a:srgbClr val="3BB9A4"/>
       </a:folHlink>
     </a:clrScheme>
     <a:fontScheme name="Office">

--- a/Studying must go on/Presentation1.pptx
+++ b/Studying must go on/Presentation1.pptx
@@ -2,24 +2,35 @@
 <file path=ppt/presentation.xml><?xml version="1.0" encoding="utf-8"?>
 <p:presentation xmlns:a="http://schemas.openxmlformats.org/drawingml/2006/main" xmlns:r="http://schemas.openxmlformats.org/officeDocument/2006/relationships" xmlns:p="http://schemas.openxmlformats.org/presentationml/2006/main" saveSubsetFonts="1" autoCompressPictures="0">
   <p:sldMasterIdLst>
-    <p:sldMasterId id="2147483648" r:id="rId1"/>
+    <p:sldMasterId id="2147483660" r:id="rId1"/>
   </p:sldMasterIdLst>
   <p:sldIdLst>
     <p:sldId id="261" r:id="rId2"/>
     <p:sldId id="258" r:id="rId3"/>
     <p:sldId id="257" r:id="rId4"/>
-    <p:sldId id="259" r:id="rId5"/>
-    <p:sldId id="260" r:id="rId6"/>
-    <p:sldId id="263" r:id="rId7"/>
+    <p:sldId id="273" r:id="rId5"/>
+    <p:sldId id="259" r:id="rId6"/>
+    <p:sldId id="260" r:id="rId7"/>
     <p:sldId id="262" r:id="rId8"/>
+    <p:sldId id="263" r:id="rId9"/>
+    <p:sldId id="264" r:id="rId10"/>
+    <p:sldId id="265" r:id="rId11"/>
+    <p:sldId id="271" r:id="rId12"/>
+    <p:sldId id="272" r:id="rId13"/>
+    <p:sldId id="267" r:id="rId14"/>
+    <p:sldId id="266" r:id="rId15"/>
+    <p:sldId id="275" r:id="rId16"/>
+    <p:sldId id="268" r:id="rId17"/>
+    <p:sldId id="274" r:id="rId18"/>
+    <p:sldId id="269" r:id="rId19"/>
   </p:sldIdLst>
   <p:sldSz cx="12192000" cy="6858000"/>
   <p:notesSz cx="6858000" cy="9144000"/>
   <p:defaultTextStyle>
     <a:defPPr>
-      <a:defRPr lang="en-KR"/>
+      <a:defRPr lang="en-US"/>
     </a:defPPr>
-    <a:lvl1pPr marL="0" algn="l" defTabSz="914400" rtl="0" eaLnBrk="1" latinLnBrk="0" hangingPunct="1">
+    <a:lvl1pPr marL="0" algn="l" defTabSz="457200" rtl="0" eaLnBrk="1" latinLnBrk="0" hangingPunct="1">
       <a:defRPr sz="1800" kern="1200">
         <a:solidFill>
           <a:schemeClr val="tx1"/>
@@ -29,7 +40,7 @@
         <a:cs typeface="+mn-cs"/>
       </a:defRPr>
     </a:lvl1pPr>
-    <a:lvl2pPr marL="457200" algn="l" defTabSz="914400" rtl="0" eaLnBrk="1" latinLnBrk="0" hangingPunct="1">
+    <a:lvl2pPr marL="457200" algn="l" defTabSz="457200" rtl="0" eaLnBrk="1" latinLnBrk="0" hangingPunct="1">
       <a:defRPr sz="1800" kern="1200">
         <a:solidFill>
           <a:schemeClr val="tx1"/>
@@ -39,7 +50,7 @@
         <a:cs typeface="+mn-cs"/>
       </a:defRPr>
     </a:lvl2pPr>
-    <a:lvl3pPr marL="914400" algn="l" defTabSz="914400" rtl="0" eaLnBrk="1" latinLnBrk="0" hangingPunct="1">
+    <a:lvl3pPr marL="914400" algn="l" defTabSz="457200" rtl="0" eaLnBrk="1" latinLnBrk="0" hangingPunct="1">
       <a:defRPr sz="1800" kern="1200">
         <a:solidFill>
           <a:schemeClr val="tx1"/>
@@ -49,7 +60,7 @@
         <a:cs typeface="+mn-cs"/>
       </a:defRPr>
     </a:lvl3pPr>
-    <a:lvl4pPr marL="1371600" algn="l" defTabSz="914400" rtl="0" eaLnBrk="1" latinLnBrk="0" hangingPunct="1">
+    <a:lvl4pPr marL="1371600" algn="l" defTabSz="457200" rtl="0" eaLnBrk="1" latinLnBrk="0" hangingPunct="1">
       <a:defRPr sz="1800" kern="1200">
         <a:solidFill>
           <a:schemeClr val="tx1"/>
@@ -59,7 +70,7 @@
         <a:cs typeface="+mn-cs"/>
       </a:defRPr>
     </a:lvl4pPr>
-    <a:lvl5pPr marL="1828800" algn="l" defTabSz="914400" rtl="0" eaLnBrk="1" latinLnBrk="0" hangingPunct="1">
+    <a:lvl5pPr marL="1828800" algn="l" defTabSz="457200" rtl="0" eaLnBrk="1" latinLnBrk="0" hangingPunct="1">
       <a:defRPr sz="1800" kern="1200">
         <a:solidFill>
           <a:schemeClr val="tx1"/>
@@ -69,7 +80,7 @@
         <a:cs typeface="+mn-cs"/>
       </a:defRPr>
     </a:lvl5pPr>
-    <a:lvl6pPr marL="2286000" algn="l" defTabSz="914400" rtl="0" eaLnBrk="1" latinLnBrk="0" hangingPunct="1">
+    <a:lvl6pPr marL="2286000" algn="l" defTabSz="457200" rtl="0" eaLnBrk="1" latinLnBrk="0" hangingPunct="1">
       <a:defRPr sz="1800" kern="1200">
         <a:solidFill>
           <a:schemeClr val="tx1"/>
@@ -79,7 +90,7 @@
         <a:cs typeface="+mn-cs"/>
       </a:defRPr>
     </a:lvl6pPr>
-    <a:lvl7pPr marL="2743200" algn="l" defTabSz="914400" rtl="0" eaLnBrk="1" latinLnBrk="0" hangingPunct="1">
+    <a:lvl7pPr marL="2743200" algn="l" defTabSz="457200" rtl="0" eaLnBrk="1" latinLnBrk="0" hangingPunct="1">
       <a:defRPr sz="1800" kern="1200">
         <a:solidFill>
           <a:schemeClr val="tx1"/>
@@ -89,7 +100,7 @@
         <a:cs typeface="+mn-cs"/>
       </a:defRPr>
     </a:lvl7pPr>
-    <a:lvl8pPr marL="3200400" algn="l" defTabSz="914400" rtl="0" eaLnBrk="1" latinLnBrk="0" hangingPunct="1">
+    <a:lvl8pPr marL="3200400" algn="l" defTabSz="457200" rtl="0" eaLnBrk="1" latinLnBrk="0" hangingPunct="1">
       <a:defRPr sz="1800" kern="1200">
         <a:solidFill>
           <a:schemeClr val="tx1"/>
@@ -99,7 +110,7 @@
         <a:cs typeface="+mn-cs"/>
       </a:defRPr>
     </a:lvl8pPr>
-    <a:lvl9pPr marL="3657600" algn="l" defTabSz="914400" rtl="0" eaLnBrk="1" latinLnBrk="0" hangingPunct="1">
+    <a:lvl9pPr marL="3657600" algn="l" defTabSz="457200" rtl="0" eaLnBrk="1" latinLnBrk="0" hangingPunct="1">
       <a:defRPr sz="1800" kern="1200">
         <a:solidFill>
           <a:schemeClr val="tx1"/>
@@ -110,6 +121,46 @@
       </a:defRPr>
     </a:lvl9pPr>
   </p:defaultTextStyle>
+  <p:extLst>
+    <p:ext uri="{521415D9-36F7-43E2-AB2F-B90AF26B5E84}">
+      <p14:sectionLst xmlns:p14="http://schemas.microsoft.com/office/powerpoint/2010/main">
+        <p14:section name="Janus" id="{7BB6FDFE-6373-7343-9D17-608851B83571}">
+          <p14:sldIdLst>
+            <p14:sldId id="261"/>
+            <p14:sldId id="258"/>
+            <p14:sldId id="257"/>
+            <p14:sldId id="273"/>
+            <p14:sldId id="259"/>
+            <p14:sldId id="260"/>
+            <p14:sldId id="262"/>
+            <p14:sldId id="263"/>
+            <p14:sldId id="264"/>
+            <p14:sldId id="265"/>
+          </p14:sldIdLst>
+        </p14:section>
+        <p14:section name="DeepSeek - VL2" id="{00FAF134-0AF6-724A-8D99-E06CB08FDB6C}">
+          <p14:sldIdLst>
+            <p14:sldId id="271"/>
+            <p14:sldId id="272"/>
+          </p14:sldIdLst>
+        </p14:section>
+        <p14:section name="JanusFlow" id="{7B8EA3E5-E16D-F74C-B0F3-020F1E1DFA8D}">
+          <p14:sldIdLst>
+            <p14:sldId id="267"/>
+            <p14:sldId id="266"/>
+            <p14:sldId id="275"/>
+          </p14:sldIdLst>
+        </p14:section>
+        <p14:section name="Janus Pro" id="{BBDA0E13-3499-7941-A673-A55FD05EAEEB}">
+          <p14:sldIdLst>
+            <p14:sldId id="268"/>
+            <p14:sldId id="274"/>
+            <p14:sldId id="269"/>
+          </p14:sldIdLst>
+        </p14:section>
+      </p14:sectionLst>
+    </p:ext>
+  </p:extLst>
 </p:presentation>
 </file>
 
@@ -132,13 +183,7 @@
       </p:grpSpPr>
       <p:sp>
         <p:nvSpPr>
-          <p:cNvPr id="2" name="Title 1">
-            <a:extLst>
-              <a:ext uri="{FF2B5EF4-FFF2-40B4-BE49-F238E27FC236}">
-                <a16:creationId xmlns:a16="http://schemas.microsoft.com/office/drawing/2014/main" id="{6D572AA4-D923-30BF-5B3F-55272B3BBF1C}"/>
-              </a:ext>
-            </a:extLst>
-          </p:cNvPr>
+          <p:cNvPr id="2" name="Title 1"/>
           <p:cNvSpPr>
             <a:spLocks noGrp="1"/>
           </p:cNvSpPr>
@@ -164,19 +209,13 @@
               <a:rPr lang="en-US"/>
               <a:t>Click to edit Master title style</a:t>
             </a:r>
-            <a:endParaRPr lang="en-KR"/>
-          </a:p>
-        </p:txBody>
-      </p:sp>
-      <p:sp>
-        <p:nvSpPr>
-          <p:cNvPr id="3" name="Subtitle 2">
-            <a:extLst>
-              <a:ext uri="{FF2B5EF4-FFF2-40B4-BE49-F238E27FC236}">
-                <a16:creationId xmlns:a16="http://schemas.microsoft.com/office/drawing/2014/main" id="{CD554459-89D4-D653-0F72-AFBAC6CCE35A}"/>
-              </a:ext>
-            </a:extLst>
-          </p:cNvPr>
+            <a:endParaRPr lang="en-US" dirty="0"/>
+          </a:p>
+        </p:txBody>
+      </p:sp>
+      <p:sp>
+        <p:nvSpPr>
+          <p:cNvPr id="3" name="Subtitle 2"/>
           <p:cNvSpPr>
             <a:spLocks noGrp="1"/>
           </p:cNvSpPr>
@@ -235,19 +274,13 @@
               <a:rPr lang="en-US"/>
               <a:t>Click to edit Master subtitle style</a:t>
             </a:r>
-            <a:endParaRPr lang="en-KR"/>
-          </a:p>
-        </p:txBody>
-      </p:sp>
-      <p:sp>
-        <p:nvSpPr>
-          <p:cNvPr id="4" name="Date Placeholder 3">
-            <a:extLst>
-              <a:ext uri="{FF2B5EF4-FFF2-40B4-BE49-F238E27FC236}">
-                <a16:creationId xmlns:a16="http://schemas.microsoft.com/office/drawing/2014/main" id="{EE103A5C-583B-F4C0-BE1B-C84772027044}"/>
-              </a:ext>
-            </a:extLst>
-          </p:cNvPr>
+            <a:endParaRPr lang="en-US" dirty="0"/>
+          </a:p>
+        </p:txBody>
+      </p:sp>
+      <p:sp>
+        <p:nvSpPr>
+          <p:cNvPr id="4" name="Date Placeholder 3"/>
           <p:cNvSpPr>
             <a:spLocks noGrp="1"/>
           </p:cNvSpPr>
@@ -270,13 +303,7 @@
       </p:sp>
       <p:sp>
         <p:nvSpPr>
-          <p:cNvPr id="5" name="Footer Placeholder 4">
-            <a:extLst>
-              <a:ext uri="{FF2B5EF4-FFF2-40B4-BE49-F238E27FC236}">
-                <a16:creationId xmlns:a16="http://schemas.microsoft.com/office/drawing/2014/main" id="{02BF9E7E-98CC-1D85-865B-CC30E2F8AEF7}"/>
-              </a:ext>
-            </a:extLst>
-          </p:cNvPr>
+          <p:cNvPr id="5" name="Footer Placeholder 4"/>
           <p:cNvSpPr>
             <a:spLocks noGrp="1"/>
           </p:cNvSpPr>
@@ -295,13 +322,7 @@
       </p:sp>
       <p:sp>
         <p:nvSpPr>
-          <p:cNvPr id="6" name="Slide Number Placeholder 5">
-            <a:extLst>
-              <a:ext uri="{FF2B5EF4-FFF2-40B4-BE49-F238E27FC236}">
-                <a16:creationId xmlns:a16="http://schemas.microsoft.com/office/drawing/2014/main" id="{105A8019-316C-62B7-8F1B-9C198E1BE7C2}"/>
-              </a:ext>
-            </a:extLst>
-          </p:cNvPr>
+          <p:cNvPr id="6" name="Slide Number Placeholder 5"/>
           <p:cNvSpPr>
             <a:spLocks noGrp="1"/>
           </p:cNvSpPr>
@@ -325,7 +346,7 @@
     </p:spTree>
     <p:extLst>
       <p:ext uri="{BB962C8B-B14F-4D97-AF65-F5344CB8AC3E}">
-        <p14:creationId xmlns:p14="http://schemas.microsoft.com/office/powerpoint/2010/main" val="3609291585"/>
+        <p14:creationId xmlns:p14="http://schemas.microsoft.com/office/powerpoint/2010/main" val="2210273468"/>
       </p:ext>
     </p:extLst>
   </p:cSld>
@@ -354,13 +375,7 @@
       </p:grpSpPr>
       <p:sp>
         <p:nvSpPr>
-          <p:cNvPr id="2" name="Title 1">
-            <a:extLst>
-              <a:ext uri="{FF2B5EF4-FFF2-40B4-BE49-F238E27FC236}">
-                <a16:creationId xmlns:a16="http://schemas.microsoft.com/office/drawing/2014/main" id="{31F71092-6E1C-6FB4-628B-A9ACBF41996F}"/>
-              </a:ext>
-            </a:extLst>
-          </p:cNvPr>
+          <p:cNvPr id="2" name="Title 1"/>
           <p:cNvSpPr>
             <a:spLocks noGrp="1"/>
           </p:cNvSpPr>
@@ -377,19 +392,13 @@
               <a:rPr lang="en-US"/>
               <a:t>Click to edit Master title style</a:t>
             </a:r>
-            <a:endParaRPr lang="en-KR"/>
-          </a:p>
-        </p:txBody>
-      </p:sp>
-      <p:sp>
-        <p:nvSpPr>
-          <p:cNvPr id="3" name="Vertical Text Placeholder 2">
-            <a:extLst>
-              <a:ext uri="{FF2B5EF4-FFF2-40B4-BE49-F238E27FC236}">
-                <a16:creationId xmlns:a16="http://schemas.microsoft.com/office/drawing/2014/main" id="{8FB5A66A-1BE9-D2DD-951A-99600D35B4B8}"/>
-              </a:ext>
-            </a:extLst>
-          </p:cNvPr>
+            <a:endParaRPr lang="en-US" dirty="0"/>
+          </a:p>
+        </p:txBody>
+      </p:sp>
+      <p:sp>
+        <p:nvSpPr>
+          <p:cNvPr id="3" name="Vertical Text Placeholder 2"/>
           <p:cNvSpPr>
             <a:spLocks noGrp="1"/>
           </p:cNvSpPr>
@@ -435,19 +444,13 @@
               <a:rPr lang="en-US"/>
               <a:t>Fifth level</a:t>
             </a:r>
-            <a:endParaRPr lang="en-KR"/>
-          </a:p>
-        </p:txBody>
-      </p:sp>
-      <p:sp>
-        <p:nvSpPr>
-          <p:cNvPr id="4" name="Date Placeholder 3">
-            <a:extLst>
-              <a:ext uri="{FF2B5EF4-FFF2-40B4-BE49-F238E27FC236}">
-                <a16:creationId xmlns:a16="http://schemas.microsoft.com/office/drawing/2014/main" id="{D47F0F26-C697-88DF-323F-C37F8D3EA4B1}"/>
-              </a:ext>
-            </a:extLst>
-          </p:cNvPr>
+            <a:endParaRPr lang="en-US" dirty="0"/>
+          </a:p>
+        </p:txBody>
+      </p:sp>
+      <p:sp>
+        <p:nvSpPr>
+          <p:cNvPr id="4" name="Date Placeholder 3"/>
           <p:cNvSpPr>
             <a:spLocks noGrp="1"/>
           </p:cNvSpPr>
@@ -470,13 +473,7 @@
       </p:sp>
       <p:sp>
         <p:nvSpPr>
-          <p:cNvPr id="5" name="Footer Placeholder 4">
-            <a:extLst>
-              <a:ext uri="{FF2B5EF4-FFF2-40B4-BE49-F238E27FC236}">
-                <a16:creationId xmlns:a16="http://schemas.microsoft.com/office/drawing/2014/main" id="{A836259F-0AAC-5585-3ECA-F6B3726A46BA}"/>
-              </a:ext>
-            </a:extLst>
-          </p:cNvPr>
+          <p:cNvPr id="5" name="Footer Placeholder 4"/>
           <p:cNvSpPr>
             <a:spLocks noGrp="1"/>
           </p:cNvSpPr>
@@ -495,13 +492,7 @@
       </p:sp>
       <p:sp>
         <p:nvSpPr>
-          <p:cNvPr id="6" name="Slide Number Placeholder 5">
-            <a:extLst>
-              <a:ext uri="{FF2B5EF4-FFF2-40B4-BE49-F238E27FC236}">
-                <a16:creationId xmlns:a16="http://schemas.microsoft.com/office/drawing/2014/main" id="{AD3FB832-6A59-43D5-B878-AC15302A53F6}"/>
-              </a:ext>
-            </a:extLst>
-          </p:cNvPr>
+          <p:cNvPr id="6" name="Slide Number Placeholder 5"/>
           <p:cNvSpPr>
             <a:spLocks noGrp="1"/>
           </p:cNvSpPr>
@@ -525,7 +516,7 @@
     </p:spTree>
     <p:extLst>
       <p:ext uri="{BB962C8B-B14F-4D97-AF65-F5344CB8AC3E}">
-        <p14:creationId xmlns:p14="http://schemas.microsoft.com/office/powerpoint/2010/main" val="1958010154"/>
+        <p14:creationId xmlns:p14="http://schemas.microsoft.com/office/powerpoint/2010/main" val="4283873432"/>
       </p:ext>
     </p:extLst>
   </p:cSld>
@@ -554,13 +545,7 @@
       </p:grpSpPr>
       <p:sp>
         <p:nvSpPr>
-          <p:cNvPr id="2" name="Vertical Title 1">
-            <a:extLst>
-              <a:ext uri="{FF2B5EF4-FFF2-40B4-BE49-F238E27FC236}">
-                <a16:creationId xmlns:a16="http://schemas.microsoft.com/office/drawing/2014/main" id="{DA5E9366-6A19-99BC-0595-2D2805D70290}"/>
-              </a:ext>
-            </a:extLst>
-          </p:cNvPr>
+          <p:cNvPr id="2" name="Vertical Title 1"/>
           <p:cNvSpPr>
             <a:spLocks noGrp="1"/>
           </p:cNvSpPr>
@@ -582,19 +567,13 @@
               <a:rPr lang="en-US"/>
               <a:t>Click to edit Master title style</a:t>
             </a:r>
-            <a:endParaRPr lang="en-KR"/>
-          </a:p>
-        </p:txBody>
-      </p:sp>
-      <p:sp>
-        <p:nvSpPr>
-          <p:cNvPr id="3" name="Vertical Text Placeholder 2">
-            <a:extLst>
-              <a:ext uri="{FF2B5EF4-FFF2-40B4-BE49-F238E27FC236}">
-                <a16:creationId xmlns:a16="http://schemas.microsoft.com/office/drawing/2014/main" id="{9E766C97-C8CD-2E84-3E39-15248892F4C4}"/>
-              </a:ext>
-            </a:extLst>
-          </p:cNvPr>
+            <a:endParaRPr lang="en-US" dirty="0"/>
+          </a:p>
+        </p:txBody>
+      </p:sp>
+      <p:sp>
+        <p:nvSpPr>
+          <p:cNvPr id="3" name="Vertical Text Placeholder 2"/>
           <p:cNvSpPr>
             <a:spLocks noGrp="1"/>
           </p:cNvSpPr>
@@ -645,19 +624,13 @@
               <a:rPr lang="en-US"/>
               <a:t>Fifth level</a:t>
             </a:r>
-            <a:endParaRPr lang="en-KR"/>
-          </a:p>
-        </p:txBody>
-      </p:sp>
-      <p:sp>
-        <p:nvSpPr>
-          <p:cNvPr id="4" name="Date Placeholder 3">
-            <a:extLst>
-              <a:ext uri="{FF2B5EF4-FFF2-40B4-BE49-F238E27FC236}">
-                <a16:creationId xmlns:a16="http://schemas.microsoft.com/office/drawing/2014/main" id="{FED08755-2A2C-F4EE-80C8-66788D940552}"/>
-              </a:ext>
-            </a:extLst>
-          </p:cNvPr>
+            <a:endParaRPr lang="en-US" dirty="0"/>
+          </a:p>
+        </p:txBody>
+      </p:sp>
+      <p:sp>
+        <p:nvSpPr>
+          <p:cNvPr id="4" name="Date Placeholder 3"/>
           <p:cNvSpPr>
             <a:spLocks noGrp="1"/>
           </p:cNvSpPr>
@@ -680,13 +653,7 @@
       </p:sp>
       <p:sp>
         <p:nvSpPr>
-          <p:cNvPr id="5" name="Footer Placeholder 4">
-            <a:extLst>
-              <a:ext uri="{FF2B5EF4-FFF2-40B4-BE49-F238E27FC236}">
-                <a16:creationId xmlns:a16="http://schemas.microsoft.com/office/drawing/2014/main" id="{65F1D46E-C1A9-D013-FC8F-75CC403A77B7}"/>
-              </a:ext>
-            </a:extLst>
-          </p:cNvPr>
+          <p:cNvPr id="5" name="Footer Placeholder 4"/>
           <p:cNvSpPr>
             <a:spLocks noGrp="1"/>
           </p:cNvSpPr>
@@ -705,13 +672,7 @@
       </p:sp>
       <p:sp>
         <p:nvSpPr>
-          <p:cNvPr id="6" name="Slide Number Placeholder 5">
-            <a:extLst>
-              <a:ext uri="{FF2B5EF4-FFF2-40B4-BE49-F238E27FC236}">
-                <a16:creationId xmlns:a16="http://schemas.microsoft.com/office/drawing/2014/main" id="{E95FCEF1-6FBB-D1E9-EF8E-9821E601DB33}"/>
-              </a:ext>
-            </a:extLst>
-          </p:cNvPr>
+          <p:cNvPr id="6" name="Slide Number Placeholder 5"/>
           <p:cNvSpPr>
             <a:spLocks noGrp="1"/>
           </p:cNvSpPr>
@@ -735,7 +696,7 @@
     </p:spTree>
     <p:extLst>
       <p:ext uri="{BB962C8B-B14F-4D97-AF65-F5344CB8AC3E}">
-        <p14:creationId xmlns:p14="http://schemas.microsoft.com/office/powerpoint/2010/main" val="2174950222"/>
+        <p14:creationId xmlns:p14="http://schemas.microsoft.com/office/powerpoint/2010/main" val="1416693765"/>
       </p:ext>
     </p:extLst>
   </p:cSld>
@@ -764,13 +725,7 @@
       </p:grpSpPr>
       <p:sp>
         <p:nvSpPr>
-          <p:cNvPr id="2" name="Title 1">
-            <a:extLst>
-              <a:ext uri="{FF2B5EF4-FFF2-40B4-BE49-F238E27FC236}">
-                <a16:creationId xmlns:a16="http://schemas.microsoft.com/office/drawing/2014/main" id="{2815EFF2-83FA-A978-FE97-EC3055B9F643}"/>
-              </a:ext>
-            </a:extLst>
-          </p:cNvPr>
+          <p:cNvPr id="2" name="Title 1"/>
           <p:cNvSpPr>
             <a:spLocks noGrp="1"/>
           </p:cNvSpPr>
@@ -787,19 +742,13 @@
               <a:rPr lang="en-US"/>
               <a:t>Click to edit Master title style</a:t>
             </a:r>
-            <a:endParaRPr lang="en-KR"/>
-          </a:p>
-        </p:txBody>
-      </p:sp>
-      <p:sp>
-        <p:nvSpPr>
-          <p:cNvPr id="3" name="Content Placeholder 2">
-            <a:extLst>
-              <a:ext uri="{FF2B5EF4-FFF2-40B4-BE49-F238E27FC236}">
-                <a16:creationId xmlns:a16="http://schemas.microsoft.com/office/drawing/2014/main" id="{9589C143-596C-F365-2EEB-BBFC2050DB2F}"/>
-              </a:ext>
-            </a:extLst>
-          </p:cNvPr>
+            <a:endParaRPr lang="en-US" dirty="0"/>
+          </a:p>
+        </p:txBody>
+      </p:sp>
+      <p:sp>
+        <p:nvSpPr>
+          <p:cNvPr id="3" name="Content Placeholder 2"/>
           <p:cNvSpPr>
             <a:spLocks noGrp="1"/>
           </p:cNvSpPr>
@@ -845,19 +794,13 @@
               <a:rPr lang="en-US"/>
               <a:t>Fifth level</a:t>
             </a:r>
-            <a:endParaRPr lang="en-KR"/>
-          </a:p>
-        </p:txBody>
-      </p:sp>
-      <p:sp>
-        <p:nvSpPr>
-          <p:cNvPr id="4" name="Date Placeholder 3">
-            <a:extLst>
-              <a:ext uri="{FF2B5EF4-FFF2-40B4-BE49-F238E27FC236}">
-                <a16:creationId xmlns:a16="http://schemas.microsoft.com/office/drawing/2014/main" id="{5BD4145F-5DD5-0008-81C2-680A5D4854B3}"/>
-              </a:ext>
-            </a:extLst>
-          </p:cNvPr>
+            <a:endParaRPr lang="en-US" dirty="0"/>
+          </a:p>
+        </p:txBody>
+      </p:sp>
+      <p:sp>
+        <p:nvSpPr>
+          <p:cNvPr id="4" name="Date Placeholder 3"/>
           <p:cNvSpPr>
             <a:spLocks noGrp="1"/>
           </p:cNvSpPr>
@@ -880,13 +823,7 @@
       </p:sp>
       <p:sp>
         <p:nvSpPr>
-          <p:cNvPr id="5" name="Footer Placeholder 4">
-            <a:extLst>
-              <a:ext uri="{FF2B5EF4-FFF2-40B4-BE49-F238E27FC236}">
-                <a16:creationId xmlns:a16="http://schemas.microsoft.com/office/drawing/2014/main" id="{F7FF7267-4281-5909-FA41-D83635BF3D67}"/>
-              </a:ext>
-            </a:extLst>
-          </p:cNvPr>
+          <p:cNvPr id="5" name="Footer Placeholder 4"/>
           <p:cNvSpPr>
             <a:spLocks noGrp="1"/>
           </p:cNvSpPr>
@@ -905,13 +842,7 @@
       </p:sp>
       <p:sp>
         <p:nvSpPr>
-          <p:cNvPr id="6" name="Slide Number Placeholder 5">
-            <a:extLst>
-              <a:ext uri="{FF2B5EF4-FFF2-40B4-BE49-F238E27FC236}">
-                <a16:creationId xmlns:a16="http://schemas.microsoft.com/office/drawing/2014/main" id="{F4940F31-5E91-7891-0212-D260519C074E}"/>
-              </a:ext>
-            </a:extLst>
-          </p:cNvPr>
+          <p:cNvPr id="6" name="Slide Number Placeholder 5"/>
           <p:cNvSpPr>
             <a:spLocks noGrp="1"/>
           </p:cNvSpPr>
@@ -935,7 +866,7 @@
     </p:spTree>
     <p:extLst>
       <p:ext uri="{BB962C8B-B14F-4D97-AF65-F5344CB8AC3E}">
-        <p14:creationId xmlns:p14="http://schemas.microsoft.com/office/powerpoint/2010/main" val="3263577509"/>
+        <p14:creationId xmlns:p14="http://schemas.microsoft.com/office/powerpoint/2010/main" val="2811252175"/>
       </p:ext>
     </p:extLst>
   </p:cSld>
@@ -964,13 +895,7 @@
       </p:grpSpPr>
       <p:sp>
         <p:nvSpPr>
-          <p:cNvPr id="2" name="Title 1">
-            <a:extLst>
-              <a:ext uri="{FF2B5EF4-FFF2-40B4-BE49-F238E27FC236}">
-                <a16:creationId xmlns:a16="http://schemas.microsoft.com/office/drawing/2014/main" id="{4E402D81-BA01-B2DB-1CEC-93BC4B13CD6E}"/>
-              </a:ext>
-            </a:extLst>
-          </p:cNvPr>
+          <p:cNvPr id="2" name="Title 1"/>
           <p:cNvSpPr>
             <a:spLocks noGrp="1"/>
           </p:cNvSpPr>
@@ -996,19 +921,13 @@
               <a:rPr lang="en-US"/>
               <a:t>Click to edit Master title style</a:t>
             </a:r>
-            <a:endParaRPr lang="en-KR"/>
-          </a:p>
-        </p:txBody>
-      </p:sp>
-      <p:sp>
-        <p:nvSpPr>
-          <p:cNvPr id="3" name="Text Placeholder 2">
-            <a:extLst>
-              <a:ext uri="{FF2B5EF4-FFF2-40B4-BE49-F238E27FC236}">
-                <a16:creationId xmlns:a16="http://schemas.microsoft.com/office/drawing/2014/main" id="{562F99CF-CC1C-8427-F101-79A9ADE92AB7}"/>
-              </a:ext>
-            </a:extLst>
-          </p:cNvPr>
+            <a:endParaRPr lang="en-US" dirty="0"/>
+          </a:p>
+        </p:txBody>
+      </p:sp>
+      <p:sp>
+        <p:nvSpPr>
+          <p:cNvPr id="3" name="Text Placeholder 2"/>
           <p:cNvSpPr>
             <a:spLocks noGrp="1"/>
           </p:cNvSpPr>
@@ -1030,7 +949,7 @@
               <a:defRPr sz="2400">
                 <a:solidFill>
                   <a:schemeClr val="tx1">
-                    <a:tint val="82000"/>
+                    <a:tint val="75000"/>
                   </a:schemeClr>
                 </a:solidFill>
               </a:defRPr>
@@ -1040,7 +959,7 @@
               <a:defRPr sz="2000">
                 <a:solidFill>
                   <a:schemeClr val="tx1">
-                    <a:tint val="82000"/>
+                    <a:tint val="75000"/>
                   </a:schemeClr>
                 </a:solidFill>
               </a:defRPr>
@@ -1050,7 +969,7 @@
               <a:defRPr sz="1800">
                 <a:solidFill>
                   <a:schemeClr val="tx1">
-                    <a:tint val="82000"/>
+                    <a:tint val="75000"/>
                   </a:schemeClr>
                 </a:solidFill>
               </a:defRPr>
@@ -1060,7 +979,7 @@
               <a:defRPr sz="1600">
                 <a:solidFill>
                   <a:schemeClr val="tx1">
-                    <a:tint val="82000"/>
+                    <a:tint val="75000"/>
                   </a:schemeClr>
                 </a:solidFill>
               </a:defRPr>
@@ -1070,7 +989,7 @@
               <a:defRPr sz="1600">
                 <a:solidFill>
                   <a:schemeClr val="tx1">
-                    <a:tint val="82000"/>
+                    <a:tint val="75000"/>
                   </a:schemeClr>
                 </a:solidFill>
               </a:defRPr>
@@ -1080,7 +999,7 @@
               <a:defRPr sz="1600">
                 <a:solidFill>
                   <a:schemeClr val="tx1">
-                    <a:tint val="82000"/>
+                    <a:tint val="75000"/>
                   </a:schemeClr>
                 </a:solidFill>
               </a:defRPr>
@@ -1090,7 +1009,7 @@
               <a:defRPr sz="1600">
                 <a:solidFill>
                   <a:schemeClr val="tx1">
-                    <a:tint val="82000"/>
+                    <a:tint val="75000"/>
                   </a:schemeClr>
                 </a:solidFill>
               </a:defRPr>
@@ -1100,7 +1019,7 @@
               <a:defRPr sz="1600">
                 <a:solidFill>
                   <a:schemeClr val="tx1">
-                    <a:tint val="82000"/>
+                    <a:tint val="75000"/>
                   </a:schemeClr>
                 </a:solidFill>
               </a:defRPr>
@@ -1110,7 +1029,7 @@
               <a:defRPr sz="1600">
                 <a:solidFill>
                   <a:schemeClr val="tx1">
-                    <a:tint val="82000"/>
+                    <a:tint val="75000"/>
                   </a:schemeClr>
                 </a:solidFill>
               </a:defRPr>
@@ -1127,13 +1046,7 @@
       </p:sp>
       <p:sp>
         <p:nvSpPr>
-          <p:cNvPr id="4" name="Date Placeholder 3">
-            <a:extLst>
-              <a:ext uri="{FF2B5EF4-FFF2-40B4-BE49-F238E27FC236}">
-                <a16:creationId xmlns:a16="http://schemas.microsoft.com/office/drawing/2014/main" id="{1482059A-205F-215D-11DD-6DBBDD7E28AD}"/>
-              </a:ext>
-            </a:extLst>
-          </p:cNvPr>
+          <p:cNvPr id="4" name="Date Placeholder 3"/>
           <p:cNvSpPr>
             <a:spLocks noGrp="1"/>
           </p:cNvSpPr>
@@ -1156,13 +1069,7 @@
       </p:sp>
       <p:sp>
         <p:nvSpPr>
-          <p:cNvPr id="5" name="Footer Placeholder 4">
-            <a:extLst>
-              <a:ext uri="{FF2B5EF4-FFF2-40B4-BE49-F238E27FC236}">
-                <a16:creationId xmlns:a16="http://schemas.microsoft.com/office/drawing/2014/main" id="{901AC2B8-FD3C-2416-7248-032B8FCCB3AC}"/>
-              </a:ext>
-            </a:extLst>
-          </p:cNvPr>
+          <p:cNvPr id="5" name="Footer Placeholder 4"/>
           <p:cNvSpPr>
             <a:spLocks noGrp="1"/>
           </p:cNvSpPr>
@@ -1181,13 +1088,7 @@
       </p:sp>
       <p:sp>
         <p:nvSpPr>
-          <p:cNvPr id="6" name="Slide Number Placeholder 5">
-            <a:extLst>
-              <a:ext uri="{FF2B5EF4-FFF2-40B4-BE49-F238E27FC236}">
-                <a16:creationId xmlns:a16="http://schemas.microsoft.com/office/drawing/2014/main" id="{C657D214-E60E-4006-FB43-1FB4EEAA3B5B}"/>
-              </a:ext>
-            </a:extLst>
-          </p:cNvPr>
+          <p:cNvPr id="6" name="Slide Number Placeholder 5"/>
           <p:cNvSpPr>
             <a:spLocks noGrp="1"/>
           </p:cNvSpPr>
@@ -1211,7 +1112,7 @@
     </p:spTree>
     <p:extLst>
       <p:ext uri="{BB962C8B-B14F-4D97-AF65-F5344CB8AC3E}">
-        <p14:creationId xmlns:p14="http://schemas.microsoft.com/office/powerpoint/2010/main" val="177506479"/>
+        <p14:creationId xmlns:p14="http://schemas.microsoft.com/office/powerpoint/2010/main" val="1584820814"/>
       </p:ext>
     </p:extLst>
   </p:cSld>
@@ -1240,13 +1141,7 @@
       </p:grpSpPr>
       <p:sp>
         <p:nvSpPr>
-          <p:cNvPr id="2" name="Title 1">
-            <a:extLst>
-              <a:ext uri="{FF2B5EF4-FFF2-40B4-BE49-F238E27FC236}">
-                <a16:creationId xmlns:a16="http://schemas.microsoft.com/office/drawing/2014/main" id="{99D88FBB-4AE1-84B6-9A96-184F42E0B138}"/>
-              </a:ext>
-            </a:extLst>
-          </p:cNvPr>
+          <p:cNvPr id="2" name="Title 1"/>
           <p:cNvSpPr>
             <a:spLocks noGrp="1"/>
           </p:cNvSpPr>
@@ -1263,19 +1158,13 @@
               <a:rPr lang="en-US"/>
               <a:t>Click to edit Master title style</a:t>
             </a:r>
-            <a:endParaRPr lang="en-KR"/>
-          </a:p>
-        </p:txBody>
-      </p:sp>
-      <p:sp>
-        <p:nvSpPr>
-          <p:cNvPr id="3" name="Content Placeholder 2">
-            <a:extLst>
-              <a:ext uri="{FF2B5EF4-FFF2-40B4-BE49-F238E27FC236}">
-                <a16:creationId xmlns:a16="http://schemas.microsoft.com/office/drawing/2014/main" id="{5A108F93-51EC-FC97-3F7F-3415F72ED2BE}"/>
-              </a:ext>
-            </a:extLst>
-          </p:cNvPr>
+            <a:endParaRPr lang="en-US" dirty="0"/>
+          </a:p>
+        </p:txBody>
+      </p:sp>
+      <p:sp>
+        <p:nvSpPr>
+          <p:cNvPr id="3" name="Content Placeholder 2"/>
           <p:cNvSpPr>
             <a:spLocks noGrp="1"/>
           </p:cNvSpPr>
@@ -1326,19 +1215,13 @@
               <a:rPr lang="en-US"/>
               <a:t>Fifth level</a:t>
             </a:r>
-            <a:endParaRPr lang="en-KR"/>
-          </a:p>
-        </p:txBody>
-      </p:sp>
-      <p:sp>
-        <p:nvSpPr>
-          <p:cNvPr id="4" name="Content Placeholder 3">
-            <a:extLst>
-              <a:ext uri="{FF2B5EF4-FFF2-40B4-BE49-F238E27FC236}">
-                <a16:creationId xmlns:a16="http://schemas.microsoft.com/office/drawing/2014/main" id="{B425EEDB-0AD4-9512-36F2-F9599A1FE97E}"/>
-              </a:ext>
-            </a:extLst>
-          </p:cNvPr>
+            <a:endParaRPr lang="en-US" dirty="0"/>
+          </a:p>
+        </p:txBody>
+      </p:sp>
+      <p:sp>
+        <p:nvSpPr>
+          <p:cNvPr id="4" name="Content Placeholder 3"/>
           <p:cNvSpPr>
             <a:spLocks noGrp="1"/>
           </p:cNvSpPr>
@@ -1389,19 +1272,13 @@
               <a:rPr lang="en-US"/>
               <a:t>Fifth level</a:t>
             </a:r>
-            <a:endParaRPr lang="en-KR"/>
-          </a:p>
-        </p:txBody>
-      </p:sp>
-      <p:sp>
-        <p:nvSpPr>
-          <p:cNvPr id="5" name="Date Placeholder 4">
-            <a:extLst>
-              <a:ext uri="{FF2B5EF4-FFF2-40B4-BE49-F238E27FC236}">
-                <a16:creationId xmlns:a16="http://schemas.microsoft.com/office/drawing/2014/main" id="{35AE8B12-2809-21EC-0803-E46BD08CD4BF}"/>
-              </a:ext>
-            </a:extLst>
-          </p:cNvPr>
+            <a:endParaRPr lang="en-US" dirty="0"/>
+          </a:p>
+        </p:txBody>
+      </p:sp>
+      <p:sp>
+        <p:nvSpPr>
+          <p:cNvPr id="5" name="Date Placeholder 4"/>
           <p:cNvSpPr>
             <a:spLocks noGrp="1"/>
           </p:cNvSpPr>
@@ -1424,13 +1301,7 @@
       </p:sp>
       <p:sp>
         <p:nvSpPr>
-          <p:cNvPr id="6" name="Footer Placeholder 5">
-            <a:extLst>
-              <a:ext uri="{FF2B5EF4-FFF2-40B4-BE49-F238E27FC236}">
-                <a16:creationId xmlns:a16="http://schemas.microsoft.com/office/drawing/2014/main" id="{E3925B2C-D1C7-4CC9-A4ED-B1FE58EFB985}"/>
-              </a:ext>
-            </a:extLst>
-          </p:cNvPr>
+          <p:cNvPr id="6" name="Footer Placeholder 5"/>
           <p:cNvSpPr>
             <a:spLocks noGrp="1"/>
           </p:cNvSpPr>
@@ -1449,13 +1320,7 @@
       </p:sp>
       <p:sp>
         <p:nvSpPr>
-          <p:cNvPr id="7" name="Slide Number Placeholder 6">
-            <a:extLst>
-              <a:ext uri="{FF2B5EF4-FFF2-40B4-BE49-F238E27FC236}">
-                <a16:creationId xmlns:a16="http://schemas.microsoft.com/office/drawing/2014/main" id="{9DA95882-5A1C-863B-BBEC-499D79A7DC51}"/>
-              </a:ext>
-            </a:extLst>
-          </p:cNvPr>
+          <p:cNvPr id="7" name="Slide Number Placeholder 6"/>
           <p:cNvSpPr>
             <a:spLocks noGrp="1"/>
           </p:cNvSpPr>
@@ -1479,7 +1344,7 @@
     </p:spTree>
     <p:extLst>
       <p:ext uri="{BB962C8B-B14F-4D97-AF65-F5344CB8AC3E}">
-        <p14:creationId xmlns:p14="http://schemas.microsoft.com/office/powerpoint/2010/main" val="3811857470"/>
+        <p14:creationId xmlns:p14="http://schemas.microsoft.com/office/powerpoint/2010/main" val="2299935066"/>
       </p:ext>
     </p:extLst>
   </p:cSld>
@@ -1508,13 +1373,7 @@
       </p:grpSpPr>
       <p:sp>
         <p:nvSpPr>
-          <p:cNvPr id="2" name="Title 1">
-            <a:extLst>
-              <a:ext uri="{FF2B5EF4-FFF2-40B4-BE49-F238E27FC236}">
-                <a16:creationId xmlns:a16="http://schemas.microsoft.com/office/drawing/2014/main" id="{490494BC-4EA4-0305-08C6-01DFC05EF69F}"/>
-              </a:ext>
-            </a:extLst>
-          </p:cNvPr>
+          <p:cNvPr id="2" name="Title 1"/>
           <p:cNvSpPr>
             <a:spLocks noGrp="1"/>
           </p:cNvSpPr>
@@ -1536,19 +1395,13 @@
               <a:rPr lang="en-US"/>
               <a:t>Click to edit Master title style</a:t>
             </a:r>
-            <a:endParaRPr lang="en-KR"/>
-          </a:p>
-        </p:txBody>
-      </p:sp>
-      <p:sp>
-        <p:nvSpPr>
-          <p:cNvPr id="3" name="Text Placeholder 2">
-            <a:extLst>
-              <a:ext uri="{FF2B5EF4-FFF2-40B4-BE49-F238E27FC236}">
-                <a16:creationId xmlns:a16="http://schemas.microsoft.com/office/drawing/2014/main" id="{295E6CFE-C7DD-E180-A948-05B45A55A100}"/>
-              </a:ext>
-            </a:extLst>
-          </p:cNvPr>
+            <a:endParaRPr lang="en-US" dirty="0"/>
+          </a:p>
+        </p:txBody>
+      </p:sp>
+      <p:sp>
+        <p:nvSpPr>
+          <p:cNvPr id="3" name="Text Placeholder 2"/>
           <p:cNvSpPr>
             <a:spLocks noGrp="1"/>
           </p:cNvSpPr>
@@ -1613,13 +1466,7 @@
       </p:sp>
       <p:sp>
         <p:nvSpPr>
-          <p:cNvPr id="4" name="Content Placeholder 3">
-            <a:extLst>
-              <a:ext uri="{FF2B5EF4-FFF2-40B4-BE49-F238E27FC236}">
-                <a16:creationId xmlns:a16="http://schemas.microsoft.com/office/drawing/2014/main" id="{5EFEE2C6-8F3E-1F9F-C53A-ED1E090CA0D7}"/>
-              </a:ext>
-            </a:extLst>
-          </p:cNvPr>
+          <p:cNvPr id="4" name="Content Placeholder 3"/>
           <p:cNvSpPr>
             <a:spLocks noGrp="1"/>
           </p:cNvSpPr>
@@ -1670,19 +1517,13 @@
               <a:rPr lang="en-US"/>
               <a:t>Fifth level</a:t>
             </a:r>
-            <a:endParaRPr lang="en-KR"/>
-          </a:p>
-        </p:txBody>
-      </p:sp>
-      <p:sp>
-        <p:nvSpPr>
-          <p:cNvPr id="5" name="Text Placeholder 4">
-            <a:extLst>
-              <a:ext uri="{FF2B5EF4-FFF2-40B4-BE49-F238E27FC236}">
-                <a16:creationId xmlns:a16="http://schemas.microsoft.com/office/drawing/2014/main" id="{B4F84CAB-4570-F7F6-33B0-2398918AFE64}"/>
-              </a:ext>
-            </a:extLst>
-          </p:cNvPr>
+            <a:endParaRPr lang="en-US" dirty="0"/>
+          </a:p>
+        </p:txBody>
+      </p:sp>
+      <p:sp>
+        <p:nvSpPr>
+          <p:cNvPr id="5" name="Text Placeholder 4"/>
           <p:cNvSpPr>
             <a:spLocks noGrp="1"/>
           </p:cNvSpPr>
@@ -1747,13 +1588,7 @@
       </p:sp>
       <p:sp>
         <p:nvSpPr>
-          <p:cNvPr id="6" name="Content Placeholder 5">
-            <a:extLst>
-              <a:ext uri="{FF2B5EF4-FFF2-40B4-BE49-F238E27FC236}">
-                <a16:creationId xmlns:a16="http://schemas.microsoft.com/office/drawing/2014/main" id="{C50C853E-2A12-FEB8-29D9-87ECC3230E9F}"/>
-              </a:ext>
-            </a:extLst>
-          </p:cNvPr>
+          <p:cNvPr id="6" name="Content Placeholder 5"/>
           <p:cNvSpPr>
             <a:spLocks noGrp="1"/>
           </p:cNvSpPr>
@@ -1804,19 +1639,13 @@
               <a:rPr lang="en-US"/>
               <a:t>Fifth level</a:t>
             </a:r>
-            <a:endParaRPr lang="en-KR"/>
-          </a:p>
-        </p:txBody>
-      </p:sp>
-      <p:sp>
-        <p:nvSpPr>
-          <p:cNvPr id="7" name="Date Placeholder 6">
-            <a:extLst>
-              <a:ext uri="{FF2B5EF4-FFF2-40B4-BE49-F238E27FC236}">
-                <a16:creationId xmlns:a16="http://schemas.microsoft.com/office/drawing/2014/main" id="{BDFA9C12-81A0-8807-063E-49CFF0A50C53}"/>
-              </a:ext>
-            </a:extLst>
-          </p:cNvPr>
+            <a:endParaRPr lang="en-US" dirty="0"/>
+          </a:p>
+        </p:txBody>
+      </p:sp>
+      <p:sp>
+        <p:nvSpPr>
+          <p:cNvPr id="7" name="Date Placeholder 6"/>
           <p:cNvSpPr>
             <a:spLocks noGrp="1"/>
           </p:cNvSpPr>
@@ -1839,13 +1668,7 @@
       </p:sp>
       <p:sp>
         <p:nvSpPr>
-          <p:cNvPr id="8" name="Footer Placeholder 7">
-            <a:extLst>
-              <a:ext uri="{FF2B5EF4-FFF2-40B4-BE49-F238E27FC236}">
-                <a16:creationId xmlns:a16="http://schemas.microsoft.com/office/drawing/2014/main" id="{717F4224-F619-2EE9-9455-F2D2071138EE}"/>
-              </a:ext>
-            </a:extLst>
-          </p:cNvPr>
+          <p:cNvPr id="8" name="Footer Placeholder 7"/>
           <p:cNvSpPr>
             <a:spLocks noGrp="1"/>
           </p:cNvSpPr>
@@ -1864,13 +1687,7 @@
       </p:sp>
       <p:sp>
         <p:nvSpPr>
-          <p:cNvPr id="9" name="Slide Number Placeholder 8">
-            <a:extLst>
-              <a:ext uri="{FF2B5EF4-FFF2-40B4-BE49-F238E27FC236}">
-                <a16:creationId xmlns:a16="http://schemas.microsoft.com/office/drawing/2014/main" id="{067FA789-59D6-142F-4646-B70514131F34}"/>
-              </a:ext>
-            </a:extLst>
-          </p:cNvPr>
+          <p:cNvPr id="9" name="Slide Number Placeholder 8"/>
           <p:cNvSpPr>
             <a:spLocks noGrp="1"/>
           </p:cNvSpPr>
@@ -1894,7 +1711,7 @@
     </p:spTree>
     <p:extLst>
       <p:ext uri="{BB962C8B-B14F-4D97-AF65-F5344CB8AC3E}">
-        <p14:creationId xmlns:p14="http://schemas.microsoft.com/office/powerpoint/2010/main" val="990189308"/>
+        <p14:creationId xmlns:p14="http://schemas.microsoft.com/office/powerpoint/2010/main" val="2135778782"/>
       </p:ext>
     </p:extLst>
   </p:cSld>
@@ -1923,13 +1740,7 @@
       </p:grpSpPr>
       <p:sp>
         <p:nvSpPr>
-          <p:cNvPr id="2" name="Title 1">
-            <a:extLst>
-              <a:ext uri="{FF2B5EF4-FFF2-40B4-BE49-F238E27FC236}">
-                <a16:creationId xmlns:a16="http://schemas.microsoft.com/office/drawing/2014/main" id="{AE9459D5-8B1F-D6BB-A4F2-647DF9F8BC1C}"/>
-              </a:ext>
-            </a:extLst>
-          </p:cNvPr>
+          <p:cNvPr id="2" name="Title 1"/>
           <p:cNvSpPr>
             <a:spLocks noGrp="1"/>
           </p:cNvSpPr>
@@ -1946,19 +1757,13 @@
               <a:rPr lang="en-US"/>
               <a:t>Click to edit Master title style</a:t>
             </a:r>
-            <a:endParaRPr lang="en-KR"/>
-          </a:p>
-        </p:txBody>
-      </p:sp>
-      <p:sp>
-        <p:nvSpPr>
-          <p:cNvPr id="3" name="Date Placeholder 2">
-            <a:extLst>
-              <a:ext uri="{FF2B5EF4-FFF2-40B4-BE49-F238E27FC236}">
-                <a16:creationId xmlns:a16="http://schemas.microsoft.com/office/drawing/2014/main" id="{B2A1EC68-F4D4-CA1C-0B22-7C393B5AF2D9}"/>
-              </a:ext>
-            </a:extLst>
-          </p:cNvPr>
+            <a:endParaRPr lang="en-US" dirty="0"/>
+          </a:p>
+        </p:txBody>
+      </p:sp>
+      <p:sp>
+        <p:nvSpPr>
+          <p:cNvPr id="3" name="Date Placeholder 2"/>
           <p:cNvSpPr>
             <a:spLocks noGrp="1"/>
           </p:cNvSpPr>
@@ -1981,13 +1786,7 @@
       </p:sp>
       <p:sp>
         <p:nvSpPr>
-          <p:cNvPr id="4" name="Footer Placeholder 3">
-            <a:extLst>
-              <a:ext uri="{FF2B5EF4-FFF2-40B4-BE49-F238E27FC236}">
-                <a16:creationId xmlns:a16="http://schemas.microsoft.com/office/drawing/2014/main" id="{9F26AC04-9667-2911-74CC-5A0F6D9E7E66}"/>
-              </a:ext>
-            </a:extLst>
-          </p:cNvPr>
+          <p:cNvPr id="4" name="Footer Placeholder 3"/>
           <p:cNvSpPr>
             <a:spLocks noGrp="1"/>
           </p:cNvSpPr>
@@ -2006,13 +1805,7 @@
       </p:sp>
       <p:sp>
         <p:nvSpPr>
-          <p:cNvPr id="5" name="Slide Number Placeholder 4">
-            <a:extLst>
-              <a:ext uri="{FF2B5EF4-FFF2-40B4-BE49-F238E27FC236}">
-                <a16:creationId xmlns:a16="http://schemas.microsoft.com/office/drawing/2014/main" id="{974803CC-1A15-092C-028F-5DD048836C28}"/>
-              </a:ext>
-            </a:extLst>
-          </p:cNvPr>
+          <p:cNvPr id="5" name="Slide Number Placeholder 4"/>
           <p:cNvSpPr>
             <a:spLocks noGrp="1"/>
           </p:cNvSpPr>
@@ -2036,7 +1829,7 @@
     </p:spTree>
     <p:extLst>
       <p:ext uri="{BB962C8B-B14F-4D97-AF65-F5344CB8AC3E}">
-        <p14:creationId xmlns:p14="http://schemas.microsoft.com/office/powerpoint/2010/main" val="319244791"/>
+        <p14:creationId xmlns:p14="http://schemas.microsoft.com/office/powerpoint/2010/main" val="100355432"/>
       </p:ext>
     </p:extLst>
   </p:cSld>
@@ -2065,13 +1858,7 @@
       </p:grpSpPr>
       <p:sp>
         <p:nvSpPr>
-          <p:cNvPr id="2" name="Date Placeholder 1">
-            <a:extLst>
-              <a:ext uri="{FF2B5EF4-FFF2-40B4-BE49-F238E27FC236}">
-                <a16:creationId xmlns:a16="http://schemas.microsoft.com/office/drawing/2014/main" id="{0FEC067A-2EDC-9177-CDFB-2B285C5CBFDA}"/>
-              </a:ext>
-            </a:extLst>
-          </p:cNvPr>
+          <p:cNvPr id="2" name="Date Placeholder 1"/>
           <p:cNvSpPr>
             <a:spLocks noGrp="1"/>
           </p:cNvSpPr>
@@ -2094,13 +1881,7 @@
       </p:sp>
       <p:sp>
         <p:nvSpPr>
-          <p:cNvPr id="3" name="Footer Placeholder 2">
-            <a:extLst>
-              <a:ext uri="{FF2B5EF4-FFF2-40B4-BE49-F238E27FC236}">
-                <a16:creationId xmlns:a16="http://schemas.microsoft.com/office/drawing/2014/main" id="{A5EB8709-DCFB-EE41-22E9-DC9657B31C13}"/>
-              </a:ext>
-            </a:extLst>
-          </p:cNvPr>
+          <p:cNvPr id="3" name="Footer Placeholder 2"/>
           <p:cNvSpPr>
             <a:spLocks noGrp="1"/>
           </p:cNvSpPr>
@@ -2119,13 +1900,7 @@
       </p:sp>
       <p:sp>
         <p:nvSpPr>
-          <p:cNvPr id="4" name="Slide Number Placeholder 3">
-            <a:extLst>
-              <a:ext uri="{FF2B5EF4-FFF2-40B4-BE49-F238E27FC236}">
-                <a16:creationId xmlns:a16="http://schemas.microsoft.com/office/drawing/2014/main" id="{050116ED-7ED5-3B96-AC34-19D53C015A6F}"/>
-              </a:ext>
-            </a:extLst>
-          </p:cNvPr>
+          <p:cNvPr id="4" name="Slide Number Placeholder 3"/>
           <p:cNvSpPr>
             <a:spLocks noGrp="1"/>
           </p:cNvSpPr>
@@ -2149,7 +1924,7 @@
     </p:spTree>
     <p:extLst>
       <p:ext uri="{BB962C8B-B14F-4D97-AF65-F5344CB8AC3E}">
-        <p14:creationId xmlns:p14="http://schemas.microsoft.com/office/powerpoint/2010/main" val="4110286864"/>
+        <p14:creationId xmlns:p14="http://schemas.microsoft.com/office/powerpoint/2010/main" val="3979102882"/>
       </p:ext>
     </p:extLst>
   </p:cSld>
@@ -2178,13 +1953,7 @@
       </p:grpSpPr>
       <p:sp>
         <p:nvSpPr>
-          <p:cNvPr id="2" name="Title 1">
-            <a:extLst>
-              <a:ext uri="{FF2B5EF4-FFF2-40B4-BE49-F238E27FC236}">
-                <a16:creationId xmlns:a16="http://schemas.microsoft.com/office/drawing/2014/main" id="{28E75EBE-767C-85A5-8761-8F43E68FF4B0}"/>
-              </a:ext>
-            </a:extLst>
-          </p:cNvPr>
+          <p:cNvPr id="2" name="Title 1"/>
           <p:cNvSpPr>
             <a:spLocks noGrp="1"/>
           </p:cNvSpPr>
@@ -2210,19 +1979,13 @@
               <a:rPr lang="en-US"/>
               <a:t>Click to edit Master title style</a:t>
             </a:r>
-            <a:endParaRPr lang="en-KR"/>
-          </a:p>
-        </p:txBody>
-      </p:sp>
-      <p:sp>
-        <p:nvSpPr>
-          <p:cNvPr id="3" name="Content Placeholder 2">
-            <a:extLst>
-              <a:ext uri="{FF2B5EF4-FFF2-40B4-BE49-F238E27FC236}">
-                <a16:creationId xmlns:a16="http://schemas.microsoft.com/office/drawing/2014/main" id="{C634D94B-AF3B-390C-BDF1-FBF7B199D3F6}"/>
-              </a:ext>
-            </a:extLst>
-          </p:cNvPr>
+            <a:endParaRPr lang="en-US" dirty="0"/>
+          </a:p>
+        </p:txBody>
+      </p:sp>
+      <p:sp>
+        <p:nvSpPr>
+          <p:cNvPr id="3" name="Content Placeholder 2"/>
           <p:cNvSpPr>
             <a:spLocks noGrp="1"/>
           </p:cNvSpPr>
@@ -2301,19 +2064,13 @@
               <a:rPr lang="en-US"/>
               <a:t>Fifth level</a:t>
             </a:r>
-            <a:endParaRPr lang="en-KR"/>
-          </a:p>
-        </p:txBody>
-      </p:sp>
-      <p:sp>
-        <p:nvSpPr>
-          <p:cNvPr id="4" name="Text Placeholder 3">
-            <a:extLst>
-              <a:ext uri="{FF2B5EF4-FFF2-40B4-BE49-F238E27FC236}">
-                <a16:creationId xmlns:a16="http://schemas.microsoft.com/office/drawing/2014/main" id="{B5D15DB1-4EA5-1D46-0954-55F70E6C4F33}"/>
-              </a:ext>
-            </a:extLst>
-          </p:cNvPr>
+            <a:endParaRPr lang="en-US" dirty="0"/>
+          </a:p>
+        </p:txBody>
+      </p:sp>
+      <p:sp>
+        <p:nvSpPr>
+          <p:cNvPr id="4" name="Text Placeholder 3"/>
           <p:cNvSpPr>
             <a:spLocks noGrp="1"/>
           </p:cNvSpPr>
@@ -2378,13 +2135,7 @@
       </p:sp>
       <p:sp>
         <p:nvSpPr>
-          <p:cNvPr id="5" name="Date Placeholder 4">
-            <a:extLst>
-              <a:ext uri="{FF2B5EF4-FFF2-40B4-BE49-F238E27FC236}">
-                <a16:creationId xmlns:a16="http://schemas.microsoft.com/office/drawing/2014/main" id="{EF0EE25C-8E5B-701F-98EF-7A0247A364DC}"/>
-              </a:ext>
-            </a:extLst>
-          </p:cNvPr>
+          <p:cNvPr id="5" name="Date Placeholder 4"/>
           <p:cNvSpPr>
             <a:spLocks noGrp="1"/>
           </p:cNvSpPr>
@@ -2407,13 +2158,7 @@
       </p:sp>
       <p:sp>
         <p:nvSpPr>
-          <p:cNvPr id="6" name="Footer Placeholder 5">
-            <a:extLst>
-              <a:ext uri="{FF2B5EF4-FFF2-40B4-BE49-F238E27FC236}">
-                <a16:creationId xmlns:a16="http://schemas.microsoft.com/office/drawing/2014/main" id="{8C83F8DF-CB29-59C4-0DF2-6BCF42828C6B}"/>
-              </a:ext>
-            </a:extLst>
-          </p:cNvPr>
+          <p:cNvPr id="6" name="Footer Placeholder 5"/>
           <p:cNvSpPr>
             <a:spLocks noGrp="1"/>
           </p:cNvSpPr>
@@ -2432,13 +2177,7 @@
       </p:sp>
       <p:sp>
         <p:nvSpPr>
-          <p:cNvPr id="7" name="Slide Number Placeholder 6">
-            <a:extLst>
-              <a:ext uri="{FF2B5EF4-FFF2-40B4-BE49-F238E27FC236}">
-                <a16:creationId xmlns:a16="http://schemas.microsoft.com/office/drawing/2014/main" id="{65491AB4-DEA1-66AB-F0B3-1A3F8F0B7CE0}"/>
-              </a:ext>
-            </a:extLst>
-          </p:cNvPr>
+          <p:cNvPr id="7" name="Slide Number Placeholder 6"/>
           <p:cNvSpPr>
             <a:spLocks noGrp="1"/>
           </p:cNvSpPr>
@@ -2462,7 +2201,7 @@
     </p:spTree>
     <p:extLst>
       <p:ext uri="{BB962C8B-B14F-4D97-AF65-F5344CB8AC3E}">
-        <p14:creationId xmlns:p14="http://schemas.microsoft.com/office/powerpoint/2010/main" val="2793997557"/>
+        <p14:creationId xmlns:p14="http://schemas.microsoft.com/office/powerpoint/2010/main" val="3714711642"/>
       </p:ext>
     </p:extLst>
   </p:cSld>
@@ -2491,13 +2230,7 @@
       </p:grpSpPr>
       <p:sp>
         <p:nvSpPr>
-          <p:cNvPr id="2" name="Title 1">
-            <a:extLst>
-              <a:ext uri="{FF2B5EF4-FFF2-40B4-BE49-F238E27FC236}">
-                <a16:creationId xmlns:a16="http://schemas.microsoft.com/office/drawing/2014/main" id="{FC0BF83E-B931-05C9-7671-BF56A9C4AAAA}"/>
-              </a:ext>
-            </a:extLst>
-          </p:cNvPr>
+          <p:cNvPr id="2" name="Title 1"/>
           <p:cNvSpPr>
             <a:spLocks noGrp="1"/>
           </p:cNvSpPr>
@@ -2523,21 +2256,15 @@
               <a:rPr lang="en-US"/>
               <a:t>Click to edit Master title style</a:t>
             </a:r>
-            <a:endParaRPr lang="en-KR"/>
-          </a:p>
-        </p:txBody>
-      </p:sp>
-      <p:sp>
-        <p:nvSpPr>
-          <p:cNvPr id="3" name="Picture Placeholder 2">
-            <a:extLst>
-              <a:ext uri="{FF2B5EF4-FFF2-40B4-BE49-F238E27FC236}">
-                <a16:creationId xmlns:a16="http://schemas.microsoft.com/office/drawing/2014/main" id="{8BB74F0F-AC9B-BAEE-E2B7-F90AD1174153}"/>
-              </a:ext>
-            </a:extLst>
-          </p:cNvPr>
+            <a:endParaRPr lang="en-US" dirty="0"/>
+          </a:p>
+        </p:txBody>
+      </p:sp>
+      <p:sp>
+        <p:nvSpPr>
+          <p:cNvPr id="3" name="Picture Placeholder 2"/>
           <p:cNvSpPr>
-            <a:spLocks noGrp="1"/>
+            <a:spLocks noGrp="1" noChangeAspect="1"/>
           </p:cNvSpPr>
           <p:nvPr>
             <p:ph type="pic" idx="1"/>
@@ -2550,7 +2277,7 @@
           </a:xfrm>
         </p:spPr>
         <p:txBody>
-          <a:bodyPr/>
+          <a:bodyPr anchor="t"/>
           <a:lstStyle>
             <a:lvl1pPr marL="0" indent="0">
               <a:buNone/>
@@ -2590,19 +2317,17 @@
             </a:lvl9pPr>
           </a:lstStyle>
           <a:p>
-            <a:endParaRPr lang="en-KR"/>
-          </a:p>
-        </p:txBody>
-      </p:sp>
-      <p:sp>
-        <p:nvSpPr>
-          <p:cNvPr id="4" name="Text Placeholder 3">
-            <a:extLst>
-              <a:ext uri="{FF2B5EF4-FFF2-40B4-BE49-F238E27FC236}">
-                <a16:creationId xmlns:a16="http://schemas.microsoft.com/office/drawing/2014/main" id="{FBA04FCA-70B8-2780-CD84-5792CCBF8713}"/>
-              </a:ext>
-            </a:extLst>
-          </p:cNvPr>
+            <a:r>
+              <a:rPr lang="en-US"/>
+              <a:t>Click icon to add picture</a:t>
+            </a:r>
+            <a:endParaRPr lang="en-US" dirty="0"/>
+          </a:p>
+        </p:txBody>
+      </p:sp>
+      <p:sp>
+        <p:nvSpPr>
+          <p:cNvPr id="4" name="Text Placeholder 3"/>
           <p:cNvSpPr>
             <a:spLocks noGrp="1"/>
           </p:cNvSpPr>
@@ -2667,13 +2392,7 @@
       </p:sp>
       <p:sp>
         <p:nvSpPr>
-          <p:cNvPr id="5" name="Date Placeholder 4">
-            <a:extLst>
-              <a:ext uri="{FF2B5EF4-FFF2-40B4-BE49-F238E27FC236}">
-                <a16:creationId xmlns:a16="http://schemas.microsoft.com/office/drawing/2014/main" id="{338923EA-24EB-7D2A-1098-70383A1ABC84}"/>
-              </a:ext>
-            </a:extLst>
-          </p:cNvPr>
+          <p:cNvPr id="5" name="Date Placeholder 4"/>
           <p:cNvSpPr>
             <a:spLocks noGrp="1"/>
           </p:cNvSpPr>
@@ -2696,13 +2415,7 @@
       </p:sp>
       <p:sp>
         <p:nvSpPr>
-          <p:cNvPr id="6" name="Footer Placeholder 5">
-            <a:extLst>
-              <a:ext uri="{FF2B5EF4-FFF2-40B4-BE49-F238E27FC236}">
-                <a16:creationId xmlns:a16="http://schemas.microsoft.com/office/drawing/2014/main" id="{8B52CC93-2E5B-D715-FBB8-BDF1E6340826}"/>
-              </a:ext>
-            </a:extLst>
-          </p:cNvPr>
+          <p:cNvPr id="6" name="Footer Placeholder 5"/>
           <p:cNvSpPr>
             <a:spLocks noGrp="1"/>
           </p:cNvSpPr>
@@ -2721,13 +2434,7 @@
       </p:sp>
       <p:sp>
         <p:nvSpPr>
-          <p:cNvPr id="7" name="Slide Number Placeholder 6">
-            <a:extLst>
-              <a:ext uri="{FF2B5EF4-FFF2-40B4-BE49-F238E27FC236}">
-                <a16:creationId xmlns:a16="http://schemas.microsoft.com/office/drawing/2014/main" id="{3C480C96-9FAB-4E50-F6C5-DC559A9A51ED}"/>
-              </a:ext>
-            </a:extLst>
-          </p:cNvPr>
+          <p:cNvPr id="7" name="Slide Number Placeholder 6"/>
           <p:cNvSpPr>
             <a:spLocks noGrp="1"/>
           </p:cNvSpPr>
@@ -2751,7 +2458,7 @@
     </p:spTree>
     <p:extLst>
       <p:ext uri="{BB962C8B-B14F-4D97-AF65-F5344CB8AC3E}">
-        <p14:creationId xmlns:p14="http://schemas.microsoft.com/office/powerpoint/2010/main" val="3718631158"/>
+        <p14:creationId xmlns:p14="http://schemas.microsoft.com/office/powerpoint/2010/main" val="1977191103"/>
       </p:ext>
     </p:extLst>
   </p:cSld>
@@ -2785,13 +2492,7 @@
       </p:grpSpPr>
       <p:sp>
         <p:nvSpPr>
-          <p:cNvPr id="2" name="Title Placeholder 1">
-            <a:extLst>
-              <a:ext uri="{FF2B5EF4-FFF2-40B4-BE49-F238E27FC236}">
-                <a16:creationId xmlns:a16="http://schemas.microsoft.com/office/drawing/2014/main" id="{332D6F42-AB72-F3B0-6573-58433713018B}"/>
-              </a:ext>
-            </a:extLst>
-          </p:cNvPr>
+          <p:cNvPr id="2" name="Title Placeholder 1"/>
           <p:cNvSpPr>
             <a:spLocks noGrp="1"/>
           </p:cNvSpPr>
@@ -2818,19 +2519,13 @@
               <a:rPr lang="en-US"/>
               <a:t>Click to edit Master title style</a:t>
             </a:r>
-            <a:endParaRPr lang="en-KR"/>
-          </a:p>
-        </p:txBody>
-      </p:sp>
-      <p:sp>
-        <p:nvSpPr>
-          <p:cNvPr id="3" name="Text Placeholder 2">
-            <a:extLst>
-              <a:ext uri="{FF2B5EF4-FFF2-40B4-BE49-F238E27FC236}">
-                <a16:creationId xmlns:a16="http://schemas.microsoft.com/office/drawing/2014/main" id="{74A3D6E4-75E9-4767-C126-234C454BEF66}"/>
-              </a:ext>
-            </a:extLst>
-          </p:cNvPr>
+            <a:endParaRPr lang="en-US" dirty="0"/>
+          </a:p>
+        </p:txBody>
+      </p:sp>
+      <p:sp>
+        <p:nvSpPr>
+          <p:cNvPr id="3" name="Text Placeholder 2"/>
           <p:cNvSpPr>
             <a:spLocks noGrp="1"/>
           </p:cNvSpPr>
@@ -2886,19 +2581,13 @@
               <a:rPr lang="en-US"/>
               <a:t>Fifth level</a:t>
             </a:r>
-            <a:endParaRPr lang="en-KR"/>
-          </a:p>
-        </p:txBody>
-      </p:sp>
-      <p:sp>
-        <p:nvSpPr>
-          <p:cNvPr id="4" name="Date Placeholder 3">
-            <a:extLst>
-              <a:ext uri="{FF2B5EF4-FFF2-40B4-BE49-F238E27FC236}">
-                <a16:creationId xmlns:a16="http://schemas.microsoft.com/office/drawing/2014/main" id="{6F240EC6-7DC1-4F7D-265F-2F06E0837DD1}"/>
-              </a:ext>
-            </a:extLst>
-          </p:cNvPr>
+            <a:endParaRPr lang="en-US" dirty="0"/>
+          </a:p>
+        </p:txBody>
+      </p:sp>
+      <p:sp>
+        <p:nvSpPr>
+          <p:cNvPr id="4" name="Date Placeholder 3"/>
           <p:cNvSpPr>
             <a:spLocks noGrp="1"/>
           </p:cNvSpPr>
@@ -2922,7 +2611,7 @@
               <a:defRPr sz="1200">
                 <a:solidFill>
                   <a:schemeClr val="tx1">
-                    <a:tint val="82000"/>
+                    <a:tint val="75000"/>
                   </a:schemeClr>
                 </a:solidFill>
               </a:defRPr>
@@ -2939,13 +2628,7 @@
       </p:sp>
       <p:sp>
         <p:nvSpPr>
-          <p:cNvPr id="5" name="Footer Placeholder 4">
-            <a:extLst>
-              <a:ext uri="{FF2B5EF4-FFF2-40B4-BE49-F238E27FC236}">
-                <a16:creationId xmlns:a16="http://schemas.microsoft.com/office/drawing/2014/main" id="{CA7A4A3D-6B68-E24F-31DA-3A3D7F52B866}"/>
-              </a:ext>
-            </a:extLst>
-          </p:cNvPr>
+          <p:cNvPr id="5" name="Footer Placeholder 4"/>
           <p:cNvSpPr>
             <a:spLocks noGrp="1"/>
           </p:cNvSpPr>
@@ -2969,7 +2652,7 @@
               <a:defRPr sz="1200">
                 <a:solidFill>
                   <a:schemeClr val="tx1">
-                    <a:tint val="82000"/>
+                    <a:tint val="75000"/>
                   </a:schemeClr>
                 </a:solidFill>
               </a:defRPr>
@@ -2982,13 +2665,7 @@
       </p:sp>
       <p:sp>
         <p:nvSpPr>
-          <p:cNvPr id="6" name="Slide Number Placeholder 5">
-            <a:extLst>
-              <a:ext uri="{FF2B5EF4-FFF2-40B4-BE49-F238E27FC236}">
-                <a16:creationId xmlns:a16="http://schemas.microsoft.com/office/drawing/2014/main" id="{218B350F-78C5-FA30-F199-66F19D6CE80E}"/>
-              </a:ext>
-            </a:extLst>
-          </p:cNvPr>
+          <p:cNvPr id="6" name="Slide Number Placeholder 5"/>
           <p:cNvSpPr>
             <a:spLocks noGrp="1"/>
           </p:cNvSpPr>
@@ -3012,7 +2689,7 @@
               <a:defRPr sz="1200">
                 <a:solidFill>
                   <a:schemeClr val="tx1">
-                    <a:tint val="82000"/>
+                    <a:tint val="75000"/>
                   </a:schemeClr>
                 </a:solidFill>
               </a:defRPr>
@@ -3030,23 +2707,23 @@
     </p:spTree>
     <p:extLst>
       <p:ext uri="{BB962C8B-B14F-4D97-AF65-F5344CB8AC3E}">
-        <p14:creationId xmlns:p14="http://schemas.microsoft.com/office/powerpoint/2010/main" val="2440033532"/>
+        <p14:creationId xmlns:p14="http://schemas.microsoft.com/office/powerpoint/2010/main" val="2348431520"/>
       </p:ext>
     </p:extLst>
   </p:cSld>
   <p:clrMap bg1="lt1" tx1="dk1" bg2="lt2" tx2="dk2" accent1="accent1" accent2="accent2" accent3="accent3" accent4="accent4" accent5="accent5" accent6="accent6" hlink="hlink" folHlink="folHlink"/>
   <p:sldLayoutIdLst>
-    <p:sldLayoutId id="2147483649" r:id="rId1"/>
-    <p:sldLayoutId id="2147483650" r:id="rId2"/>
-    <p:sldLayoutId id="2147483651" r:id="rId3"/>
-    <p:sldLayoutId id="2147483652" r:id="rId4"/>
-    <p:sldLayoutId id="2147483653" r:id="rId5"/>
-    <p:sldLayoutId id="2147483654" r:id="rId6"/>
-    <p:sldLayoutId id="2147483655" r:id="rId7"/>
-    <p:sldLayoutId id="2147483656" r:id="rId8"/>
-    <p:sldLayoutId id="2147483657" r:id="rId9"/>
-    <p:sldLayoutId id="2147483658" r:id="rId10"/>
-    <p:sldLayoutId id="2147483659" r:id="rId11"/>
+    <p:sldLayoutId id="2147483661" r:id="rId1"/>
+    <p:sldLayoutId id="2147483662" r:id="rId2"/>
+    <p:sldLayoutId id="2147483663" r:id="rId3"/>
+    <p:sldLayoutId id="2147483664" r:id="rId4"/>
+    <p:sldLayoutId id="2147483665" r:id="rId5"/>
+    <p:sldLayoutId id="2147483666" r:id="rId6"/>
+    <p:sldLayoutId id="2147483667" r:id="rId7"/>
+    <p:sldLayoutId id="2147483668" r:id="rId8"/>
+    <p:sldLayoutId id="2147483669" r:id="rId9"/>
+    <p:sldLayoutId id="2147483670" r:id="rId10"/>
+    <p:sldLayoutId id="2147483671" r:id="rId11"/>
   </p:sldLayoutIdLst>
   <p:txStyles>
     <p:titleStyle>
@@ -3234,7 +2911,7 @@
     </p:bodyStyle>
     <p:otherStyle>
       <a:defPPr>
-        <a:defRPr lang="en-KR"/>
+        <a:defRPr lang="en-US"/>
       </a:defPPr>
       <a:lvl1pPr marL="0" algn="l" defTabSz="914400" rtl="0" eaLnBrk="1" latinLnBrk="0" hangingPunct="1">
         <a:defRPr sz="1800" kern="1200">
@@ -3358,10 +3035,10 @@
       </p:grpSpPr>
       <p:sp useBgFill="1">
         <p:nvSpPr>
-          <p:cNvPr id="77" name="Rectangle 76">
+          <p:cNvPr id="8" name="Rectangle 7">
             <a:extLst>
               <a:ext uri="{FF2B5EF4-FFF2-40B4-BE49-F238E27FC236}">
-                <a16:creationId xmlns:a16="http://schemas.microsoft.com/office/drawing/2014/main" id="{934F1179-B481-4F9E-BCA3-AFB972070F83}"/>
+                <a16:creationId xmlns:a16="http://schemas.microsoft.com/office/drawing/2014/main" id="{879EECFE-814E-4B68-96A7-86A795BD22F7}"/>
               </a:ext>
               <a:ext uri="{C183D7F6-B498-43B3-948B-1728B52AA6E4}">
                 <adec:decorative xmlns:adec="http://schemas.microsoft.com/office/drawing/2017/decorative" val="1"/>
@@ -3418,10 +3095,202 @@
       </p:sp>
       <p:sp>
         <p:nvSpPr>
-          <p:cNvPr id="79" name="Right Triangle 78">
+          <p:cNvPr id="10" name="Freeform: Shape 9">
             <a:extLst>
               <a:ext uri="{FF2B5EF4-FFF2-40B4-BE49-F238E27FC236}">
-                <a16:creationId xmlns:a16="http://schemas.microsoft.com/office/drawing/2014/main" id="{827DC2C4-B485-428A-BF4A-472D2967F47F}"/>
+                <a16:creationId xmlns:a16="http://schemas.microsoft.com/office/drawing/2014/main" id="{06F847C8-7801-44D8-8CCA-CDBA7AD91A00}"/>
+              </a:ext>
+              <a:ext uri="{C183D7F6-B498-43B3-948B-1728B52AA6E4}">
+                <adec:decorative xmlns:adec="http://schemas.microsoft.com/office/drawing/2017/decorative" val="1"/>
+              </a:ext>
+            </a:extLst>
+          </p:cNvPr>
+          <p:cNvSpPr>
+            <a:spLocks noGrp="1" noRot="1" noChangeAspect="1" noMove="1" noResize="1" noEditPoints="1" noAdjustHandles="1" noChangeArrowheads="1" noChangeShapeType="1" noTextEdit="1"/>
+          </p:cNvSpPr>
+          <p:nvPr>
+            <p:extLst>
+              <p:ext uri="{386F3935-93C4-4BCD-93E2-E3B085C9AB24}">
+                <p16:designElem xmlns:p16="http://schemas.microsoft.com/office/powerpoint/2015/main" val="1"/>
+              </p:ext>
+            </p:extLst>
+          </p:nvPr>
+        </p:nvSpPr>
+        <p:spPr>
+          <a:xfrm>
+            <a:off x="321732" y="321733"/>
+            <a:ext cx="11546828" cy="6214534"/>
+          </a:xfrm>
+          <a:custGeom>
+            <a:avLst/>
+            <a:gdLst>
+              <a:gd name="connsiteX0" fmla="*/ 0 w 11546828"/>
+              <a:gd name="connsiteY0" fmla="*/ 0 h 6214534"/>
+              <a:gd name="connsiteX1" fmla="*/ 7965430 w 11546828"/>
+              <a:gd name="connsiteY1" fmla="*/ 0 h 6214534"/>
+              <a:gd name="connsiteX2" fmla="*/ 7965430 w 11546828"/>
+              <a:gd name="connsiteY2" fmla="*/ 1786 h 6214534"/>
+              <a:gd name="connsiteX3" fmla="*/ 11546828 w 11546828"/>
+              <a:gd name="connsiteY3" fmla="*/ 1786 h 6214534"/>
+              <a:gd name="connsiteX4" fmla="*/ 11546828 w 11546828"/>
+              <a:gd name="connsiteY4" fmla="*/ 2866740 h 6214534"/>
+              <a:gd name="connsiteX5" fmla="*/ 11225095 w 11546828"/>
+              <a:gd name="connsiteY5" fmla="*/ 3179536 h 6214534"/>
+              <a:gd name="connsiteX6" fmla="*/ 11225095 w 11546828"/>
+              <a:gd name="connsiteY6" fmla="*/ 301542 h 6214534"/>
+              <a:gd name="connsiteX7" fmla="*/ 320042 w 11546828"/>
+              <a:gd name="connsiteY7" fmla="*/ 301542 h 6214534"/>
+              <a:gd name="connsiteX8" fmla="*/ 320042 w 11546828"/>
+              <a:gd name="connsiteY8" fmla="*/ 5909424 h 6214534"/>
+              <a:gd name="connsiteX9" fmla="*/ 8417210 w 11546828"/>
+              <a:gd name="connsiteY9" fmla="*/ 5909424 h 6214534"/>
+              <a:gd name="connsiteX10" fmla="*/ 8103383 w 11546828"/>
+              <a:gd name="connsiteY10" fmla="*/ 6214534 h 6214534"/>
+              <a:gd name="connsiteX11" fmla="*/ 7222929 w 11546828"/>
+              <a:gd name="connsiteY11" fmla="*/ 6214534 h 6214534"/>
+              <a:gd name="connsiteX12" fmla="*/ 7222929 w 11546828"/>
+              <a:gd name="connsiteY12" fmla="*/ 6212748 h 6214534"/>
+              <a:gd name="connsiteX13" fmla="*/ 0 w 11546828"/>
+              <a:gd name="connsiteY13" fmla="*/ 6212748 h 6214534"/>
+            </a:gdLst>
+            <a:ahLst/>
+            <a:cxnLst>
+              <a:cxn ang="0">
+                <a:pos x="connsiteX0" y="connsiteY0"/>
+              </a:cxn>
+              <a:cxn ang="0">
+                <a:pos x="connsiteX1" y="connsiteY1"/>
+              </a:cxn>
+              <a:cxn ang="0">
+                <a:pos x="connsiteX2" y="connsiteY2"/>
+              </a:cxn>
+              <a:cxn ang="0">
+                <a:pos x="connsiteX3" y="connsiteY3"/>
+              </a:cxn>
+              <a:cxn ang="0">
+                <a:pos x="connsiteX4" y="connsiteY4"/>
+              </a:cxn>
+              <a:cxn ang="0">
+                <a:pos x="connsiteX5" y="connsiteY5"/>
+              </a:cxn>
+              <a:cxn ang="0">
+                <a:pos x="connsiteX6" y="connsiteY6"/>
+              </a:cxn>
+              <a:cxn ang="0">
+                <a:pos x="connsiteX7" y="connsiteY7"/>
+              </a:cxn>
+              <a:cxn ang="0">
+                <a:pos x="connsiteX8" y="connsiteY8"/>
+              </a:cxn>
+              <a:cxn ang="0">
+                <a:pos x="connsiteX9" y="connsiteY9"/>
+              </a:cxn>
+              <a:cxn ang="0">
+                <a:pos x="connsiteX10" y="connsiteY10"/>
+              </a:cxn>
+              <a:cxn ang="0">
+                <a:pos x="connsiteX11" y="connsiteY11"/>
+              </a:cxn>
+              <a:cxn ang="0">
+                <a:pos x="connsiteX12" y="connsiteY12"/>
+              </a:cxn>
+              <a:cxn ang="0">
+                <a:pos x="connsiteX13" y="connsiteY13"/>
+              </a:cxn>
+            </a:cxnLst>
+            <a:rect l="l" t="t" r="r" b="b"/>
+            <a:pathLst>
+              <a:path w="11546828" h="6214534">
+                <a:moveTo>
+                  <a:pt x="0" y="0"/>
+                </a:moveTo>
+                <a:lnTo>
+                  <a:pt x="7965430" y="0"/>
+                </a:lnTo>
+                <a:lnTo>
+                  <a:pt x="7965430" y="1786"/>
+                </a:lnTo>
+                <a:lnTo>
+                  <a:pt x="11546828" y="1786"/>
+                </a:lnTo>
+                <a:lnTo>
+                  <a:pt x="11546828" y="2866740"/>
+                </a:lnTo>
+                <a:lnTo>
+                  <a:pt x="11225095" y="3179536"/>
+                </a:lnTo>
+                <a:lnTo>
+                  <a:pt x="11225095" y="301542"/>
+                </a:lnTo>
+                <a:lnTo>
+                  <a:pt x="320042" y="301542"/>
+                </a:lnTo>
+                <a:lnTo>
+                  <a:pt x="320042" y="5909424"/>
+                </a:lnTo>
+                <a:lnTo>
+                  <a:pt x="8417210" y="5909424"/>
+                </a:lnTo>
+                <a:lnTo>
+                  <a:pt x="8103383" y="6214534"/>
+                </a:lnTo>
+                <a:lnTo>
+                  <a:pt x="7222929" y="6214534"/>
+                </a:lnTo>
+                <a:lnTo>
+                  <a:pt x="7222929" y="6212748"/>
+                </a:lnTo>
+                <a:lnTo>
+                  <a:pt x="0" y="6212748"/>
+                </a:lnTo>
+                <a:close/>
+              </a:path>
+            </a:pathLst>
+          </a:custGeom>
+          <a:solidFill>
+            <a:schemeClr val="tx1">
+              <a:lumMod val="50000"/>
+              <a:lumOff val="50000"/>
+              <a:alpha val="25000"/>
+            </a:schemeClr>
+          </a:solidFill>
+          <a:ln>
+            <a:noFill/>
+          </a:ln>
+        </p:spPr>
+        <p:style>
+          <a:lnRef idx="2">
+            <a:schemeClr val="accent1">
+              <a:shade val="50000"/>
+            </a:schemeClr>
+          </a:lnRef>
+          <a:fillRef idx="1">
+            <a:schemeClr val="accent1"/>
+          </a:fillRef>
+          <a:effectRef idx="0">
+            <a:schemeClr val="accent1"/>
+          </a:effectRef>
+          <a:fontRef idx="minor">
+            <a:schemeClr val="lt1"/>
+          </a:fontRef>
+        </p:style>
+        <p:txBody>
+          <a:bodyPr wrap="square" rtlCol="0" anchor="ctr">
+            <a:noAutofit/>
+          </a:bodyPr>
+          <a:lstStyle/>
+          <a:p>
+            <a:pPr algn="ctr"/>
+            <a:endParaRPr lang="en-US"/>
+          </a:p>
+        </p:txBody>
+      </p:sp>
+      <p:sp>
+        <p:nvSpPr>
+          <p:cNvPr id="12" name="Right Triangle 11">
+            <a:extLst>
+              <a:ext uri="{FF2B5EF4-FFF2-40B4-BE49-F238E27FC236}">
+                <a16:creationId xmlns:a16="http://schemas.microsoft.com/office/drawing/2014/main" id="{AF180F00-B4B2-4196-BB1C-ECD21B03F0A9}"/>
               </a:ext>
               <a:ext uri="{C183D7F6-B498-43B3-948B-1728B52AA6E4}">
                 <adec:decorative xmlns:adec="http://schemas.microsoft.com/office/drawing/2017/decorative" val="1"/>
@@ -3481,7 +3350,748 @@
       </p:sp>
       <p:sp>
         <p:nvSpPr>
-          <p:cNvPr id="91" name="Rectangle 90">
+          <p:cNvPr id="14" name="Rectangle 13">
+            <a:extLst>
+              <a:ext uri="{FF2B5EF4-FFF2-40B4-BE49-F238E27FC236}">
+                <a16:creationId xmlns:a16="http://schemas.microsoft.com/office/drawing/2014/main" id="{6E600F8C-C8F3-420C-9D3B-E1FBE7BAE481}"/>
+              </a:ext>
+              <a:ext uri="{C183D7F6-B498-43B3-948B-1728B52AA6E4}">
+                <adec:decorative xmlns:adec="http://schemas.microsoft.com/office/drawing/2017/decorative" val="1"/>
+              </a:ext>
+            </a:extLst>
+          </p:cNvPr>
+          <p:cNvSpPr>
+            <a:spLocks noGrp="1" noRot="1" noChangeAspect="1" noMove="1" noResize="1" noEditPoints="1" noAdjustHandles="1" noChangeArrowheads="1" noChangeShapeType="1" noTextEdit="1"/>
+          </p:cNvSpPr>
+          <p:nvPr>
+            <p:extLst>
+              <p:ext uri="{386F3935-93C4-4BCD-93E2-E3B085C9AB24}">
+                <p16:designElem xmlns:p16="http://schemas.microsoft.com/office/powerpoint/2015/main" val="1"/>
+              </p:ext>
+            </p:extLst>
+          </p:nvPr>
+        </p:nvSpPr>
+        <p:spPr>
+          <a:xfrm>
+            <a:off x="641774" y="623275"/>
+            <a:ext cx="10905053" cy="5607882"/>
+          </a:xfrm>
+          <a:prstGeom prst="rect">
+            <a:avLst/>
+          </a:prstGeom>
+          <a:noFill/>
+          <a:ln w="19050">
+            <a:noFill/>
+          </a:ln>
+        </p:spPr>
+        <p:style>
+          <a:lnRef idx="2">
+            <a:schemeClr val="accent1">
+              <a:shade val="50000"/>
+            </a:schemeClr>
+          </a:lnRef>
+          <a:fillRef idx="1">
+            <a:schemeClr val="accent1"/>
+          </a:fillRef>
+          <a:effectRef idx="0">
+            <a:schemeClr val="accent1"/>
+          </a:effectRef>
+          <a:fontRef idx="minor">
+            <a:schemeClr val="lt1"/>
+          </a:fontRef>
+        </p:style>
+        <p:txBody>
+          <a:bodyPr rtlCol="0" anchor="ctr"/>
+          <a:lstStyle/>
+          <a:p>
+            <a:pPr algn="ctr"/>
+            <a:endParaRPr lang="en-US"/>
+          </a:p>
+        </p:txBody>
+      </p:sp>
+      <p:sp>
+        <p:nvSpPr>
+          <p:cNvPr id="2" name="Title 1">
+            <a:extLst>
+              <a:ext uri="{FF2B5EF4-FFF2-40B4-BE49-F238E27FC236}">
+                <a16:creationId xmlns:a16="http://schemas.microsoft.com/office/drawing/2014/main" id="{8FCD4D2B-EF00-C9A9-17D4-1B6DCF2ADA84}"/>
+              </a:ext>
+            </a:extLst>
+          </p:cNvPr>
+          <p:cNvSpPr>
+            <a:spLocks noGrp="1"/>
+          </p:cNvSpPr>
+          <p:nvPr>
+            <p:ph type="ctrTitle"/>
+          </p:nvPr>
+        </p:nvSpPr>
+        <p:spPr>
+          <a:xfrm>
+            <a:off x="1010024" y="1383527"/>
+            <a:ext cx="6072333" cy="4175166"/>
+          </a:xfrm>
+        </p:spPr>
+        <p:txBody>
+          <a:bodyPr anchor="ctr">
+            <a:normAutofit/>
+          </a:bodyPr>
+          <a:lstStyle/>
+          <a:p>
+            <a:pPr algn="r"/>
+            <a:r>
+              <a:rPr lang="en-KR" sz="9600"/>
+              <a:t>DeepSeek-Janus</a:t>
+            </a:r>
+            <a:br>
+              <a:rPr lang="en-KR" sz="9600"/>
+            </a:br>
+            <a:endParaRPr lang="en-KR" sz="9600"/>
+          </a:p>
+        </p:txBody>
+      </p:sp>
+      <p:sp>
+        <p:nvSpPr>
+          <p:cNvPr id="3" name="Subtitle 2">
+            <a:extLst>
+              <a:ext uri="{FF2B5EF4-FFF2-40B4-BE49-F238E27FC236}">
+                <a16:creationId xmlns:a16="http://schemas.microsoft.com/office/drawing/2014/main" id="{AA4AE5A9-0E4D-5025-3F60-4133C71812FC}"/>
+              </a:ext>
+            </a:extLst>
+          </p:cNvPr>
+          <p:cNvSpPr>
+            <a:spLocks noGrp="1"/>
+          </p:cNvSpPr>
+          <p:nvPr>
+            <p:ph type="subTitle" idx="1"/>
+          </p:nvPr>
+        </p:nvSpPr>
+        <p:spPr>
+          <a:xfrm>
+            <a:off x="7776051" y="2581835"/>
+            <a:ext cx="3323968" cy="1778552"/>
+          </a:xfrm>
+        </p:spPr>
+        <p:txBody>
+          <a:bodyPr anchor="ctr">
+            <a:normAutofit/>
+          </a:bodyPr>
+          <a:lstStyle/>
+          <a:p>
+            <a:pPr algn="l"/>
+            <a:r>
+              <a:rPr lang="en-KR"/>
+              <a:t>Focusing on the Method</a:t>
+            </a:r>
+          </a:p>
+        </p:txBody>
+      </p:sp>
+      <p:cxnSp>
+        <p:nvCxnSpPr>
+          <p:cNvPr id="16" name="Straight Connector 15">
+            <a:extLst>
+              <a:ext uri="{FF2B5EF4-FFF2-40B4-BE49-F238E27FC236}">
+                <a16:creationId xmlns:a16="http://schemas.microsoft.com/office/drawing/2014/main" id="{7AA55BF2-380C-4942-8AB1-55A6A52A35F8}"/>
+              </a:ext>
+              <a:ext uri="{C183D7F6-B498-43B3-948B-1728B52AA6E4}">
+                <adec:decorative xmlns:adec="http://schemas.microsoft.com/office/drawing/2017/decorative" val="1"/>
+              </a:ext>
+            </a:extLst>
+          </p:cNvPr>
+          <p:cNvCxnSpPr>
+            <a:cxnSpLocks noGrp="1" noRot="1" noChangeAspect="1" noMove="1" noResize="1" noEditPoints="1" noAdjustHandles="1" noChangeArrowheads="1" noChangeShapeType="1"/>
+          </p:cNvCxnSpPr>
+          <p:nvPr>
+            <p:extLst>
+              <p:ext uri="{386F3935-93C4-4BCD-93E2-E3B085C9AB24}">
+                <p16:designElem xmlns:p16="http://schemas.microsoft.com/office/powerpoint/2015/main" val="1"/>
+              </p:ext>
+            </p:extLst>
+          </p:nvPr>
+        </p:nvCxnSpPr>
+        <p:spPr>
+          <a:xfrm>
+            <a:off x="7534656" y="1852863"/>
+            <a:ext cx="0" cy="3236495"/>
+          </a:xfrm>
+          <a:prstGeom prst="line">
+            <a:avLst/>
+          </a:prstGeom>
+          <a:ln w="19050" cap="sq">
+            <a:solidFill>
+              <a:schemeClr val="tx1">
+                <a:lumMod val="75000"/>
+                <a:lumOff val="25000"/>
+              </a:schemeClr>
+            </a:solidFill>
+          </a:ln>
+        </p:spPr>
+        <p:style>
+          <a:lnRef idx="1">
+            <a:schemeClr val="accent1"/>
+          </a:lnRef>
+          <a:fillRef idx="0">
+            <a:schemeClr val="accent1"/>
+          </a:fillRef>
+          <a:effectRef idx="0">
+            <a:schemeClr val="accent1"/>
+          </a:effectRef>
+          <a:fontRef idx="minor">
+            <a:schemeClr val="tx1"/>
+          </a:fontRef>
+        </p:style>
+      </p:cxnSp>
+    </p:spTree>
+    <p:extLst>
+      <p:ext uri="{BB962C8B-B14F-4D97-AF65-F5344CB8AC3E}">
+        <p14:creationId xmlns:p14="http://schemas.microsoft.com/office/powerpoint/2010/main" val="811338934"/>
+      </p:ext>
+    </p:extLst>
+  </p:cSld>
+  <p:clrMapOvr>
+    <a:masterClrMapping/>
+  </p:clrMapOvr>
+  <mc:AlternateContent xmlns:mc="http://schemas.openxmlformats.org/markup-compatibility/2006">
+    <mc:Choice xmlns:p159="http://schemas.microsoft.com/office/powerpoint/2015/09/main" Requires="p159">
+      <p:transition xmlns:p14="http://schemas.microsoft.com/office/powerpoint/2010/main" spd="slow" p14:dur="2000">
+        <p159:morph option="byObject"/>
+      </p:transition>
+    </mc:Choice>
+    <mc:Fallback>
+      <p:transition spd="slow">
+        <p:fade/>
+      </p:transition>
+    </mc:Fallback>
+  </mc:AlternateContent>
+</p:sld>
+</file>
+
+<file path=ppt/slides/slide10.xml><?xml version="1.0" encoding="utf-8"?>
+<p:sld xmlns:a="http://schemas.openxmlformats.org/drawingml/2006/main" xmlns:r="http://schemas.openxmlformats.org/officeDocument/2006/relationships" xmlns:p="http://schemas.openxmlformats.org/presentationml/2006/main">
+  <p:cSld>
+    <p:spTree>
+      <p:nvGrpSpPr>
+        <p:cNvPr id="1" name=""/>
+        <p:cNvGrpSpPr/>
+        <p:nvPr/>
+      </p:nvGrpSpPr>
+      <p:grpSpPr>
+        <a:xfrm>
+          <a:off x="0" y="0"/>
+          <a:ext cx="0" cy="0"/>
+          <a:chOff x="0" y="0"/>
+          <a:chExt cx="0" cy="0"/>
+        </a:xfrm>
+      </p:grpSpPr>
+      <p:sp>
+        <p:nvSpPr>
+          <p:cNvPr id="2" name="Title 1">
+            <a:extLst>
+              <a:ext uri="{FF2B5EF4-FFF2-40B4-BE49-F238E27FC236}">
+                <a16:creationId xmlns:a16="http://schemas.microsoft.com/office/drawing/2014/main" id="{6AF44D71-C9CC-3FD8-C1C2-91153FAAB89A}"/>
+              </a:ext>
+            </a:extLst>
+          </p:cNvPr>
+          <p:cNvSpPr>
+            <a:spLocks noGrp="1"/>
+          </p:cNvSpPr>
+          <p:nvPr>
+            <p:ph type="title"/>
+          </p:nvPr>
+        </p:nvSpPr>
+        <p:spPr/>
+        <p:txBody>
+          <a:bodyPr/>
+          <a:lstStyle/>
+          <a:p>
+            <a:r>
+              <a:rPr lang="en-KR" dirty="0"/>
+              <a:t>Training Objective</a:t>
+            </a:r>
+          </a:p>
+        </p:txBody>
+      </p:sp>
+      <p:sp>
+        <p:nvSpPr>
+          <p:cNvPr id="3" name="Content Placeholder 2">
+            <a:extLst>
+              <a:ext uri="{FF2B5EF4-FFF2-40B4-BE49-F238E27FC236}">
+                <a16:creationId xmlns:a16="http://schemas.microsoft.com/office/drawing/2014/main" id="{F5B5B90E-85EC-C136-FE67-4E145D7BF9CE}"/>
+              </a:ext>
+            </a:extLst>
+          </p:cNvPr>
+          <p:cNvSpPr>
+            <a:spLocks noGrp="1"/>
+          </p:cNvSpPr>
+          <p:nvPr>
+            <p:ph idx="1"/>
+          </p:nvPr>
+        </p:nvSpPr>
+        <p:spPr/>
+        <p:txBody>
+          <a:bodyPr/>
+          <a:lstStyle/>
+          <a:p>
+            <a:r>
+              <a:rPr lang="en-US" dirty="0">
+                <a:latin typeface="Times New Roman" panose="02020603050405020304" pitchFamily="18" charset="0"/>
+                <a:cs typeface="Times New Roman" panose="02020603050405020304" pitchFamily="18" charset="0"/>
+              </a:rPr>
+              <a:t>Understanding task : compute the loss on the text seq</a:t>
+            </a:r>
+          </a:p>
+          <a:p>
+            <a:r>
+              <a:rPr lang="en-US" dirty="0">
+                <a:latin typeface="Times New Roman" panose="02020603050405020304" pitchFamily="18" charset="0"/>
+                <a:cs typeface="Times New Roman" panose="02020603050405020304" pitchFamily="18" charset="0"/>
+              </a:rPr>
+              <a:t>Generation task : compute the loss only on the image seq</a:t>
+            </a:r>
+            <a:endParaRPr lang="en-KR" dirty="0">
+              <a:latin typeface="Times New Roman" panose="02020603050405020304" pitchFamily="18" charset="0"/>
+              <a:cs typeface="Times New Roman" panose="02020603050405020304" pitchFamily="18" charset="0"/>
+            </a:endParaRPr>
+          </a:p>
+        </p:txBody>
+      </p:sp>
+      <mc:AlternateContent xmlns:mc="http://schemas.openxmlformats.org/markup-compatibility/2006">
+        <mc:Choice xmlns:a14="http://schemas.microsoft.com/office/drawing/2010/main" Requires="a14">
+          <p:sp>
+            <p:nvSpPr>
+              <p:cNvPr id="5" name="TextBox 4">
+                <a:extLst>
+                  <a:ext uri="{FF2B5EF4-FFF2-40B4-BE49-F238E27FC236}">
+                    <a16:creationId xmlns:a16="http://schemas.microsoft.com/office/drawing/2014/main" id="{C936ECF5-0DDF-CE88-05BF-168283C0E549}"/>
+                  </a:ext>
+                </a:extLst>
+              </p:cNvPr>
+              <p:cNvSpPr txBox="1"/>
+              <p:nvPr/>
+            </p:nvSpPr>
+            <p:spPr>
+              <a:xfrm>
+                <a:off x="3048693" y="3046716"/>
+                <a:ext cx="6097384" cy="764568"/>
+              </a:xfrm>
+              <a:prstGeom prst="rect">
+                <a:avLst/>
+              </a:prstGeom>
+              <a:noFill/>
+            </p:spPr>
+            <p:txBody>
+              <a:bodyPr wrap="square">
+                <a:spAutoFit/>
+              </a:bodyPr>
+              <a:lstStyle/>
+              <a:p>
+                <a:pPr/>
+                <a14:m>
+                  <m:oMathPara xmlns:m="http://schemas.openxmlformats.org/officeDocument/2006/math">
+                    <m:oMathParaPr>
+                      <m:jc m:val="centerGroup"/>
+                    </m:oMathParaPr>
+                    <m:oMath xmlns:m="http://schemas.openxmlformats.org/officeDocument/2006/math">
+                      <m:r>
+                        <a:rPr lang="en-KR" i="1" smtClean="0">
+                          <a:latin typeface="Cambria Math" panose="02040503050406030204" pitchFamily="18" charset="0"/>
+                          <a:ea typeface="Cambria Math" panose="02040503050406030204" pitchFamily="18" charset="0"/>
+                        </a:rPr>
+                        <m:t>ℒ</m:t>
+                      </m:r>
+                      <m:r>
+                        <a:rPr lang="en-US" b="0" i="1" smtClean="0">
+                          <a:latin typeface="Cambria Math" panose="02040503050406030204" pitchFamily="18" charset="0"/>
+                          <a:ea typeface="Cambria Math" panose="02040503050406030204" pitchFamily="18" charset="0"/>
+                        </a:rPr>
+                        <m:t>=−</m:t>
+                      </m:r>
+                      <m:nary>
+                        <m:naryPr>
+                          <m:chr m:val="∑"/>
+                          <m:supHide m:val="on"/>
+                          <m:ctrlPr>
+                            <a:rPr lang="en-US" b="0" i="1" smtClean="0">
+                              <a:latin typeface="Cambria Math" panose="02040503050406030204" pitchFamily="18" charset="0"/>
+                              <a:ea typeface="Cambria Math" panose="02040503050406030204" pitchFamily="18" charset="0"/>
+                            </a:rPr>
+                          </m:ctrlPr>
+                        </m:naryPr>
+                        <m:sub>
+                          <m:r>
+                            <m:rPr>
+                              <m:brk m:alnAt="7"/>
+                            </m:rPr>
+                            <a:rPr lang="en-US" b="0" i="1" smtClean="0">
+                              <a:latin typeface="Cambria Math" panose="02040503050406030204" pitchFamily="18" charset="0"/>
+                              <a:ea typeface="Cambria Math" panose="02040503050406030204" pitchFamily="18" charset="0"/>
+                            </a:rPr>
+                            <m:t>𝑖</m:t>
+                          </m:r>
+                          <m:r>
+                            <a:rPr lang="en-US" b="0" i="1" smtClean="0">
+                              <a:latin typeface="Cambria Math" panose="02040503050406030204" pitchFamily="18" charset="0"/>
+                              <a:ea typeface="Cambria Math" panose="02040503050406030204" pitchFamily="18" charset="0"/>
+                            </a:rPr>
+                            <m:t>=1</m:t>
+                          </m:r>
+                        </m:sub>
+                        <m:sup/>
+                        <m:e>
+                          <m:r>
+                            <a:rPr lang="en-US" b="0" i="1" smtClean="0">
+                              <a:latin typeface="Cambria Math" panose="02040503050406030204" pitchFamily="18" charset="0"/>
+                              <a:ea typeface="Cambria Math" panose="02040503050406030204" pitchFamily="18" charset="0"/>
+                            </a:rPr>
+                            <m:t>𝑙𝑜𝑔</m:t>
+                          </m:r>
+                          <m:sSub>
+                            <m:sSubPr>
+                              <m:ctrlPr>
+                                <a:rPr lang="en-US" b="0" i="1" smtClean="0">
+                                  <a:latin typeface="Cambria Math" panose="02040503050406030204" pitchFamily="18" charset="0"/>
+                                  <a:ea typeface="Cambria Math" panose="02040503050406030204" pitchFamily="18" charset="0"/>
+                                </a:rPr>
+                              </m:ctrlPr>
+                            </m:sSubPr>
+                            <m:e>
+                              <m:r>
+                                <a:rPr lang="en-US" b="0" i="1" smtClean="0">
+                                  <a:latin typeface="Cambria Math" panose="02040503050406030204" pitchFamily="18" charset="0"/>
+                                  <a:ea typeface="Cambria Math" panose="02040503050406030204" pitchFamily="18" charset="0"/>
+                                </a:rPr>
+                                <m:t>𝑃</m:t>
+                              </m:r>
+                            </m:e>
+                            <m:sub>
+                              <m:r>
+                                <a:rPr lang="en-US" b="0" i="1" smtClean="0">
+                                  <a:latin typeface="Cambria Math" panose="02040503050406030204" pitchFamily="18" charset="0"/>
+                                  <a:ea typeface="Cambria Math" panose="02040503050406030204" pitchFamily="18" charset="0"/>
+                                </a:rPr>
+                                <m:t>𝜃</m:t>
+                              </m:r>
+                            </m:sub>
+                          </m:sSub>
+                          <m:d>
+                            <m:dPr>
+                              <m:endChr m:val="|"/>
+                              <m:ctrlPr>
+                                <a:rPr lang="en-US" b="0" i="1" smtClean="0">
+                                  <a:latin typeface="Cambria Math" panose="02040503050406030204" pitchFamily="18" charset="0"/>
+                                  <a:ea typeface="Cambria Math" panose="02040503050406030204" pitchFamily="18" charset="0"/>
+                                </a:rPr>
+                              </m:ctrlPr>
+                            </m:dPr>
+                            <m:e>
+                              <m:sSub>
+                                <m:sSubPr>
+                                  <m:ctrlPr>
+                                    <a:rPr lang="en-US" b="0" i="1" smtClean="0">
+                                      <a:latin typeface="Cambria Math" panose="02040503050406030204" pitchFamily="18" charset="0"/>
+                                      <a:ea typeface="Cambria Math" panose="02040503050406030204" pitchFamily="18" charset="0"/>
+                                    </a:rPr>
+                                  </m:ctrlPr>
+                                </m:sSubPr>
+                                <m:e>
+                                  <m:r>
+                                    <a:rPr lang="en-US" b="0" i="1" smtClean="0">
+                                      <a:latin typeface="Cambria Math" panose="02040503050406030204" pitchFamily="18" charset="0"/>
+                                      <a:ea typeface="Cambria Math" panose="02040503050406030204" pitchFamily="18" charset="0"/>
+                                    </a:rPr>
+                                    <m:t>𝑥</m:t>
+                                  </m:r>
+                                </m:e>
+                                <m:sub>
+                                  <m:r>
+                                    <a:rPr lang="en-US" b="0" i="1" smtClean="0">
+                                      <a:latin typeface="Cambria Math" panose="02040503050406030204" pitchFamily="18" charset="0"/>
+                                      <a:ea typeface="Cambria Math" panose="02040503050406030204" pitchFamily="18" charset="0"/>
+                                    </a:rPr>
+                                    <m:t>𝑖</m:t>
+                                  </m:r>
+                                </m:sub>
+                              </m:sSub>
+                            </m:e>
+                          </m:d>
+                          <m:sSub>
+                            <m:sSubPr>
+                              <m:ctrlPr>
+                                <a:rPr lang="en-US" b="0" i="1" smtClean="0">
+                                  <a:latin typeface="Cambria Math" panose="02040503050406030204" pitchFamily="18" charset="0"/>
+                                  <a:ea typeface="Cambria Math" panose="02040503050406030204" pitchFamily="18" charset="0"/>
+                                </a:rPr>
+                              </m:ctrlPr>
+                            </m:sSubPr>
+                            <m:e>
+                              <m:r>
+                                <a:rPr lang="en-US" b="0" i="1" smtClean="0">
+                                  <a:latin typeface="Cambria Math" panose="02040503050406030204" pitchFamily="18" charset="0"/>
+                                  <a:ea typeface="Cambria Math" panose="02040503050406030204" pitchFamily="18" charset="0"/>
+                                </a:rPr>
+                                <m:t>𝑥</m:t>
+                              </m:r>
+                            </m:e>
+                            <m:sub>
+                              <m:r>
+                                <a:rPr lang="en-US" b="0" i="1" smtClean="0">
+                                  <a:latin typeface="Cambria Math" panose="02040503050406030204" pitchFamily="18" charset="0"/>
+                                  <a:ea typeface="Cambria Math" panose="02040503050406030204" pitchFamily="18" charset="0"/>
+                                </a:rPr>
+                                <m:t>&lt;</m:t>
+                              </m:r>
+                              <m:r>
+                                <a:rPr lang="en-US" b="0" i="1" smtClean="0">
+                                  <a:latin typeface="Cambria Math" panose="02040503050406030204" pitchFamily="18" charset="0"/>
+                                  <a:ea typeface="Cambria Math" panose="02040503050406030204" pitchFamily="18" charset="0"/>
+                                </a:rPr>
+                                <m:t>𝑖</m:t>
+                              </m:r>
+                            </m:sub>
+                          </m:sSub>
+                        </m:e>
+                      </m:nary>
+                      <m:r>
+                        <a:rPr lang="en-US" b="0" i="1" smtClean="0">
+                          <a:latin typeface="Cambria Math" panose="02040503050406030204" pitchFamily="18" charset="0"/>
+                          <a:ea typeface="Cambria Math" panose="02040503050406030204" pitchFamily="18" charset="0"/>
+                        </a:rPr>
+                        <m:t>)</m:t>
+                      </m:r>
+                    </m:oMath>
+                  </m:oMathPara>
+                </a14:m>
+                <a:endParaRPr lang="en-KR" dirty="0"/>
+              </a:p>
+            </p:txBody>
+          </p:sp>
+        </mc:Choice>
+        <mc:Fallback>
+          <p:sp>
+            <p:nvSpPr>
+              <p:cNvPr id="5" name="TextBox 4">
+                <a:extLst>
+                  <a:ext uri="{FF2B5EF4-FFF2-40B4-BE49-F238E27FC236}">
+                    <a16:creationId xmlns:a16="http://schemas.microsoft.com/office/drawing/2014/main" id="{C936ECF5-0DDF-CE88-05BF-168283C0E549}"/>
+                  </a:ext>
+                </a:extLst>
+              </p:cNvPr>
+              <p:cNvSpPr txBox="1">
+                <a:spLocks noRot="1" noChangeAspect="1" noMove="1" noResize="1" noEditPoints="1" noAdjustHandles="1" noChangeArrowheads="1" noChangeShapeType="1" noTextEdit="1"/>
+              </p:cNvSpPr>
+              <p:nvPr/>
+            </p:nvSpPr>
+            <p:spPr>
+              <a:xfrm>
+                <a:off x="3048693" y="3046716"/>
+                <a:ext cx="6097384" cy="764568"/>
+              </a:xfrm>
+              <a:prstGeom prst="rect">
+                <a:avLst/>
+              </a:prstGeom>
+              <a:blipFill>
+                <a:blip r:embed="rId2"/>
+                <a:stretch>
+                  <a:fillRect t="-125000" b="-173333"/>
+                </a:stretch>
+              </a:blipFill>
+            </p:spPr>
+            <p:txBody>
+              <a:bodyPr/>
+              <a:lstStyle/>
+              <a:p>
+                <a:r>
+                  <a:rPr lang="en-KR">
+                    <a:noFill/>
+                  </a:rPr>
+                  <a:t> </a:t>
+                </a:r>
+              </a:p>
+            </p:txBody>
+          </p:sp>
+        </mc:Fallback>
+      </mc:AlternateContent>
+    </p:spTree>
+    <p:extLst>
+      <p:ext uri="{BB962C8B-B14F-4D97-AF65-F5344CB8AC3E}">
+        <p14:creationId xmlns:p14="http://schemas.microsoft.com/office/powerpoint/2010/main" val="3194656401"/>
+      </p:ext>
+    </p:extLst>
+  </p:cSld>
+  <p:clrMapOvr>
+    <a:masterClrMapping/>
+  </p:clrMapOvr>
+  <mc:AlternateContent xmlns:mc="http://schemas.openxmlformats.org/markup-compatibility/2006">
+    <mc:Choice xmlns:p159="http://schemas.microsoft.com/office/powerpoint/2015/09/main" Requires="p159">
+      <p:transition xmlns:p14="http://schemas.microsoft.com/office/powerpoint/2010/main" spd="slow" p14:dur="2000">
+        <p159:morph option="byObject"/>
+      </p:transition>
+    </mc:Choice>
+    <mc:Fallback>
+      <p:transition spd="slow">
+        <p:fade/>
+      </p:transition>
+    </mc:Fallback>
+  </mc:AlternateContent>
+</p:sld>
+</file>
+
+<file path=ppt/slides/slide11.xml><?xml version="1.0" encoding="utf-8"?>
+<p:sld xmlns:a="http://schemas.openxmlformats.org/drawingml/2006/main" xmlns:r="http://schemas.openxmlformats.org/officeDocument/2006/relationships" xmlns:p="http://schemas.openxmlformats.org/presentationml/2006/main">
+  <p:cSld>
+    <p:bg>
+      <p:bgPr>
+        <a:solidFill>
+          <a:schemeClr val="bg1"/>
+        </a:solidFill>
+        <a:effectLst/>
+      </p:bgPr>
+    </p:bg>
+    <p:spTree>
+      <p:nvGrpSpPr>
+        <p:cNvPr id="1" name="">
+          <a:extLst>
+            <a:ext uri="{FF2B5EF4-FFF2-40B4-BE49-F238E27FC236}">
+              <a16:creationId xmlns:a16="http://schemas.microsoft.com/office/drawing/2014/main" id="{6C1E4DDD-FDEB-AE68-99F3-2C7473461835}"/>
+            </a:ext>
+          </a:extLst>
+        </p:cNvPr>
+        <p:cNvGrpSpPr/>
+        <p:nvPr/>
+      </p:nvGrpSpPr>
+      <p:grpSpPr>
+        <a:xfrm>
+          <a:off x="0" y="0"/>
+          <a:ext cx="0" cy="0"/>
+          <a:chOff x="0" y="0"/>
+          <a:chExt cx="0" cy="0"/>
+        </a:xfrm>
+      </p:grpSpPr>
+      <p:sp useBgFill="1">
+        <p:nvSpPr>
+          <p:cNvPr id="8" name="Rectangle 7">
+            <a:extLst>
+              <a:ext uri="{FF2B5EF4-FFF2-40B4-BE49-F238E27FC236}">
+                <a16:creationId xmlns:a16="http://schemas.microsoft.com/office/drawing/2014/main" id="{934F1179-B481-4F9E-BCA3-AFB972070F83}"/>
+              </a:ext>
+              <a:ext uri="{C183D7F6-B498-43B3-948B-1728B52AA6E4}">
+                <adec:decorative xmlns:adec="http://schemas.microsoft.com/office/drawing/2017/decorative" val="1"/>
+              </a:ext>
+            </a:extLst>
+          </p:cNvPr>
+          <p:cNvSpPr>
+            <a:spLocks noGrp="1" noRot="1" noChangeAspect="1" noMove="1" noResize="1" noEditPoints="1" noAdjustHandles="1" noChangeArrowheads="1" noChangeShapeType="1" noTextEdit="1"/>
+          </p:cNvSpPr>
+          <p:nvPr>
+            <p:extLst>
+              <p:ext uri="{386F3935-93C4-4BCD-93E2-E3B085C9AB24}">
+                <p16:designElem xmlns:p16="http://schemas.microsoft.com/office/powerpoint/2015/main" val="1"/>
+              </p:ext>
+            </p:extLst>
+          </p:nvPr>
+        </p:nvSpPr>
+        <p:spPr>
+          <a:xfrm>
+            <a:off x="0" y="0"/>
+            <a:ext cx="12192000" cy="6858000"/>
+          </a:xfrm>
+          <a:prstGeom prst="rect">
+            <a:avLst/>
+          </a:prstGeom>
+          <a:ln>
+            <a:noFill/>
+          </a:ln>
+        </p:spPr>
+        <p:style>
+          <a:lnRef idx="2">
+            <a:schemeClr val="accent1">
+              <a:shade val="50000"/>
+            </a:schemeClr>
+          </a:lnRef>
+          <a:fillRef idx="1">
+            <a:schemeClr val="accent1"/>
+          </a:fillRef>
+          <a:effectRef idx="0">
+            <a:schemeClr val="accent1"/>
+          </a:effectRef>
+          <a:fontRef idx="minor">
+            <a:schemeClr val="lt1"/>
+          </a:fontRef>
+        </p:style>
+        <p:txBody>
+          <a:bodyPr rtlCol="0" anchor="ctr"/>
+          <a:lstStyle/>
+          <a:p>
+            <a:pPr algn="ctr"/>
+            <a:endParaRPr lang="en-US"/>
+          </a:p>
+        </p:txBody>
+      </p:sp>
+      <p:sp>
+        <p:nvSpPr>
+          <p:cNvPr id="10" name="Right Triangle 9">
+            <a:extLst>
+              <a:ext uri="{FF2B5EF4-FFF2-40B4-BE49-F238E27FC236}">
+                <a16:creationId xmlns:a16="http://schemas.microsoft.com/office/drawing/2014/main" id="{827DC2C4-B485-428A-BF4A-472D2967F47F}"/>
+              </a:ext>
+              <a:ext uri="{C183D7F6-B498-43B3-948B-1728B52AA6E4}">
+                <adec:decorative xmlns:adec="http://schemas.microsoft.com/office/drawing/2017/decorative" val="1"/>
+              </a:ext>
+            </a:extLst>
+          </p:cNvPr>
+          <p:cNvSpPr>
+            <a:spLocks noGrp="1" noRot="1" noChangeAspect="1" noMove="1" noResize="1" noEditPoints="1" noAdjustHandles="1" noChangeArrowheads="1" noChangeShapeType="1" noTextEdit="1"/>
+          </p:cNvSpPr>
+          <p:nvPr>
+            <p:extLst>
+              <p:ext uri="{386F3935-93C4-4BCD-93E2-E3B085C9AB24}">
+                <p16:designElem xmlns:p16="http://schemas.microsoft.com/office/powerpoint/2015/main" val="1"/>
+              </p:ext>
+            </p:extLst>
+          </p:nvPr>
+        </p:nvSpPr>
+        <p:spPr>
+          <a:xfrm flipH="1">
+            <a:off x="8576720" y="3335867"/>
+            <a:ext cx="3291840" cy="3200400"/>
+          </a:xfrm>
+          <a:prstGeom prst="rtTriangle">
+            <a:avLst/>
+          </a:prstGeom>
+          <a:solidFill>
+            <a:schemeClr val="accent4"/>
+          </a:solidFill>
+          <a:ln>
+            <a:noFill/>
+          </a:ln>
+        </p:spPr>
+        <p:style>
+          <a:lnRef idx="2">
+            <a:schemeClr val="accent1">
+              <a:shade val="50000"/>
+            </a:schemeClr>
+          </a:lnRef>
+          <a:fillRef idx="1">
+            <a:schemeClr val="accent1"/>
+          </a:fillRef>
+          <a:effectRef idx="0">
+            <a:schemeClr val="accent1"/>
+          </a:effectRef>
+          <a:fontRef idx="minor">
+            <a:schemeClr val="lt1"/>
+          </a:fontRef>
+        </p:style>
+        <p:txBody>
+          <a:bodyPr rtlCol="0" anchor="ctr"/>
+          <a:lstStyle/>
+          <a:p>
+            <a:pPr algn="ctr"/>
+            <a:endParaRPr lang="en-US" dirty="0"/>
+          </a:p>
+        </p:txBody>
+      </p:sp>
+      <p:sp>
+        <p:nvSpPr>
+          <p:cNvPr id="12" name="Rectangle 11">
             <a:extLst>
               <a:ext uri="{FF2B5EF4-FFF2-40B4-BE49-F238E27FC236}">
                 <a16:creationId xmlns:a16="http://schemas.microsoft.com/office/drawing/2014/main" id="{EE04B5EB-F158-4507-90DD-BD23620C7CC9}"/>
@@ -3550,7 +4160,7 @@
           <p:cNvPr id="2" name="Title 1">
             <a:extLst>
               <a:ext uri="{FF2B5EF4-FFF2-40B4-BE49-F238E27FC236}">
-                <a16:creationId xmlns:a16="http://schemas.microsoft.com/office/drawing/2014/main" id="{8FCD4D2B-EF00-C9A9-17D4-1B6DCF2ADA84}"/>
+                <a16:creationId xmlns:a16="http://schemas.microsoft.com/office/drawing/2014/main" id="{40F50A00-4B2A-55B8-C0B6-EF2FC3C8C6B7}"/>
               </a:ext>
             </a:extLst>
           </p:cNvPr>
@@ -3575,13 +4185,13 @@
           <a:p>
             <a:pPr algn="l"/>
             <a:r>
-              <a:rPr lang="en-KR" sz="9800"/>
-              <a:t>DeepSeek-Janus</a:t>
+              <a:rPr lang="en-KR" sz="11500" dirty="0"/>
+              <a:t>DeepSeek-VL2</a:t>
             </a:r>
             <a:br>
-              <a:rPr lang="en-KR" sz="9800"/>
+              <a:rPr lang="en-KR" sz="11500" dirty="0"/>
             </a:br>
-            <a:endParaRPr lang="en-KR" sz="9800"/>
+            <a:endParaRPr lang="en-KR" sz="11500" dirty="0"/>
           </a:p>
         </p:txBody>
       </p:sp>
@@ -3590,7 +4200,7 @@
           <p:cNvPr id="3" name="Subtitle 2">
             <a:extLst>
               <a:ext uri="{FF2B5EF4-FFF2-40B4-BE49-F238E27FC236}">
-                <a16:creationId xmlns:a16="http://schemas.microsoft.com/office/drawing/2014/main" id="{AA4AE5A9-0E4D-5025-3F60-4133C71812FC}"/>
+                <a16:creationId xmlns:a16="http://schemas.microsoft.com/office/drawing/2014/main" id="{5016D35A-470C-77F4-09B1-1854ADE782AD}"/>
               </a:ext>
             </a:extLst>
           </p:cNvPr>
@@ -3624,13 +4234,2073 @@
     </p:spTree>
     <p:extLst>
       <p:ext uri="{BB962C8B-B14F-4D97-AF65-F5344CB8AC3E}">
-        <p14:creationId xmlns:p14="http://schemas.microsoft.com/office/powerpoint/2010/main" val="811338934"/>
+        <p14:creationId xmlns:p14="http://schemas.microsoft.com/office/powerpoint/2010/main" val="1326447143"/>
       </p:ext>
     </p:extLst>
   </p:cSld>
   <p:clrMapOvr>
     <a:masterClrMapping/>
   </p:clrMapOvr>
+  <mc:AlternateContent xmlns:mc="http://schemas.openxmlformats.org/markup-compatibility/2006">
+    <mc:Choice xmlns:p159="http://schemas.microsoft.com/office/powerpoint/2015/09/main" Requires="p159">
+      <p:transition xmlns:p14="http://schemas.microsoft.com/office/powerpoint/2010/main" spd="slow" p14:dur="2000">
+        <p159:morph option="byObject"/>
+      </p:transition>
+    </mc:Choice>
+    <mc:Fallback>
+      <p:transition spd="slow">
+        <p:fade/>
+      </p:transition>
+    </mc:Fallback>
+  </mc:AlternateContent>
+</p:sld>
+</file>
+
+<file path=ppt/slides/slide12.xml><?xml version="1.0" encoding="utf-8"?>
+<p:sld xmlns:a="http://schemas.openxmlformats.org/drawingml/2006/main" xmlns:r="http://schemas.openxmlformats.org/officeDocument/2006/relationships" xmlns:p="http://schemas.openxmlformats.org/presentationml/2006/main">
+  <p:cSld>
+    <p:spTree>
+      <p:nvGrpSpPr>
+        <p:cNvPr id="1" name=""/>
+        <p:cNvGrpSpPr/>
+        <p:nvPr/>
+      </p:nvGrpSpPr>
+      <p:grpSpPr>
+        <a:xfrm>
+          <a:off x="0" y="0"/>
+          <a:ext cx="0" cy="0"/>
+          <a:chOff x="0" y="0"/>
+          <a:chExt cx="0" cy="0"/>
+        </a:xfrm>
+      </p:grpSpPr>
+      <p:sp>
+        <p:nvSpPr>
+          <p:cNvPr id="2" name="Title 1">
+            <a:extLst>
+              <a:ext uri="{FF2B5EF4-FFF2-40B4-BE49-F238E27FC236}">
+                <a16:creationId xmlns:a16="http://schemas.microsoft.com/office/drawing/2014/main" id="{CB83F7C2-01EE-B5BB-E7A6-F8B60D2D18A8}"/>
+              </a:ext>
+            </a:extLst>
+          </p:cNvPr>
+          <p:cNvSpPr>
+            <a:spLocks noGrp="1"/>
+          </p:cNvSpPr>
+          <p:nvPr>
+            <p:ph type="title"/>
+          </p:nvPr>
+        </p:nvSpPr>
+        <p:spPr/>
+        <p:txBody>
+          <a:bodyPr/>
+          <a:lstStyle/>
+          <a:p>
+            <a:r>
+              <a:rPr lang="en-KR" dirty="0"/>
+              <a:t>DeepSeek-VL2</a:t>
+            </a:r>
+          </a:p>
+        </p:txBody>
+      </p:sp>
+      <p:sp>
+        <p:nvSpPr>
+          <p:cNvPr id="3" name="Content Placeholder 2">
+            <a:extLst>
+              <a:ext uri="{FF2B5EF4-FFF2-40B4-BE49-F238E27FC236}">
+                <a16:creationId xmlns:a16="http://schemas.microsoft.com/office/drawing/2014/main" id="{5148D270-08D3-A731-36AF-4C992EE8E6B6}"/>
+              </a:ext>
+            </a:extLst>
+          </p:cNvPr>
+          <p:cNvSpPr>
+            <a:spLocks noGrp="1"/>
+          </p:cNvSpPr>
+          <p:nvPr>
+            <p:ph idx="1"/>
+          </p:nvPr>
+        </p:nvSpPr>
+        <p:spPr/>
+        <p:txBody>
+          <a:bodyPr/>
+          <a:lstStyle/>
+          <a:p>
+            <a:r>
+              <a:rPr lang="en-US" dirty="0"/>
+              <a:t>It begins in March 12</a:t>
+            </a:r>
+            <a:endParaRPr lang="en-KR" dirty="0"/>
+          </a:p>
+        </p:txBody>
+      </p:sp>
+      <p:sp>
+        <p:nvSpPr>
+          <p:cNvPr id="4" name="TextBox 3">
+            <a:extLst>
+              <a:ext uri="{FF2B5EF4-FFF2-40B4-BE49-F238E27FC236}">
+                <a16:creationId xmlns:a16="http://schemas.microsoft.com/office/drawing/2014/main" id="{C515DAE5-38A2-9556-AEBE-8CD55A533409}"/>
+              </a:ext>
+            </a:extLst>
+          </p:cNvPr>
+          <p:cNvSpPr txBox="1"/>
+          <p:nvPr/>
+        </p:nvSpPr>
+        <p:spPr>
+          <a:xfrm>
+            <a:off x="838200" y="1388825"/>
+            <a:ext cx="6097384" cy="369332"/>
+          </a:xfrm>
+          <a:prstGeom prst="rect">
+            <a:avLst/>
+          </a:prstGeom>
+          <a:noFill/>
+        </p:spPr>
+        <p:txBody>
+          <a:bodyPr wrap="square">
+            <a:spAutoFit/>
+          </a:bodyPr>
+          <a:lstStyle/>
+          <a:p>
+            <a:r>
+              <a:rPr lang="en-KR" dirty="0"/>
+              <a:t>📌Key Points</a:t>
+            </a:r>
+          </a:p>
+        </p:txBody>
+      </p:sp>
+    </p:spTree>
+    <p:extLst>
+      <p:ext uri="{BB962C8B-B14F-4D97-AF65-F5344CB8AC3E}">
+        <p14:creationId xmlns:p14="http://schemas.microsoft.com/office/powerpoint/2010/main" val="3535220960"/>
+      </p:ext>
+    </p:extLst>
+  </p:cSld>
+  <p:clrMapOvr>
+    <a:masterClrMapping/>
+  </p:clrMapOvr>
+  <mc:AlternateContent xmlns:mc="http://schemas.openxmlformats.org/markup-compatibility/2006">
+    <mc:Choice xmlns:p159="http://schemas.microsoft.com/office/powerpoint/2015/09/main" Requires="p159">
+      <p:transition xmlns:p14="http://schemas.microsoft.com/office/powerpoint/2010/main" spd="slow" p14:dur="2000">
+        <p159:morph option="byObject"/>
+      </p:transition>
+    </mc:Choice>
+    <mc:Fallback>
+      <p:transition spd="slow">
+        <p:fade/>
+      </p:transition>
+    </mc:Fallback>
+  </mc:AlternateContent>
+</p:sld>
+</file>
+
+<file path=ppt/slides/slide13.xml><?xml version="1.0" encoding="utf-8"?>
+<p:sld xmlns:a="http://schemas.openxmlformats.org/drawingml/2006/main" xmlns:r="http://schemas.openxmlformats.org/officeDocument/2006/relationships" xmlns:p="http://schemas.openxmlformats.org/presentationml/2006/main">
+  <p:cSld>
+    <p:bg>
+      <p:bgPr>
+        <a:solidFill>
+          <a:schemeClr val="bg1"/>
+        </a:solidFill>
+        <a:effectLst/>
+      </p:bgPr>
+    </p:bg>
+    <p:spTree>
+      <p:nvGrpSpPr>
+        <p:cNvPr id="1" name="">
+          <a:extLst>
+            <a:ext uri="{FF2B5EF4-FFF2-40B4-BE49-F238E27FC236}">
+              <a16:creationId xmlns:a16="http://schemas.microsoft.com/office/drawing/2014/main" id="{83559DC2-2C29-4975-57D3-72E3D87AED0F}"/>
+            </a:ext>
+          </a:extLst>
+        </p:cNvPr>
+        <p:cNvGrpSpPr/>
+        <p:nvPr/>
+      </p:nvGrpSpPr>
+      <p:grpSpPr>
+        <a:xfrm>
+          <a:off x="0" y="0"/>
+          <a:ext cx="0" cy="0"/>
+          <a:chOff x="0" y="0"/>
+          <a:chExt cx="0" cy="0"/>
+        </a:xfrm>
+      </p:grpSpPr>
+      <p:sp useBgFill="1">
+        <p:nvSpPr>
+          <p:cNvPr id="23" name="Rectangle 22">
+            <a:extLst>
+              <a:ext uri="{FF2B5EF4-FFF2-40B4-BE49-F238E27FC236}">
+                <a16:creationId xmlns:a16="http://schemas.microsoft.com/office/drawing/2014/main" id="{879EECFE-814E-4B68-96A7-86A795BD22F7}"/>
+              </a:ext>
+              <a:ext uri="{C183D7F6-B498-43B3-948B-1728B52AA6E4}">
+                <adec:decorative xmlns:adec="http://schemas.microsoft.com/office/drawing/2017/decorative" val="1"/>
+              </a:ext>
+            </a:extLst>
+          </p:cNvPr>
+          <p:cNvSpPr>
+            <a:spLocks noGrp="1" noRot="1" noChangeAspect="1" noMove="1" noResize="1" noEditPoints="1" noAdjustHandles="1" noChangeArrowheads="1" noChangeShapeType="1" noTextEdit="1"/>
+          </p:cNvSpPr>
+          <p:nvPr>
+            <p:extLst>
+              <p:ext uri="{386F3935-93C4-4BCD-93E2-E3B085C9AB24}">
+                <p16:designElem xmlns:p16="http://schemas.microsoft.com/office/powerpoint/2015/main" val="1"/>
+              </p:ext>
+            </p:extLst>
+          </p:nvPr>
+        </p:nvSpPr>
+        <p:spPr>
+          <a:xfrm>
+            <a:off x="0" y="0"/>
+            <a:ext cx="12192000" cy="6858000"/>
+          </a:xfrm>
+          <a:prstGeom prst="rect">
+            <a:avLst/>
+          </a:prstGeom>
+          <a:ln>
+            <a:noFill/>
+          </a:ln>
+        </p:spPr>
+        <p:style>
+          <a:lnRef idx="2">
+            <a:schemeClr val="accent1">
+              <a:shade val="50000"/>
+            </a:schemeClr>
+          </a:lnRef>
+          <a:fillRef idx="1">
+            <a:schemeClr val="accent1"/>
+          </a:fillRef>
+          <a:effectRef idx="0">
+            <a:schemeClr val="accent1"/>
+          </a:effectRef>
+          <a:fontRef idx="minor">
+            <a:schemeClr val="lt1"/>
+          </a:fontRef>
+        </p:style>
+        <p:txBody>
+          <a:bodyPr rtlCol="0" anchor="ctr"/>
+          <a:lstStyle/>
+          <a:p>
+            <a:pPr algn="ctr"/>
+            <a:endParaRPr lang="en-US"/>
+          </a:p>
+        </p:txBody>
+      </p:sp>
+      <p:sp>
+        <p:nvSpPr>
+          <p:cNvPr id="24" name="Freeform: Shape 9">
+            <a:extLst>
+              <a:ext uri="{FF2B5EF4-FFF2-40B4-BE49-F238E27FC236}">
+                <a16:creationId xmlns:a16="http://schemas.microsoft.com/office/drawing/2014/main" id="{4742AC8B-F7F8-45CC-BFF5-27E8A564B887}"/>
+              </a:ext>
+              <a:ext uri="{C183D7F6-B498-43B3-948B-1728B52AA6E4}">
+                <adec:decorative xmlns:adec="http://schemas.microsoft.com/office/drawing/2017/decorative" val="1"/>
+              </a:ext>
+            </a:extLst>
+          </p:cNvPr>
+          <p:cNvSpPr>
+            <a:spLocks noGrp="1" noRot="1" noChangeAspect="1" noMove="1" noResize="1" noEditPoints="1" noAdjustHandles="1" noChangeArrowheads="1" noChangeShapeType="1" noTextEdit="1"/>
+          </p:cNvSpPr>
+          <p:nvPr>
+            <p:extLst>
+              <p:ext uri="{386F3935-93C4-4BCD-93E2-E3B085C9AB24}">
+                <p16:designElem xmlns:p16="http://schemas.microsoft.com/office/powerpoint/2015/main" val="1"/>
+              </p:ext>
+            </p:extLst>
+          </p:nvPr>
+        </p:nvSpPr>
+        <p:spPr>
+          <a:xfrm>
+            <a:off x="7544662" y="323519"/>
+            <a:ext cx="4323899" cy="6212748"/>
+          </a:xfrm>
+          <a:custGeom>
+            <a:avLst/>
+            <a:gdLst>
+              <a:gd name="connsiteX0" fmla="*/ 0 w 4323899"/>
+              <a:gd name="connsiteY0" fmla="*/ 0 h 6212748"/>
+              <a:gd name="connsiteX1" fmla="*/ 742501 w 4323899"/>
+              <a:gd name="connsiteY1" fmla="*/ 0 h 6212748"/>
+              <a:gd name="connsiteX2" fmla="*/ 4323899 w 4323899"/>
+              <a:gd name="connsiteY2" fmla="*/ 0 h 6212748"/>
+              <a:gd name="connsiteX3" fmla="*/ 4323899 w 4323899"/>
+              <a:gd name="connsiteY3" fmla="*/ 2864954 h 6212748"/>
+              <a:gd name="connsiteX4" fmla="*/ 880454 w 4323899"/>
+              <a:gd name="connsiteY4" fmla="*/ 6212748 h 6212748"/>
+              <a:gd name="connsiteX5" fmla="*/ 0 w 4323899"/>
+              <a:gd name="connsiteY5" fmla="*/ 6212748 h 6212748"/>
+              <a:gd name="connsiteX6" fmla="*/ 0 w 4323899"/>
+              <a:gd name="connsiteY6" fmla="*/ 6210962 h 6212748"/>
+            </a:gdLst>
+            <a:ahLst/>
+            <a:cxnLst>
+              <a:cxn ang="0">
+                <a:pos x="connsiteX0" y="connsiteY0"/>
+              </a:cxn>
+              <a:cxn ang="0">
+                <a:pos x="connsiteX1" y="connsiteY1"/>
+              </a:cxn>
+              <a:cxn ang="0">
+                <a:pos x="connsiteX2" y="connsiteY2"/>
+              </a:cxn>
+              <a:cxn ang="0">
+                <a:pos x="connsiteX3" y="connsiteY3"/>
+              </a:cxn>
+              <a:cxn ang="0">
+                <a:pos x="connsiteX4" y="connsiteY4"/>
+              </a:cxn>
+              <a:cxn ang="0">
+                <a:pos x="connsiteX5" y="connsiteY5"/>
+              </a:cxn>
+              <a:cxn ang="0">
+                <a:pos x="connsiteX6" y="connsiteY6"/>
+              </a:cxn>
+            </a:cxnLst>
+            <a:rect l="l" t="t" r="r" b="b"/>
+            <a:pathLst>
+              <a:path w="4323899" h="6212748">
+                <a:moveTo>
+                  <a:pt x="0" y="0"/>
+                </a:moveTo>
+                <a:lnTo>
+                  <a:pt x="742501" y="0"/>
+                </a:lnTo>
+                <a:lnTo>
+                  <a:pt x="4323899" y="0"/>
+                </a:lnTo>
+                <a:lnTo>
+                  <a:pt x="4323899" y="2864954"/>
+                </a:lnTo>
+                <a:lnTo>
+                  <a:pt x="880454" y="6212748"/>
+                </a:lnTo>
+                <a:lnTo>
+                  <a:pt x="0" y="6212748"/>
+                </a:lnTo>
+                <a:lnTo>
+                  <a:pt x="0" y="6210962"/>
+                </a:lnTo>
+                <a:close/>
+              </a:path>
+            </a:pathLst>
+          </a:custGeom>
+          <a:solidFill>
+            <a:schemeClr val="tx1">
+              <a:lumMod val="50000"/>
+              <a:lumOff val="50000"/>
+              <a:alpha val="25000"/>
+            </a:schemeClr>
+          </a:solidFill>
+          <a:ln>
+            <a:noFill/>
+          </a:ln>
+        </p:spPr>
+        <p:style>
+          <a:lnRef idx="2">
+            <a:schemeClr val="accent1">
+              <a:shade val="50000"/>
+            </a:schemeClr>
+          </a:lnRef>
+          <a:fillRef idx="1">
+            <a:schemeClr val="accent1"/>
+          </a:fillRef>
+          <a:effectRef idx="0">
+            <a:schemeClr val="accent1"/>
+          </a:effectRef>
+          <a:fontRef idx="minor">
+            <a:schemeClr val="lt1"/>
+          </a:fontRef>
+        </p:style>
+        <p:txBody>
+          <a:bodyPr wrap="square" rtlCol="0" anchor="ctr">
+            <a:noAutofit/>
+          </a:bodyPr>
+          <a:lstStyle/>
+          <a:p>
+            <a:pPr algn="ctr"/>
+            <a:endParaRPr lang="en-US"/>
+          </a:p>
+        </p:txBody>
+      </p:sp>
+      <p:sp>
+        <p:nvSpPr>
+          <p:cNvPr id="25" name="Right Triangle 24">
+            <a:extLst>
+              <a:ext uri="{FF2B5EF4-FFF2-40B4-BE49-F238E27FC236}">
+                <a16:creationId xmlns:a16="http://schemas.microsoft.com/office/drawing/2014/main" id="{AF180F00-B4B2-4196-BB1C-ECD21B03F0A9}"/>
+              </a:ext>
+              <a:ext uri="{C183D7F6-B498-43B3-948B-1728B52AA6E4}">
+                <adec:decorative xmlns:adec="http://schemas.microsoft.com/office/drawing/2017/decorative" val="1"/>
+              </a:ext>
+            </a:extLst>
+          </p:cNvPr>
+          <p:cNvSpPr>
+            <a:spLocks noGrp="1" noRot="1" noChangeAspect="1" noMove="1" noResize="1" noEditPoints="1" noAdjustHandles="1" noChangeArrowheads="1" noChangeShapeType="1" noTextEdit="1"/>
+          </p:cNvSpPr>
+          <p:nvPr>
+            <p:extLst>
+              <p:ext uri="{386F3935-93C4-4BCD-93E2-E3B085C9AB24}">
+                <p16:designElem xmlns:p16="http://schemas.microsoft.com/office/powerpoint/2015/main" val="1"/>
+              </p:ext>
+            </p:extLst>
+          </p:nvPr>
+        </p:nvSpPr>
+        <p:spPr>
+          <a:xfrm flipH="1">
+            <a:off x="8576720" y="3335867"/>
+            <a:ext cx="3291840" cy="3200400"/>
+          </a:xfrm>
+          <a:prstGeom prst="rtTriangle">
+            <a:avLst/>
+          </a:prstGeom>
+          <a:solidFill>
+            <a:schemeClr val="accent4"/>
+          </a:solidFill>
+          <a:ln>
+            <a:noFill/>
+          </a:ln>
+        </p:spPr>
+        <p:style>
+          <a:lnRef idx="2">
+            <a:schemeClr val="accent1">
+              <a:shade val="50000"/>
+            </a:schemeClr>
+          </a:lnRef>
+          <a:fillRef idx="1">
+            <a:schemeClr val="accent1"/>
+          </a:fillRef>
+          <a:effectRef idx="0">
+            <a:schemeClr val="accent1"/>
+          </a:effectRef>
+          <a:fontRef idx="minor">
+            <a:schemeClr val="lt1"/>
+          </a:fontRef>
+        </p:style>
+        <p:txBody>
+          <a:bodyPr rtlCol="0" anchor="ctr"/>
+          <a:lstStyle/>
+          <a:p>
+            <a:pPr algn="ctr"/>
+            <a:endParaRPr lang="en-US" dirty="0"/>
+          </a:p>
+        </p:txBody>
+      </p:sp>
+      <p:sp>
+        <p:nvSpPr>
+          <p:cNvPr id="14" name="Rectangle 13">
+            <a:extLst>
+              <a:ext uri="{FF2B5EF4-FFF2-40B4-BE49-F238E27FC236}">
+                <a16:creationId xmlns:a16="http://schemas.microsoft.com/office/drawing/2014/main" id="{EE04B5EB-F158-4507-90DD-BD23620C7CC9}"/>
+              </a:ext>
+              <a:ext uri="{C183D7F6-B498-43B3-948B-1728B52AA6E4}">
+                <adec:decorative xmlns:adec="http://schemas.microsoft.com/office/drawing/2017/decorative" val="1"/>
+              </a:ext>
+            </a:extLst>
+          </p:cNvPr>
+          <p:cNvSpPr>
+            <a:spLocks noGrp="1" noRot="1" noChangeAspect="1" noMove="1" noResize="1" noEditPoints="1" noAdjustHandles="1" noChangeArrowheads="1" noChangeShapeType="1" noTextEdit="1"/>
+          </p:cNvSpPr>
+          <p:nvPr>
+            <p:extLst>
+              <p:ext uri="{386F3935-93C4-4BCD-93E2-E3B085C9AB24}">
+                <p16:designElem xmlns:p16="http://schemas.microsoft.com/office/powerpoint/2015/main" val="1"/>
+              </p:ext>
+            </p:extLst>
+          </p:nvPr>
+        </p:nvSpPr>
+        <p:spPr>
+          <a:xfrm>
+            <a:off x="641774" y="623275"/>
+            <a:ext cx="10905053" cy="5607882"/>
+          </a:xfrm>
+          <a:prstGeom prst="rect">
+            <a:avLst/>
+          </a:prstGeom>
+          <a:noFill/>
+          <a:ln w="19050">
+            <a:solidFill>
+              <a:schemeClr val="tx1">
+                <a:lumMod val="75000"/>
+                <a:lumOff val="25000"/>
+              </a:schemeClr>
+            </a:solidFill>
+          </a:ln>
+        </p:spPr>
+        <p:style>
+          <a:lnRef idx="2">
+            <a:schemeClr val="accent1">
+              <a:shade val="50000"/>
+            </a:schemeClr>
+          </a:lnRef>
+          <a:fillRef idx="1">
+            <a:schemeClr val="accent1"/>
+          </a:fillRef>
+          <a:effectRef idx="0">
+            <a:schemeClr val="accent1"/>
+          </a:effectRef>
+          <a:fontRef idx="minor">
+            <a:schemeClr val="lt1"/>
+          </a:fontRef>
+        </p:style>
+        <p:txBody>
+          <a:bodyPr rtlCol="0" anchor="ctr"/>
+          <a:lstStyle/>
+          <a:p>
+            <a:pPr algn="ctr"/>
+            <a:endParaRPr lang="en-US"/>
+          </a:p>
+        </p:txBody>
+      </p:sp>
+      <p:sp>
+        <p:nvSpPr>
+          <p:cNvPr id="2" name="Title 1">
+            <a:extLst>
+              <a:ext uri="{FF2B5EF4-FFF2-40B4-BE49-F238E27FC236}">
+                <a16:creationId xmlns:a16="http://schemas.microsoft.com/office/drawing/2014/main" id="{699B043A-4957-004D-D463-38D9DADB59BE}"/>
+              </a:ext>
+            </a:extLst>
+          </p:cNvPr>
+          <p:cNvSpPr>
+            <a:spLocks noGrp="1"/>
+          </p:cNvSpPr>
+          <p:nvPr>
+            <p:ph type="ctrTitle"/>
+          </p:nvPr>
+        </p:nvSpPr>
+        <p:spPr>
+          <a:xfrm>
+            <a:off x="965200" y="1383527"/>
+            <a:ext cx="6117158" cy="4175166"/>
+          </a:xfrm>
+        </p:spPr>
+        <p:txBody>
+          <a:bodyPr anchor="ctr">
+            <a:normAutofit/>
+          </a:bodyPr>
+          <a:lstStyle/>
+          <a:p>
+            <a:pPr algn="r"/>
+            <a:r>
+              <a:rPr lang="en-KR" sz="9600" dirty="0"/>
+              <a:t>DeepSeek-Janus</a:t>
+            </a:r>
+            <a:r>
+              <a:rPr lang="ko-KR" altLang="en-US" sz="9600" dirty="0"/>
+              <a:t> </a:t>
+            </a:r>
+            <a:r>
+              <a:rPr lang="en-US" altLang="ko-KR" sz="9600" dirty="0"/>
+              <a:t>Flow</a:t>
+            </a:r>
+            <a:br>
+              <a:rPr lang="en-KR" sz="9600" dirty="0"/>
+            </a:br>
+            <a:endParaRPr lang="en-KR" sz="9600" dirty="0"/>
+          </a:p>
+        </p:txBody>
+      </p:sp>
+      <p:sp>
+        <p:nvSpPr>
+          <p:cNvPr id="3" name="Subtitle 2">
+            <a:extLst>
+              <a:ext uri="{FF2B5EF4-FFF2-40B4-BE49-F238E27FC236}">
+                <a16:creationId xmlns:a16="http://schemas.microsoft.com/office/drawing/2014/main" id="{F49BAE5E-34B1-0D24-A621-CDB035904302}"/>
+              </a:ext>
+            </a:extLst>
+          </p:cNvPr>
+          <p:cNvSpPr>
+            <a:spLocks noGrp="1"/>
+          </p:cNvSpPr>
+          <p:nvPr>
+            <p:ph type="subTitle" idx="1"/>
+          </p:nvPr>
+        </p:nvSpPr>
+        <p:spPr>
+          <a:xfrm>
+            <a:off x="8013517" y="2671638"/>
+            <a:ext cx="3086502" cy="1598946"/>
+          </a:xfrm>
+        </p:spPr>
+        <p:txBody>
+          <a:bodyPr anchor="ctr">
+            <a:normAutofit/>
+          </a:bodyPr>
+          <a:lstStyle/>
+          <a:p>
+            <a:pPr algn="l"/>
+            <a:r>
+              <a:rPr lang="en-KR"/>
+              <a:t>Focusing on the Method</a:t>
+            </a:r>
+          </a:p>
+        </p:txBody>
+      </p:sp>
+    </p:spTree>
+    <p:extLst>
+      <p:ext uri="{BB962C8B-B14F-4D97-AF65-F5344CB8AC3E}">
+        <p14:creationId xmlns:p14="http://schemas.microsoft.com/office/powerpoint/2010/main" val="127516774"/>
+      </p:ext>
+    </p:extLst>
+  </p:cSld>
+  <p:clrMapOvr>
+    <a:masterClrMapping/>
+  </p:clrMapOvr>
+  <mc:AlternateContent xmlns:mc="http://schemas.openxmlformats.org/markup-compatibility/2006">
+    <mc:Choice xmlns:p159="http://schemas.microsoft.com/office/powerpoint/2015/09/main" Requires="p159">
+      <p:transition xmlns:p14="http://schemas.microsoft.com/office/powerpoint/2010/main" spd="slow" p14:dur="2000">
+        <p159:morph option="byObject"/>
+      </p:transition>
+    </mc:Choice>
+    <mc:Fallback>
+      <p:transition spd="slow">
+        <p:fade/>
+      </p:transition>
+    </mc:Fallback>
+  </mc:AlternateContent>
+</p:sld>
+</file>
+
+<file path=ppt/slides/slide14.xml><?xml version="1.0" encoding="utf-8"?>
+<p:sld xmlns:a="http://schemas.openxmlformats.org/drawingml/2006/main" xmlns:r="http://schemas.openxmlformats.org/officeDocument/2006/relationships" xmlns:p="http://schemas.openxmlformats.org/presentationml/2006/main">
+  <p:cSld>
+    <p:spTree>
+      <p:nvGrpSpPr>
+        <p:cNvPr id="1" name=""/>
+        <p:cNvGrpSpPr/>
+        <p:nvPr/>
+      </p:nvGrpSpPr>
+      <p:grpSpPr>
+        <a:xfrm>
+          <a:off x="0" y="0"/>
+          <a:ext cx="0" cy="0"/>
+          <a:chOff x="0" y="0"/>
+          <a:chExt cx="0" cy="0"/>
+        </a:xfrm>
+      </p:grpSpPr>
+      <p:sp>
+        <p:nvSpPr>
+          <p:cNvPr id="2" name="Title 1">
+            <a:extLst>
+              <a:ext uri="{FF2B5EF4-FFF2-40B4-BE49-F238E27FC236}">
+                <a16:creationId xmlns:a16="http://schemas.microsoft.com/office/drawing/2014/main" id="{C7CC0F90-2EA1-01C6-D749-872A65A10C37}"/>
+              </a:ext>
+            </a:extLst>
+          </p:cNvPr>
+          <p:cNvSpPr>
+            <a:spLocks noGrp="1"/>
+          </p:cNvSpPr>
+          <p:nvPr>
+            <p:ph type="title"/>
+          </p:nvPr>
+        </p:nvSpPr>
+        <p:spPr/>
+        <p:txBody>
+          <a:bodyPr/>
+          <a:lstStyle/>
+          <a:p>
+            <a:r>
+              <a:rPr lang="en-KR" sz="4400" dirty="0"/>
+              <a:t>DeepSeek-Janus</a:t>
+            </a:r>
+            <a:r>
+              <a:rPr lang="ko-KR" altLang="en-US" sz="4400" dirty="0"/>
+              <a:t> </a:t>
+            </a:r>
+            <a:r>
+              <a:rPr lang="en-US" altLang="ko-KR" sz="4400" dirty="0"/>
+              <a:t>Flow</a:t>
+            </a:r>
+            <a:endParaRPr lang="en-KR" dirty="0"/>
+          </a:p>
+        </p:txBody>
+      </p:sp>
+      <p:sp>
+        <p:nvSpPr>
+          <p:cNvPr id="3" name="Content Placeholder 2">
+            <a:extLst>
+              <a:ext uri="{FF2B5EF4-FFF2-40B4-BE49-F238E27FC236}">
+                <a16:creationId xmlns:a16="http://schemas.microsoft.com/office/drawing/2014/main" id="{034D5276-5EF6-5A24-3BC3-18A2257F3942}"/>
+              </a:ext>
+            </a:extLst>
+          </p:cNvPr>
+          <p:cNvSpPr>
+            <a:spLocks noGrp="1"/>
+          </p:cNvSpPr>
+          <p:nvPr>
+            <p:ph idx="1"/>
+          </p:nvPr>
+        </p:nvSpPr>
+        <p:spPr/>
+        <p:txBody>
+          <a:bodyPr/>
+          <a:lstStyle/>
+          <a:p>
+            <a:r>
+              <a:rPr lang="en-US" dirty="0"/>
+              <a:t>O</a:t>
+            </a:r>
+            <a:r>
+              <a:rPr lang="en-KR" dirty="0"/>
+              <a:t>n the Basic model of Janus</a:t>
+            </a:r>
+          </a:p>
+          <a:p>
+            <a:pPr lvl="1"/>
+            <a:r>
+              <a:rPr lang="en-US" dirty="0"/>
+              <a:t>A</a:t>
+            </a:r>
+            <a:r>
+              <a:rPr lang="en-KR" dirty="0"/>
+              <a:t>pplied </a:t>
+            </a:r>
+            <a:r>
+              <a:rPr lang="en-KR" b="1" dirty="0">
+                <a:solidFill>
+                  <a:srgbClr val="CB4CC9"/>
+                </a:solidFill>
+              </a:rPr>
+              <a:t>Rectified Flow</a:t>
+            </a:r>
+          </a:p>
+        </p:txBody>
+      </p:sp>
+      <p:sp>
+        <p:nvSpPr>
+          <p:cNvPr id="5" name="TextBox 4">
+            <a:extLst>
+              <a:ext uri="{FF2B5EF4-FFF2-40B4-BE49-F238E27FC236}">
+                <a16:creationId xmlns:a16="http://schemas.microsoft.com/office/drawing/2014/main" id="{7804FEF1-8779-2D35-62FE-A05F54B40E76}"/>
+              </a:ext>
+            </a:extLst>
+          </p:cNvPr>
+          <p:cNvSpPr txBox="1"/>
+          <p:nvPr/>
+        </p:nvSpPr>
+        <p:spPr>
+          <a:xfrm>
+            <a:off x="953886" y="1321356"/>
+            <a:ext cx="6097384" cy="369332"/>
+          </a:xfrm>
+          <a:prstGeom prst="rect">
+            <a:avLst/>
+          </a:prstGeom>
+          <a:noFill/>
+        </p:spPr>
+        <p:txBody>
+          <a:bodyPr wrap="square">
+            <a:spAutoFit/>
+          </a:bodyPr>
+          <a:lstStyle/>
+          <a:p>
+            <a:r>
+              <a:rPr lang="en-KR" dirty="0"/>
+              <a:t>📌Key Points</a:t>
+            </a:r>
+          </a:p>
+        </p:txBody>
+      </p:sp>
+    </p:spTree>
+    <p:extLst>
+      <p:ext uri="{BB962C8B-B14F-4D97-AF65-F5344CB8AC3E}">
+        <p14:creationId xmlns:p14="http://schemas.microsoft.com/office/powerpoint/2010/main" val="2509867646"/>
+      </p:ext>
+    </p:extLst>
+  </p:cSld>
+  <p:clrMapOvr>
+    <a:masterClrMapping/>
+  </p:clrMapOvr>
+  <mc:AlternateContent xmlns:mc="http://schemas.openxmlformats.org/markup-compatibility/2006">
+    <mc:Choice xmlns:p159="http://schemas.microsoft.com/office/powerpoint/2015/09/main" Requires="p159">
+      <p:transition xmlns:p14="http://schemas.microsoft.com/office/powerpoint/2010/main" spd="slow" p14:dur="2000">
+        <p159:morph option="byObject"/>
+      </p:transition>
+    </mc:Choice>
+    <mc:Fallback>
+      <p:transition spd="slow">
+        <p:fade/>
+      </p:transition>
+    </mc:Fallback>
+  </mc:AlternateContent>
+</p:sld>
+</file>
+
+<file path=ppt/slides/slide15.xml><?xml version="1.0" encoding="utf-8"?>
+<p:sld xmlns:a="http://schemas.openxmlformats.org/drawingml/2006/main" xmlns:r="http://schemas.openxmlformats.org/officeDocument/2006/relationships" xmlns:p="http://schemas.openxmlformats.org/presentationml/2006/main">
+  <p:cSld>
+    <p:spTree>
+      <p:nvGrpSpPr>
+        <p:cNvPr id="1" name=""/>
+        <p:cNvGrpSpPr/>
+        <p:nvPr/>
+      </p:nvGrpSpPr>
+      <p:grpSpPr>
+        <a:xfrm>
+          <a:off x="0" y="0"/>
+          <a:ext cx="0" cy="0"/>
+          <a:chOff x="0" y="0"/>
+          <a:chExt cx="0" cy="0"/>
+        </a:xfrm>
+      </p:grpSpPr>
+      <p:sp>
+        <p:nvSpPr>
+          <p:cNvPr id="2" name="Title 1">
+            <a:extLst>
+              <a:ext uri="{FF2B5EF4-FFF2-40B4-BE49-F238E27FC236}">
+                <a16:creationId xmlns:a16="http://schemas.microsoft.com/office/drawing/2014/main" id="{CCA7BE5D-B194-D987-F212-56E21AC595BC}"/>
+              </a:ext>
+            </a:extLst>
+          </p:cNvPr>
+          <p:cNvSpPr>
+            <a:spLocks noGrp="1"/>
+          </p:cNvSpPr>
+          <p:nvPr>
+            <p:ph type="title"/>
+          </p:nvPr>
+        </p:nvSpPr>
+        <p:spPr/>
+        <p:txBody>
+          <a:bodyPr/>
+          <a:lstStyle/>
+          <a:p>
+            <a:r>
+              <a:rPr lang="en-KR" b="1" dirty="0">
+                <a:solidFill>
+                  <a:srgbClr val="CB4CC9"/>
+                </a:solidFill>
+              </a:rPr>
+              <a:t>Rectified Flow</a:t>
+            </a:r>
+          </a:p>
+        </p:txBody>
+      </p:sp>
+      <p:sp>
+        <p:nvSpPr>
+          <p:cNvPr id="3" name="Content Placeholder 2">
+            <a:extLst>
+              <a:ext uri="{FF2B5EF4-FFF2-40B4-BE49-F238E27FC236}">
+                <a16:creationId xmlns:a16="http://schemas.microsoft.com/office/drawing/2014/main" id="{616FA031-1DC1-523A-F480-7EFA8F2CCA39}"/>
+              </a:ext>
+            </a:extLst>
+          </p:cNvPr>
+          <p:cNvSpPr>
+            <a:spLocks noGrp="1"/>
+          </p:cNvSpPr>
+          <p:nvPr>
+            <p:ph idx="1"/>
+          </p:nvPr>
+        </p:nvSpPr>
+        <p:spPr/>
+        <p:txBody>
+          <a:bodyPr/>
+          <a:lstStyle/>
+          <a:p>
+            <a:r>
+              <a:rPr lang="en-US" dirty="0"/>
+              <a:t>It begins in March 12</a:t>
+            </a:r>
+            <a:endParaRPr lang="en-KR" dirty="0"/>
+          </a:p>
+        </p:txBody>
+      </p:sp>
+    </p:spTree>
+    <p:extLst>
+      <p:ext uri="{BB962C8B-B14F-4D97-AF65-F5344CB8AC3E}">
+        <p14:creationId xmlns:p14="http://schemas.microsoft.com/office/powerpoint/2010/main" val="3192409895"/>
+      </p:ext>
+    </p:extLst>
+  </p:cSld>
+  <p:clrMapOvr>
+    <a:masterClrMapping/>
+  </p:clrMapOvr>
+  <mc:AlternateContent xmlns:mc="http://schemas.openxmlformats.org/markup-compatibility/2006">
+    <mc:Choice xmlns:p159="http://schemas.microsoft.com/office/powerpoint/2015/09/main" Requires="p159">
+      <p:transition xmlns:p14="http://schemas.microsoft.com/office/powerpoint/2010/main" spd="slow" p14:dur="2000">
+        <p159:morph option="byObject"/>
+      </p:transition>
+    </mc:Choice>
+    <mc:Fallback>
+      <p:transition spd="slow">
+        <p:fade/>
+      </p:transition>
+    </mc:Fallback>
+  </mc:AlternateContent>
+</p:sld>
+</file>
+
+<file path=ppt/slides/slide16.xml><?xml version="1.0" encoding="utf-8"?>
+<p:sld xmlns:a="http://schemas.openxmlformats.org/drawingml/2006/main" xmlns:r="http://schemas.openxmlformats.org/officeDocument/2006/relationships" xmlns:p="http://schemas.openxmlformats.org/presentationml/2006/main">
+  <p:cSld>
+    <p:bg>
+      <p:bgPr>
+        <a:solidFill>
+          <a:schemeClr val="bg1"/>
+        </a:solidFill>
+        <a:effectLst/>
+      </p:bgPr>
+    </p:bg>
+    <p:spTree>
+      <p:nvGrpSpPr>
+        <p:cNvPr id="1" name="">
+          <a:extLst>
+            <a:ext uri="{FF2B5EF4-FFF2-40B4-BE49-F238E27FC236}">
+              <a16:creationId xmlns:a16="http://schemas.microsoft.com/office/drawing/2014/main" id="{C3827655-3E7B-C08D-6F05-45016A1B83E2}"/>
+            </a:ext>
+          </a:extLst>
+        </p:cNvPr>
+        <p:cNvGrpSpPr/>
+        <p:nvPr/>
+      </p:nvGrpSpPr>
+      <p:grpSpPr>
+        <a:xfrm>
+          <a:off x="0" y="0"/>
+          <a:ext cx="0" cy="0"/>
+          <a:chOff x="0" y="0"/>
+          <a:chExt cx="0" cy="0"/>
+        </a:xfrm>
+      </p:grpSpPr>
+      <p:sp useBgFill="1">
+        <p:nvSpPr>
+          <p:cNvPr id="8" name="Rectangle 7">
+            <a:extLst>
+              <a:ext uri="{FF2B5EF4-FFF2-40B4-BE49-F238E27FC236}">
+                <a16:creationId xmlns:a16="http://schemas.microsoft.com/office/drawing/2014/main" id="{934F1179-B481-4F9E-BCA3-AFB972070F83}"/>
+              </a:ext>
+              <a:ext uri="{C183D7F6-B498-43B3-948B-1728B52AA6E4}">
+                <adec:decorative xmlns:adec="http://schemas.microsoft.com/office/drawing/2017/decorative" val="1"/>
+              </a:ext>
+            </a:extLst>
+          </p:cNvPr>
+          <p:cNvSpPr>
+            <a:spLocks noGrp="1" noRot="1" noChangeAspect="1" noMove="1" noResize="1" noEditPoints="1" noAdjustHandles="1" noChangeArrowheads="1" noChangeShapeType="1" noTextEdit="1"/>
+          </p:cNvSpPr>
+          <p:nvPr>
+            <p:extLst>
+              <p:ext uri="{386F3935-93C4-4BCD-93E2-E3B085C9AB24}">
+                <p16:designElem xmlns:p16="http://schemas.microsoft.com/office/powerpoint/2015/main" val="1"/>
+              </p:ext>
+            </p:extLst>
+          </p:nvPr>
+        </p:nvSpPr>
+        <p:spPr>
+          <a:xfrm>
+            <a:off x="0" y="0"/>
+            <a:ext cx="12192000" cy="6858000"/>
+          </a:xfrm>
+          <a:prstGeom prst="rect">
+            <a:avLst/>
+          </a:prstGeom>
+          <a:ln>
+            <a:noFill/>
+          </a:ln>
+        </p:spPr>
+        <p:style>
+          <a:lnRef idx="2">
+            <a:schemeClr val="accent1">
+              <a:shade val="50000"/>
+            </a:schemeClr>
+          </a:lnRef>
+          <a:fillRef idx="1">
+            <a:schemeClr val="accent1"/>
+          </a:fillRef>
+          <a:effectRef idx="0">
+            <a:schemeClr val="accent1"/>
+          </a:effectRef>
+          <a:fontRef idx="minor">
+            <a:schemeClr val="lt1"/>
+          </a:fontRef>
+        </p:style>
+        <p:txBody>
+          <a:bodyPr rtlCol="0" anchor="ctr"/>
+          <a:lstStyle/>
+          <a:p>
+            <a:pPr algn="ctr"/>
+            <a:endParaRPr lang="en-US"/>
+          </a:p>
+        </p:txBody>
+      </p:sp>
+      <p:sp>
+        <p:nvSpPr>
+          <p:cNvPr id="10" name="Right Triangle 9">
+            <a:extLst>
+              <a:ext uri="{FF2B5EF4-FFF2-40B4-BE49-F238E27FC236}">
+                <a16:creationId xmlns:a16="http://schemas.microsoft.com/office/drawing/2014/main" id="{827DC2C4-B485-428A-BF4A-472D2967F47F}"/>
+              </a:ext>
+              <a:ext uri="{C183D7F6-B498-43B3-948B-1728B52AA6E4}">
+                <adec:decorative xmlns:adec="http://schemas.microsoft.com/office/drawing/2017/decorative" val="1"/>
+              </a:ext>
+            </a:extLst>
+          </p:cNvPr>
+          <p:cNvSpPr>
+            <a:spLocks noGrp="1" noRot="1" noChangeAspect="1" noMove="1" noResize="1" noEditPoints="1" noAdjustHandles="1" noChangeArrowheads="1" noChangeShapeType="1" noTextEdit="1"/>
+          </p:cNvSpPr>
+          <p:nvPr>
+            <p:extLst>
+              <p:ext uri="{386F3935-93C4-4BCD-93E2-E3B085C9AB24}">
+                <p16:designElem xmlns:p16="http://schemas.microsoft.com/office/powerpoint/2015/main" val="1"/>
+              </p:ext>
+            </p:extLst>
+          </p:nvPr>
+        </p:nvSpPr>
+        <p:spPr>
+          <a:xfrm flipH="1">
+            <a:off x="8576720" y="3335867"/>
+            <a:ext cx="3291840" cy="3200400"/>
+          </a:xfrm>
+          <a:prstGeom prst="rtTriangle">
+            <a:avLst/>
+          </a:prstGeom>
+          <a:solidFill>
+            <a:schemeClr val="accent4"/>
+          </a:solidFill>
+          <a:ln>
+            <a:noFill/>
+          </a:ln>
+        </p:spPr>
+        <p:style>
+          <a:lnRef idx="2">
+            <a:schemeClr val="accent1">
+              <a:shade val="50000"/>
+            </a:schemeClr>
+          </a:lnRef>
+          <a:fillRef idx="1">
+            <a:schemeClr val="accent1"/>
+          </a:fillRef>
+          <a:effectRef idx="0">
+            <a:schemeClr val="accent1"/>
+          </a:effectRef>
+          <a:fontRef idx="minor">
+            <a:schemeClr val="lt1"/>
+          </a:fontRef>
+        </p:style>
+        <p:txBody>
+          <a:bodyPr rtlCol="0" anchor="ctr"/>
+          <a:lstStyle/>
+          <a:p>
+            <a:pPr algn="ctr"/>
+            <a:endParaRPr lang="en-US" dirty="0"/>
+          </a:p>
+        </p:txBody>
+      </p:sp>
+      <p:sp>
+        <p:nvSpPr>
+          <p:cNvPr id="12" name="Rectangle 11">
+            <a:extLst>
+              <a:ext uri="{FF2B5EF4-FFF2-40B4-BE49-F238E27FC236}">
+                <a16:creationId xmlns:a16="http://schemas.microsoft.com/office/drawing/2014/main" id="{EE04B5EB-F158-4507-90DD-BD23620C7CC9}"/>
+              </a:ext>
+              <a:ext uri="{C183D7F6-B498-43B3-948B-1728B52AA6E4}">
+                <adec:decorative xmlns:adec="http://schemas.microsoft.com/office/drawing/2017/decorative" val="1"/>
+              </a:ext>
+            </a:extLst>
+          </p:cNvPr>
+          <p:cNvSpPr>
+            <a:spLocks noGrp="1" noRot="1" noChangeAspect="1" noMove="1" noResize="1" noEditPoints="1" noAdjustHandles="1" noChangeArrowheads="1" noChangeShapeType="1" noTextEdit="1"/>
+          </p:cNvSpPr>
+          <p:nvPr>
+            <p:extLst>
+              <p:ext uri="{386F3935-93C4-4BCD-93E2-E3B085C9AB24}">
+                <p16:designElem xmlns:p16="http://schemas.microsoft.com/office/powerpoint/2015/main" val="1"/>
+              </p:ext>
+            </p:extLst>
+          </p:nvPr>
+        </p:nvSpPr>
+        <p:spPr>
+          <a:xfrm>
+            <a:off x="641774" y="623275"/>
+            <a:ext cx="10905053" cy="5607882"/>
+          </a:xfrm>
+          <a:prstGeom prst="rect">
+            <a:avLst/>
+          </a:prstGeom>
+          <a:noFill/>
+          <a:ln w="19050">
+            <a:solidFill>
+              <a:schemeClr val="tx1">
+                <a:lumMod val="75000"/>
+                <a:lumOff val="25000"/>
+              </a:schemeClr>
+            </a:solidFill>
+          </a:ln>
+        </p:spPr>
+        <p:style>
+          <a:lnRef idx="2">
+            <a:schemeClr val="accent1">
+              <a:shade val="50000"/>
+            </a:schemeClr>
+          </a:lnRef>
+          <a:fillRef idx="1">
+            <a:schemeClr val="accent1"/>
+          </a:fillRef>
+          <a:effectRef idx="0">
+            <a:schemeClr val="accent1"/>
+          </a:effectRef>
+          <a:fontRef idx="minor">
+            <a:schemeClr val="lt1"/>
+          </a:fontRef>
+        </p:style>
+        <p:txBody>
+          <a:bodyPr rtlCol="0" anchor="ctr"/>
+          <a:lstStyle/>
+          <a:p>
+            <a:pPr algn="ctr"/>
+            <a:endParaRPr lang="en-US"/>
+          </a:p>
+        </p:txBody>
+      </p:sp>
+      <p:sp>
+        <p:nvSpPr>
+          <p:cNvPr id="2" name="Title 1">
+            <a:extLst>
+              <a:ext uri="{FF2B5EF4-FFF2-40B4-BE49-F238E27FC236}">
+                <a16:creationId xmlns:a16="http://schemas.microsoft.com/office/drawing/2014/main" id="{A8749A21-FECE-E985-B7EC-63B84F4BDF33}"/>
+              </a:ext>
+            </a:extLst>
+          </p:cNvPr>
+          <p:cNvSpPr>
+            <a:spLocks noGrp="1"/>
+          </p:cNvSpPr>
+          <p:nvPr>
+            <p:ph type="ctrTitle"/>
+          </p:nvPr>
+        </p:nvSpPr>
+        <p:spPr>
+          <a:xfrm>
+            <a:off x="1285241" y="1008993"/>
+            <a:ext cx="9231410" cy="3542045"/>
+          </a:xfrm>
+        </p:spPr>
+        <p:txBody>
+          <a:bodyPr anchor="b">
+            <a:normAutofit/>
+          </a:bodyPr>
+          <a:lstStyle/>
+          <a:p>
+            <a:pPr algn="l"/>
+            <a:r>
+              <a:rPr lang="en-KR" sz="8100" dirty="0"/>
+              <a:t>DeepSeek-Janus</a:t>
+            </a:r>
+            <a:r>
+              <a:rPr lang="ko-KR" altLang="en-US" sz="8100" dirty="0"/>
+              <a:t> </a:t>
+            </a:r>
+            <a:r>
+              <a:rPr lang="en-US" altLang="ko-KR" sz="8100" dirty="0"/>
+              <a:t>Pro</a:t>
+            </a:r>
+            <a:br>
+              <a:rPr lang="en-KR" sz="8100" dirty="0"/>
+            </a:br>
+            <a:endParaRPr lang="en-KR" sz="8100" dirty="0"/>
+          </a:p>
+        </p:txBody>
+      </p:sp>
+      <p:sp>
+        <p:nvSpPr>
+          <p:cNvPr id="3" name="Subtitle 2">
+            <a:extLst>
+              <a:ext uri="{FF2B5EF4-FFF2-40B4-BE49-F238E27FC236}">
+                <a16:creationId xmlns:a16="http://schemas.microsoft.com/office/drawing/2014/main" id="{FE50D0C5-FA2E-335B-B313-12D2716787AE}"/>
+              </a:ext>
+            </a:extLst>
+          </p:cNvPr>
+          <p:cNvSpPr>
+            <a:spLocks noGrp="1"/>
+          </p:cNvSpPr>
+          <p:nvPr>
+            <p:ph type="subTitle" idx="1"/>
+          </p:nvPr>
+        </p:nvSpPr>
+        <p:spPr>
+          <a:xfrm>
+            <a:off x="1285241" y="4582814"/>
+            <a:ext cx="7132335" cy="1312657"/>
+          </a:xfrm>
+        </p:spPr>
+        <p:txBody>
+          <a:bodyPr anchor="t">
+            <a:normAutofit/>
+          </a:bodyPr>
+          <a:lstStyle/>
+          <a:p>
+            <a:pPr algn="l"/>
+            <a:r>
+              <a:rPr lang="en-KR"/>
+              <a:t>Focusing on the Method</a:t>
+            </a:r>
+          </a:p>
+        </p:txBody>
+      </p:sp>
+    </p:spTree>
+    <p:extLst>
+      <p:ext uri="{BB962C8B-B14F-4D97-AF65-F5344CB8AC3E}">
+        <p14:creationId xmlns:p14="http://schemas.microsoft.com/office/powerpoint/2010/main" val="3190438154"/>
+      </p:ext>
+    </p:extLst>
+  </p:cSld>
+  <p:clrMapOvr>
+    <a:masterClrMapping/>
+  </p:clrMapOvr>
+  <mc:AlternateContent xmlns:mc="http://schemas.openxmlformats.org/markup-compatibility/2006">
+    <mc:Choice xmlns:p159="http://schemas.microsoft.com/office/powerpoint/2015/09/main" Requires="p159">
+      <p:transition xmlns:p14="http://schemas.microsoft.com/office/powerpoint/2010/main" spd="slow" p14:dur="2000">
+        <p159:morph option="byObject"/>
+      </p:transition>
+    </mc:Choice>
+    <mc:Fallback>
+      <p:transition spd="slow">
+        <p:fade/>
+      </p:transition>
+    </mc:Fallback>
+  </mc:AlternateContent>
+</p:sld>
+</file>
+
+<file path=ppt/slides/slide17.xml><?xml version="1.0" encoding="utf-8"?>
+<p:sld xmlns:a="http://schemas.openxmlformats.org/drawingml/2006/main" xmlns:r="http://schemas.openxmlformats.org/officeDocument/2006/relationships" xmlns:p="http://schemas.openxmlformats.org/presentationml/2006/main">
+  <p:cSld>
+    <p:spTree>
+      <p:nvGrpSpPr>
+        <p:cNvPr id="1" name=""/>
+        <p:cNvGrpSpPr/>
+        <p:nvPr/>
+      </p:nvGrpSpPr>
+      <p:grpSpPr>
+        <a:xfrm>
+          <a:off x="0" y="0"/>
+          <a:ext cx="0" cy="0"/>
+          <a:chOff x="0" y="0"/>
+          <a:chExt cx="0" cy="0"/>
+        </a:xfrm>
+      </p:grpSpPr>
+      <p:sp>
+        <p:nvSpPr>
+          <p:cNvPr id="2" name="Title 1">
+            <a:extLst>
+              <a:ext uri="{FF2B5EF4-FFF2-40B4-BE49-F238E27FC236}">
+                <a16:creationId xmlns:a16="http://schemas.microsoft.com/office/drawing/2014/main" id="{66EE067D-2C99-8D89-C5E9-53BB6883E563}"/>
+              </a:ext>
+            </a:extLst>
+          </p:cNvPr>
+          <p:cNvSpPr>
+            <a:spLocks noGrp="1"/>
+          </p:cNvSpPr>
+          <p:nvPr>
+            <p:ph type="title"/>
+          </p:nvPr>
+        </p:nvSpPr>
+        <p:spPr/>
+        <p:txBody>
+          <a:bodyPr>
+            <a:normAutofit/>
+          </a:bodyPr>
+          <a:lstStyle/>
+          <a:p>
+            <a:r>
+              <a:rPr lang="en-KR" sz="4400" dirty="0"/>
+              <a:t>DeepSeek-Janus</a:t>
+            </a:r>
+            <a:r>
+              <a:rPr lang="ko-KR" altLang="en-US" sz="4400" dirty="0"/>
+              <a:t> </a:t>
+            </a:r>
+            <a:r>
+              <a:rPr lang="en-US" altLang="ko-KR" sz="4400" dirty="0"/>
+              <a:t>Pro</a:t>
+            </a:r>
+            <a:endParaRPr lang="en-KR" dirty="0"/>
+          </a:p>
+        </p:txBody>
+      </p:sp>
+      <p:sp>
+        <p:nvSpPr>
+          <p:cNvPr id="3" name="Content Placeholder 2">
+            <a:extLst>
+              <a:ext uri="{FF2B5EF4-FFF2-40B4-BE49-F238E27FC236}">
+                <a16:creationId xmlns:a16="http://schemas.microsoft.com/office/drawing/2014/main" id="{0EF5ADC4-9228-B273-3051-697DAF6D96CD}"/>
+              </a:ext>
+            </a:extLst>
+          </p:cNvPr>
+          <p:cNvSpPr>
+            <a:spLocks noGrp="1"/>
+          </p:cNvSpPr>
+          <p:nvPr>
+            <p:ph idx="1"/>
+          </p:nvPr>
+        </p:nvSpPr>
+        <p:spPr/>
+        <p:txBody>
+          <a:bodyPr/>
+          <a:lstStyle/>
+          <a:p>
+            <a:r>
+              <a:rPr lang="en-KR" dirty="0"/>
+              <a:t>Up Scaled DATA</a:t>
+            </a:r>
+          </a:p>
+          <a:p>
+            <a:r>
+              <a:rPr lang="en-KR" dirty="0"/>
+              <a:t>UpScaled Model</a:t>
+            </a:r>
+          </a:p>
+          <a:p>
+            <a:r>
+              <a:rPr lang="en-KR" dirty="0"/>
+              <a:t>Longer Training for stage I</a:t>
+            </a:r>
+          </a:p>
+          <a:p>
+            <a:pPr lvl="1"/>
+            <a:r>
+              <a:rPr lang="en-US" dirty="0"/>
+              <a:t>I</a:t>
+            </a:r>
+            <a:r>
+              <a:rPr lang="en-KR" dirty="0"/>
+              <a:t>ncrease training steps</a:t>
+            </a:r>
+          </a:p>
+          <a:p>
+            <a:r>
+              <a:rPr lang="en-KR" dirty="0"/>
+              <a:t>Focused Training for stage II</a:t>
+            </a:r>
+          </a:p>
+          <a:p>
+            <a:pPr lvl="1"/>
+            <a:r>
+              <a:rPr lang="en-US" dirty="0"/>
+              <a:t>A</a:t>
+            </a:r>
+            <a:r>
+              <a:rPr lang="en-KR" dirty="0"/>
+              <a:t>pplied text-to-image data directly</a:t>
+            </a:r>
+          </a:p>
+          <a:p>
+            <a:endParaRPr lang="en-KR" dirty="0"/>
+          </a:p>
+          <a:p>
+            <a:endParaRPr lang="en-KR" dirty="0"/>
+          </a:p>
+        </p:txBody>
+      </p:sp>
+      <p:sp>
+        <p:nvSpPr>
+          <p:cNvPr id="5" name="TextBox 4">
+            <a:extLst>
+              <a:ext uri="{FF2B5EF4-FFF2-40B4-BE49-F238E27FC236}">
+                <a16:creationId xmlns:a16="http://schemas.microsoft.com/office/drawing/2014/main" id="{F6B967D1-8837-8316-7C2D-0CCAD196A376}"/>
+              </a:ext>
+            </a:extLst>
+          </p:cNvPr>
+          <p:cNvSpPr txBox="1"/>
+          <p:nvPr/>
+        </p:nvSpPr>
+        <p:spPr>
+          <a:xfrm>
+            <a:off x="3048693" y="3105835"/>
+            <a:ext cx="6097384" cy="769441"/>
+          </a:xfrm>
+          <a:prstGeom prst="rect">
+            <a:avLst/>
+          </a:prstGeom>
+          <a:noFill/>
+        </p:spPr>
+        <p:txBody>
+          <a:bodyPr wrap="square">
+            <a:spAutoFit/>
+          </a:bodyPr>
+          <a:lstStyle/>
+          <a:p>
+            <a:endParaRPr lang="en-KR" sz="4400" dirty="0"/>
+          </a:p>
+        </p:txBody>
+      </p:sp>
+      <p:sp>
+        <p:nvSpPr>
+          <p:cNvPr id="7" name="TextBox 6">
+            <a:extLst>
+              <a:ext uri="{FF2B5EF4-FFF2-40B4-BE49-F238E27FC236}">
+                <a16:creationId xmlns:a16="http://schemas.microsoft.com/office/drawing/2014/main" id="{30608602-C69D-1706-7464-84649EED84E6}"/>
+              </a:ext>
+            </a:extLst>
+          </p:cNvPr>
+          <p:cNvSpPr txBox="1"/>
+          <p:nvPr/>
+        </p:nvSpPr>
+        <p:spPr>
+          <a:xfrm>
+            <a:off x="838200" y="1388825"/>
+            <a:ext cx="6097384" cy="369332"/>
+          </a:xfrm>
+          <a:prstGeom prst="rect">
+            <a:avLst/>
+          </a:prstGeom>
+          <a:noFill/>
+        </p:spPr>
+        <p:txBody>
+          <a:bodyPr wrap="square">
+            <a:spAutoFit/>
+          </a:bodyPr>
+          <a:lstStyle/>
+          <a:p>
+            <a:r>
+              <a:rPr lang="en-KR" dirty="0"/>
+              <a:t>📌Key Points</a:t>
+            </a:r>
+          </a:p>
+        </p:txBody>
+      </p:sp>
+    </p:spTree>
+    <p:extLst>
+      <p:ext uri="{BB962C8B-B14F-4D97-AF65-F5344CB8AC3E}">
+        <p14:creationId xmlns:p14="http://schemas.microsoft.com/office/powerpoint/2010/main" val="2035981540"/>
+      </p:ext>
+    </p:extLst>
+  </p:cSld>
+  <p:clrMapOvr>
+    <a:masterClrMapping/>
+  </p:clrMapOvr>
+  <mc:AlternateContent xmlns:mc="http://schemas.openxmlformats.org/markup-compatibility/2006">
+    <mc:Choice xmlns:p159="http://schemas.microsoft.com/office/powerpoint/2015/09/main" Requires="p159">
+      <p:transition xmlns:p14="http://schemas.microsoft.com/office/powerpoint/2010/main" spd="slow" p14:dur="2000">
+        <p159:morph option="byObject"/>
+      </p:transition>
+    </mc:Choice>
+    <mc:Fallback>
+      <p:transition spd="slow">
+        <p:fade/>
+      </p:transition>
+    </mc:Fallback>
+  </mc:AlternateContent>
+</p:sld>
+</file>
+
+<file path=ppt/slides/slide18.xml><?xml version="1.0" encoding="utf-8"?>
+<p:sld xmlns:a="http://schemas.openxmlformats.org/drawingml/2006/main" xmlns:r="http://schemas.openxmlformats.org/officeDocument/2006/relationships" xmlns:p="http://schemas.openxmlformats.org/presentationml/2006/main">
+  <p:cSld>
+    <p:spTree>
+      <p:nvGrpSpPr>
+        <p:cNvPr id="1" name=""/>
+        <p:cNvGrpSpPr/>
+        <p:nvPr/>
+      </p:nvGrpSpPr>
+      <p:grpSpPr>
+        <a:xfrm>
+          <a:off x="0" y="0"/>
+          <a:ext cx="0" cy="0"/>
+          <a:chOff x="0" y="0"/>
+          <a:chExt cx="0" cy="0"/>
+        </a:xfrm>
+      </p:grpSpPr>
+      <p:sp>
+        <p:nvSpPr>
+          <p:cNvPr id="2" name="Title 1">
+            <a:extLst>
+              <a:ext uri="{FF2B5EF4-FFF2-40B4-BE49-F238E27FC236}">
+                <a16:creationId xmlns:a16="http://schemas.microsoft.com/office/drawing/2014/main" id="{043FCD63-3BBD-E117-A528-3A8829359B32}"/>
+              </a:ext>
+            </a:extLst>
+          </p:cNvPr>
+          <p:cNvSpPr>
+            <a:spLocks noGrp="1"/>
+          </p:cNvSpPr>
+          <p:nvPr>
+            <p:ph type="title"/>
+          </p:nvPr>
+        </p:nvSpPr>
+        <p:spPr/>
+        <p:txBody>
+          <a:bodyPr/>
+          <a:lstStyle/>
+          <a:p>
+            <a:r>
+              <a:rPr lang="en-KR" dirty="0"/>
+              <a:t>Janus vs Janus Pro</a:t>
+            </a:r>
+          </a:p>
+        </p:txBody>
+      </p:sp>
+      <p:graphicFrame>
+        <p:nvGraphicFramePr>
+          <p:cNvPr id="5" name="Content Placeholder 4">
+            <a:extLst>
+              <a:ext uri="{FF2B5EF4-FFF2-40B4-BE49-F238E27FC236}">
+                <a16:creationId xmlns:a16="http://schemas.microsoft.com/office/drawing/2014/main" id="{04546D67-DDC4-65B7-EB99-61BF0CBD8610}"/>
+              </a:ext>
+            </a:extLst>
+          </p:cNvPr>
+          <p:cNvGraphicFramePr>
+            <a:graphicFrameLocks noGrp="1"/>
+          </p:cNvGraphicFramePr>
+          <p:nvPr>
+            <p:ph idx="1"/>
+            <p:extLst>
+              <p:ext uri="{D42A27DB-BD31-4B8C-83A1-F6EECF244321}">
+                <p14:modId xmlns:p14="http://schemas.microsoft.com/office/powerpoint/2010/main" val="1362964320"/>
+              </p:ext>
+            </p:extLst>
+          </p:nvPr>
+        </p:nvGraphicFramePr>
+        <p:xfrm>
+          <a:off x="838200" y="1825625"/>
+          <a:ext cx="9586469" cy="4597400"/>
+        </p:xfrm>
+        <a:graphic>
+          <a:graphicData uri="http://schemas.openxmlformats.org/drawingml/2006/table">
+            <a:tbl>
+              <a:tblPr firstRow="1" bandRow="1">
+                <a:tableStyleId>{5C22544A-7EE6-4342-B048-85BDC9FD1C3A}</a:tableStyleId>
+              </a:tblPr>
+              <a:tblGrid>
+                <a:gridCol w="1326452">
+                  <a:extLst>
+                    <a:ext uri="{9D8B030D-6E8A-4147-A177-3AD203B41FA5}">
+                      <a16:colId xmlns:a16="http://schemas.microsoft.com/office/drawing/2014/main" val="1773066445"/>
+                    </a:ext>
+                  </a:extLst>
+                </a:gridCol>
+                <a:gridCol w="2925826">
+                  <a:extLst>
+                    <a:ext uri="{9D8B030D-6E8A-4147-A177-3AD203B41FA5}">
+                      <a16:colId xmlns:a16="http://schemas.microsoft.com/office/drawing/2014/main" val="81041254"/>
+                    </a:ext>
+                  </a:extLst>
+                </a:gridCol>
+                <a:gridCol w="2925826">
+                  <a:extLst>
+                    <a:ext uri="{9D8B030D-6E8A-4147-A177-3AD203B41FA5}">
+                      <a16:colId xmlns:a16="http://schemas.microsoft.com/office/drawing/2014/main" val="1574636248"/>
+                    </a:ext>
+                  </a:extLst>
+                </a:gridCol>
+                <a:gridCol w="2408365">
+                  <a:extLst>
+                    <a:ext uri="{9D8B030D-6E8A-4147-A177-3AD203B41FA5}">
+                      <a16:colId xmlns:a16="http://schemas.microsoft.com/office/drawing/2014/main" val="3370628450"/>
+                    </a:ext>
+                  </a:extLst>
+                </a:gridCol>
+              </a:tblGrid>
+              <a:tr h="370840">
+                <a:tc>
+                  <a:txBody>
+                    <a:bodyPr/>
+                    <a:lstStyle/>
+                    <a:p>
+                      <a:endParaRPr lang="en-KR" dirty="0"/>
+                    </a:p>
+                  </a:txBody>
+                  <a:tcPr/>
+                </a:tc>
+                <a:tc>
+                  <a:txBody>
+                    <a:bodyPr/>
+                    <a:lstStyle/>
+                    <a:p>
+                      <a:r>
+                        <a:rPr lang="en-US" dirty="0"/>
+                        <a:t>Janus</a:t>
+                      </a:r>
+                      <a:endParaRPr lang="en-KR" dirty="0"/>
+                    </a:p>
+                  </a:txBody>
+                  <a:tcPr/>
+                </a:tc>
+                <a:tc>
+                  <a:txBody>
+                    <a:bodyPr/>
+                    <a:lstStyle/>
+                    <a:p>
+                      <a:r>
+                        <a:rPr lang="en-KR" dirty="0"/>
+                        <a:t>Janus-pro</a:t>
+                      </a:r>
+                    </a:p>
+                  </a:txBody>
+                  <a:tcPr/>
+                </a:tc>
+                <a:tc>
+                  <a:txBody>
+                    <a:bodyPr/>
+                    <a:lstStyle/>
+                    <a:p>
+                      <a:r>
+                        <a:rPr lang="ko-KR" altLang="en-US" dirty="0"/>
+                        <a:t>비고</a:t>
+                      </a:r>
+                      <a:endParaRPr lang="en-KR" dirty="0"/>
+                    </a:p>
+                  </a:txBody>
+                  <a:tcPr/>
+                </a:tc>
+                <a:extLst>
+                  <a:ext uri="{0D108BD9-81ED-4DB2-BD59-A6C34878D82A}">
+                    <a16:rowId xmlns:a16="http://schemas.microsoft.com/office/drawing/2014/main" val="2575882700"/>
+                  </a:ext>
+                </a:extLst>
+              </a:tr>
+              <a:tr h="370840">
+                <a:tc>
+                  <a:txBody>
+                    <a:bodyPr/>
+                    <a:lstStyle/>
+                    <a:p>
+                      <a:r>
+                        <a:rPr lang="en-US" dirty="0"/>
+                        <a:t>Base</a:t>
+                      </a:r>
+                      <a:endParaRPr lang="en-KR" dirty="0"/>
+                    </a:p>
+                  </a:txBody>
+                  <a:tcPr/>
+                </a:tc>
+                <a:tc>
+                  <a:txBody>
+                    <a:bodyPr/>
+                    <a:lstStyle/>
+                    <a:p>
+                      <a:r>
+                        <a:rPr lang="en-US" dirty="0"/>
+                        <a:t>A</a:t>
+                      </a:r>
+                      <a:r>
+                        <a:rPr lang="en-KR" dirty="0"/>
+                        <a:t>utoregressive-transformer</a:t>
+                      </a:r>
+                    </a:p>
+                  </a:txBody>
+                  <a:tcPr/>
+                </a:tc>
+                <a:tc>
+                  <a:txBody>
+                    <a:bodyPr/>
+                    <a:lstStyle/>
+                    <a:p>
+                      <a:pPr marL="0" marR="0" lvl="0" indent="0" algn="l" defTabSz="914400" rtl="0" eaLnBrk="1" fontAlgn="auto" latinLnBrk="0" hangingPunct="1">
+                        <a:lnSpc>
+                          <a:spcPct val="100000"/>
+                        </a:lnSpc>
+                        <a:spcBef>
+                          <a:spcPts val="0"/>
+                        </a:spcBef>
+                        <a:spcAft>
+                          <a:spcPts val="0"/>
+                        </a:spcAft>
+                        <a:buClrTx/>
+                        <a:buSzTx/>
+                        <a:buFontTx/>
+                        <a:buNone/>
+                        <a:tabLst/>
+                        <a:defRPr/>
+                      </a:pPr>
+                      <a:r>
+                        <a:rPr lang="en-US" dirty="0"/>
+                        <a:t>A</a:t>
+                      </a:r>
+                      <a:r>
+                        <a:rPr lang="en-KR" dirty="0"/>
+                        <a:t>utoregressive-transformer</a:t>
+                      </a:r>
+                    </a:p>
+                  </a:txBody>
+                  <a:tcPr/>
+                </a:tc>
+                <a:tc>
+                  <a:txBody>
+                    <a:bodyPr/>
+                    <a:lstStyle/>
+                    <a:p>
+                      <a:pPr marL="0" marR="0" lvl="0" indent="0" algn="l" defTabSz="914400" rtl="0" eaLnBrk="1" fontAlgn="auto" latinLnBrk="0" hangingPunct="1">
+                        <a:lnSpc>
+                          <a:spcPct val="100000"/>
+                        </a:lnSpc>
+                        <a:spcBef>
+                          <a:spcPts val="0"/>
+                        </a:spcBef>
+                        <a:spcAft>
+                          <a:spcPts val="0"/>
+                        </a:spcAft>
+                        <a:buClrTx/>
+                        <a:buSzTx/>
+                        <a:buFontTx/>
+                        <a:buNone/>
+                        <a:tabLst/>
+                        <a:defRPr/>
+                      </a:pPr>
+                      <a:r>
+                        <a:rPr lang="ko-KR" altLang="en-US" dirty="0"/>
+                        <a:t>동일</a:t>
+                      </a:r>
+                      <a:endParaRPr lang="en-KR" dirty="0"/>
+                    </a:p>
+                  </a:txBody>
+                  <a:tcPr/>
+                </a:tc>
+                <a:extLst>
+                  <a:ext uri="{0D108BD9-81ED-4DB2-BD59-A6C34878D82A}">
+                    <a16:rowId xmlns:a16="http://schemas.microsoft.com/office/drawing/2014/main" val="2989557044"/>
+                  </a:ext>
+                </a:extLst>
+              </a:tr>
+              <a:tr h="370840">
+                <a:tc>
+                  <a:txBody>
+                    <a:bodyPr/>
+                    <a:lstStyle/>
+                    <a:p>
+                      <a:r>
+                        <a:rPr lang="en-KR" dirty="0"/>
+                        <a:t>Architeture</a:t>
+                      </a:r>
+                    </a:p>
+                  </a:txBody>
+                  <a:tcPr/>
+                </a:tc>
+                <a:tc>
+                  <a:txBody>
+                    <a:bodyPr/>
+                    <a:lstStyle/>
+                    <a:p>
+                      <a:endParaRPr lang="en-KR" dirty="0"/>
+                    </a:p>
+                  </a:txBody>
+                  <a:tcPr/>
+                </a:tc>
+                <a:tc>
+                  <a:txBody>
+                    <a:bodyPr/>
+                    <a:lstStyle/>
+                    <a:p>
+                      <a:endParaRPr lang="en-KR" dirty="0"/>
+                    </a:p>
+                  </a:txBody>
+                  <a:tcPr/>
+                </a:tc>
+                <a:tc>
+                  <a:txBody>
+                    <a:bodyPr/>
+                    <a:lstStyle/>
+                    <a:p>
+                      <a:r>
+                        <a:rPr lang="ko-KR" altLang="en-US" dirty="0"/>
+                        <a:t>동일</a:t>
+                      </a:r>
+                      <a:endParaRPr lang="en-KR" dirty="0"/>
+                    </a:p>
+                  </a:txBody>
+                  <a:tcPr/>
+                </a:tc>
+                <a:extLst>
+                  <a:ext uri="{0D108BD9-81ED-4DB2-BD59-A6C34878D82A}">
+                    <a16:rowId xmlns:a16="http://schemas.microsoft.com/office/drawing/2014/main" val="1686888534"/>
+                  </a:ext>
+                </a:extLst>
+              </a:tr>
+              <a:tr h="370840">
+                <a:tc>
+                  <a:txBody>
+                    <a:bodyPr/>
+                    <a:lstStyle/>
+                    <a:p>
+                      <a:r>
+                        <a:rPr lang="en-US" dirty="0"/>
+                        <a:t>Training</a:t>
+                      </a:r>
+                      <a:endParaRPr lang="en-KR" dirty="0"/>
+                    </a:p>
+                  </a:txBody>
+                  <a:tcPr/>
+                </a:tc>
+                <a:tc>
+                  <a:txBody>
+                    <a:bodyPr/>
+                    <a:lstStyle/>
+                    <a:p>
+                      <a:r>
+                        <a:rPr lang="en-KR" dirty="0"/>
+                        <a:t>3 Stage</a:t>
+                      </a:r>
+                    </a:p>
+                  </a:txBody>
+                  <a:tcPr/>
+                </a:tc>
+                <a:tc>
+                  <a:txBody>
+                    <a:bodyPr/>
+                    <a:lstStyle/>
+                    <a:p>
+                      <a:r>
+                        <a:rPr lang="en-US" dirty="0"/>
+                        <a:t>L</a:t>
+                      </a:r>
+                      <a:r>
+                        <a:rPr lang="en-KR" dirty="0"/>
+                        <a:t>onger Stage 1 &amp; Changed Stage 2</a:t>
+                      </a:r>
+                    </a:p>
+                  </a:txBody>
+                  <a:tcPr/>
+                </a:tc>
+                <a:tc>
+                  <a:txBody>
+                    <a:bodyPr/>
+                    <a:lstStyle/>
+                    <a:p>
+                      <a:endParaRPr lang="en-KR" dirty="0"/>
+                    </a:p>
+                  </a:txBody>
+                  <a:tcPr/>
+                </a:tc>
+                <a:extLst>
+                  <a:ext uri="{0D108BD9-81ED-4DB2-BD59-A6C34878D82A}">
+                    <a16:rowId xmlns:a16="http://schemas.microsoft.com/office/drawing/2014/main" val="453210231"/>
+                  </a:ext>
+                </a:extLst>
+              </a:tr>
+              <a:tr h="370840">
+                <a:tc>
+                  <a:txBody>
+                    <a:bodyPr/>
+                    <a:lstStyle/>
+                    <a:p>
+                      <a:pPr marL="0" marR="0" lvl="0" indent="0" algn="l" defTabSz="914400" rtl="0" eaLnBrk="1" fontAlgn="auto" latinLnBrk="0" hangingPunct="1">
+                        <a:lnSpc>
+                          <a:spcPct val="100000"/>
+                        </a:lnSpc>
+                        <a:spcBef>
+                          <a:spcPts val="0"/>
+                        </a:spcBef>
+                        <a:spcAft>
+                          <a:spcPts val="0"/>
+                        </a:spcAft>
+                        <a:buClrTx/>
+                        <a:buSzTx/>
+                        <a:buFontTx/>
+                        <a:buNone/>
+                        <a:tabLst/>
+                        <a:defRPr/>
+                      </a:pPr>
+                      <a:r>
+                        <a:rPr lang="en-KR" dirty="0"/>
+                        <a:t>Data for stage II</a:t>
+                      </a:r>
+                    </a:p>
+                  </a:txBody>
+                  <a:tcPr/>
+                </a:tc>
+                <a:tc>
+                  <a:txBody>
+                    <a:bodyPr/>
+                    <a:lstStyle/>
+                    <a:p>
+                      <a:endParaRPr lang="en-KR" dirty="0"/>
+                    </a:p>
+                  </a:txBody>
+                  <a:tcPr/>
+                </a:tc>
+                <a:tc>
+                  <a:txBody>
+                    <a:bodyPr/>
+                    <a:lstStyle/>
+                    <a:p>
+                      <a:r>
+                        <a:rPr lang="en-US" dirty="0"/>
+                        <a:t>More Data (refer to VL2 and add 90million samples</a:t>
+                      </a:r>
+                      <a:endParaRPr lang="en-KR" dirty="0"/>
+                    </a:p>
+                  </a:txBody>
+                  <a:tcPr/>
+                </a:tc>
+                <a:tc>
+                  <a:txBody>
+                    <a:bodyPr/>
+                    <a:lstStyle/>
+                    <a:p>
+                      <a:endParaRPr lang="en-KR"/>
+                    </a:p>
+                  </a:txBody>
+                  <a:tcPr/>
+                </a:tc>
+                <a:extLst>
+                  <a:ext uri="{0D108BD9-81ED-4DB2-BD59-A6C34878D82A}">
+                    <a16:rowId xmlns:a16="http://schemas.microsoft.com/office/drawing/2014/main" val="1229010685"/>
+                  </a:ext>
+                </a:extLst>
+              </a:tr>
+              <a:tr h="370840">
+                <a:tc>
+                  <a:txBody>
+                    <a:bodyPr/>
+                    <a:lstStyle/>
+                    <a:p>
+                      <a:r>
+                        <a:rPr lang="en-KR" dirty="0"/>
+                        <a:t>Data for stage III</a:t>
+                      </a:r>
+                    </a:p>
+                  </a:txBody>
+                  <a:tcPr/>
+                </a:tc>
+                <a:tc>
+                  <a:txBody>
+                    <a:bodyPr/>
+                    <a:lstStyle/>
+                    <a:p>
+                      <a:endParaRPr lang="en-KR" dirty="0"/>
+                    </a:p>
+                  </a:txBody>
+                  <a:tcPr/>
+                </a:tc>
+                <a:tc>
+                  <a:txBody>
+                    <a:bodyPr/>
+                    <a:lstStyle/>
+                    <a:p>
+                      <a:r>
+                        <a:rPr lang="en-US" dirty="0"/>
+                        <a:t>incorporate additional datasets from VL2(MEME understanding, Chinese conversation) for enhance dialogue experiences</a:t>
+                      </a:r>
+                      <a:endParaRPr lang="en-KR" dirty="0"/>
+                    </a:p>
+                  </a:txBody>
+                  <a:tcPr/>
+                </a:tc>
+                <a:tc>
+                  <a:txBody>
+                    <a:bodyPr/>
+                    <a:lstStyle/>
+                    <a:p>
+                      <a:endParaRPr lang="en-KR"/>
+                    </a:p>
+                  </a:txBody>
+                  <a:tcPr/>
+                </a:tc>
+                <a:extLst>
+                  <a:ext uri="{0D108BD9-81ED-4DB2-BD59-A6C34878D82A}">
+                    <a16:rowId xmlns:a16="http://schemas.microsoft.com/office/drawing/2014/main" val="3388308363"/>
+                  </a:ext>
+                </a:extLst>
+              </a:tr>
+              <a:tr h="370840">
+                <a:tc>
+                  <a:txBody>
+                    <a:bodyPr/>
+                    <a:lstStyle/>
+                    <a:p>
+                      <a:endParaRPr lang="en-KR" dirty="0"/>
+                    </a:p>
+                  </a:txBody>
+                  <a:tcPr/>
+                </a:tc>
+                <a:tc>
+                  <a:txBody>
+                    <a:bodyPr/>
+                    <a:lstStyle/>
+                    <a:p>
+                      <a:endParaRPr lang="en-KR" dirty="0"/>
+                    </a:p>
+                  </a:txBody>
+                  <a:tcPr/>
+                </a:tc>
+                <a:tc>
+                  <a:txBody>
+                    <a:bodyPr/>
+                    <a:lstStyle/>
+                    <a:p>
+                      <a:endParaRPr lang="en-KR" dirty="0"/>
+                    </a:p>
+                  </a:txBody>
+                  <a:tcPr/>
+                </a:tc>
+                <a:tc>
+                  <a:txBody>
+                    <a:bodyPr/>
+                    <a:lstStyle/>
+                    <a:p>
+                      <a:endParaRPr lang="en-KR" dirty="0"/>
+                    </a:p>
+                  </a:txBody>
+                  <a:tcPr/>
+                </a:tc>
+                <a:extLst>
+                  <a:ext uri="{0D108BD9-81ED-4DB2-BD59-A6C34878D82A}">
+                    <a16:rowId xmlns:a16="http://schemas.microsoft.com/office/drawing/2014/main" val="1962961305"/>
+                  </a:ext>
+                </a:extLst>
+              </a:tr>
+              <a:tr h="370840">
+                <a:tc>
+                  <a:txBody>
+                    <a:bodyPr/>
+                    <a:lstStyle/>
+                    <a:p>
+                      <a:endParaRPr lang="en-KR"/>
+                    </a:p>
+                  </a:txBody>
+                  <a:tcPr/>
+                </a:tc>
+                <a:tc>
+                  <a:txBody>
+                    <a:bodyPr/>
+                    <a:lstStyle/>
+                    <a:p>
+                      <a:endParaRPr lang="en-KR"/>
+                    </a:p>
+                  </a:txBody>
+                  <a:tcPr/>
+                </a:tc>
+                <a:tc>
+                  <a:txBody>
+                    <a:bodyPr/>
+                    <a:lstStyle/>
+                    <a:p>
+                      <a:endParaRPr lang="en-KR" dirty="0"/>
+                    </a:p>
+                  </a:txBody>
+                  <a:tcPr/>
+                </a:tc>
+                <a:tc>
+                  <a:txBody>
+                    <a:bodyPr/>
+                    <a:lstStyle/>
+                    <a:p>
+                      <a:endParaRPr lang="en-KR" dirty="0"/>
+                    </a:p>
+                  </a:txBody>
+                  <a:tcPr/>
+                </a:tc>
+                <a:extLst>
+                  <a:ext uri="{0D108BD9-81ED-4DB2-BD59-A6C34878D82A}">
+                    <a16:rowId xmlns:a16="http://schemas.microsoft.com/office/drawing/2014/main" val="2919412344"/>
+                  </a:ext>
+                </a:extLst>
+              </a:tr>
+            </a:tbl>
+          </a:graphicData>
+        </a:graphic>
+      </p:graphicFrame>
+    </p:spTree>
+    <p:extLst>
+      <p:ext uri="{BB962C8B-B14F-4D97-AF65-F5344CB8AC3E}">
+        <p14:creationId xmlns:p14="http://schemas.microsoft.com/office/powerpoint/2010/main" val="3132097401"/>
+      </p:ext>
+    </p:extLst>
+  </p:cSld>
+  <p:clrMapOvr>
+    <a:masterClrMapping/>
+  </p:clrMapOvr>
+  <mc:AlternateContent xmlns:mc="http://schemas.openxmlformats.org/markup-compatibility/2006">
+    <mc:Choice xmlns:p159="http://schemas.microsoft.com/office/powerpoint/2015/09/main" Requires="p159">
+      <p:transition xmlns:p14="http://schemas.microsoft.com/office/powerpoint/2010/main" spd="slow" p14:dur="2000">
+        <p159:morph option="byObject"/>
+      </p:transition>
+    </mc:Choice>
+    <mc:Fallback>
+      <p:transition spd="slow">
+        <p:fade/>
+      </p:transition>
+    </mc:Fallback>
+  </mc:AlternateContent>
 </p:sld>
 </file>
 
@@ -3733,10 +6403,10 @@
       </p:sp>
       <p:pic>
         <p:nvPicPr>
-          <p:cNvPr id="4" name="Picture 3">
+          <p:cNvPr id="5" name="Picture 4">
             <a:extLst>
               <a:ext uri="{FF2B5EF4-FFF2-40B4-BE49-F238E27FC236}">
-                <a16:creationId xmlns:a16="http://schemas.microsoft.com/office/drawing/2014/main" id="{B70C7F82-F831-DBBE-6C0A-ABAF7EB2BA49}"/>
+                <a16:creationId xmlns:a16="http://schemas.microsoft.com/office/drawing/2014/main" id="{D8F04E80-3078-5ABA-E1BF-80474CD04C83}"/>
               </a:ext>
             </a:extLst>
           </p:cNvPr>
@@ -3747,14 +6417,42 @@
         </p:nvPicPr>
         <p:blipFill>
           <a:blip r:embed="rId2"/>
-          <a:stretch>
-            <a:fillRect/>
-          </a:stretch>
+          <a:srcRect l="50000"/>
+          <a:stretch/>
+        </p:blipFill>
+        <p:spPr>
+          <a:xfrm>
+            <a:off x="6095998" y="2856482"/>
+            <a:ext cx="3886201" cy="3455418"/>
+          </a:xfrm>
+          <a:prstGeom prst="rect">
+            <a:avLst/>
+          </a:prstGeom>
+        </p:spPr>
+      </p:pic>
+      <p:pic>
+        <p:nvPicPr>
+          <p:cNvPr id="4" name="Picture 3">
+            <a:extLst>
+              <a:ext uri="{FF2B5EF4-FFF2-40B4-BE49-F238E27FC236}">
+                <a16:creationId xmlns:a16="http://schemas.microsoft.com/office/drawing/2014/main" id="{B70C7F82-F831-DBBE-6C0A-ABAF7EB2BA49}"/>
+              </a:ext>
+            </a:extLst>
+          </p:cNvPr>
+          <p:cNvPicPr>
+            <a:picLocks noChangeAspect="1"/>
+          </p:cNvPicPr>
+          <p:nvPr/>
+        </p:nvPicPr>
+        <p:blipFill>
+          <a:blip r:embed="rId2"/>
+          <a:srcRect r="50000"/>
+          <a:stretch/>
         </p:blipFill>
         <p:spPr>
           <a:xfrm>
             <a:off x="2209800" y="2856482"/>
-            <a:ext cx="7772400" cy="3455418"/>
+            <a:ext cx="3886200" cy="3455418"/>
           </a:xfrm>
           <a:prstGeom prst="rect">
             <a:avLst/>
@@ -3771,6 +6469,18 @@
   <p:clrMapOvr>
     <a:masterClrMapping/>
   </p:clrMapOvr>
+  <mc:AlternateContent xmlns:mc="http://schemas.openxmlformats.org/markup-compatibility/2006">
+    <mc:Choice xmlns:p159="http://schemas.microsoft.com/office/powerpoint/2015/09/main" Requires="p159">
+      <p:transition xmlns:p14="http://schemas.microsoft.com/office/powerpoint/2010/main" spd="slow" p14:dur="2000">
+        <p159:morph option="byObject"/>
+      </p:transition>
+    </mc:Choice>
+    <mc:Fallback>
+      <p:transition spd="slow">
+        <p:fade/>
+      </p:transition>
+    </mc:Fallback>
+  </mc:AlternateContent>
 </p:sld>
 </file>
 
@@ -4402,8 +7112,8 @@
         </p:nvSpPr>
         <p:spPr>
           <a:xfrm>
-            <a:off x="3907005" y="121444"/>
-            <a:ext cx="4888518" cy="369332"/>
+            <a:off x="874400" y="681004"/>
+            <a:ext cx="3307700" cy="369332"/>
           </a:xfrm>
           <a:prstGeom prst="rect">
             <a:avLst/>
@@ -4417,20 +7127,12 @@
           <a:lstStyle/>
           <a:p>
             <a:r>
-              <a:rPr lang="en-US" b="1" u="sng" dirty="0" err="1">
-                <a:solidFill>
-                  <a:srgbClr val="0070C0"/>
-                </a:solidFill>
-              </a:rPr>
-              <a:t>DeepSeek</a:t>
-            </a:r>
-            <a:r>
               <a:rPr lang="en-US" b="1" u="sng" dirty="0">
                 <a:solidFill>
                   <a:srgbClr val="0070C0"/>
                 </a:solidFill>
               </a:rPr>
-              <a:t> – Janus multimodal understanding</a:t>
+              <a:t>Janus multimodal understanding</a:t>
             </a:r>
             <a:endParaRPr lang="en-KR" b="1" u="sng" dirty="0">
               <a:solidFill>
@@ -6719,6 +9421,39 @@
           </a:p>
         </p:txBody>
       </p:sp>
+      <p:sp>
+        <p:nvSpPr>
+          <p:cNvPr id="45" name="Title 1">
+            <a:extLst>
+              <a:ext uri="{FF2B5EF4-FFF2-40B4-BE49-F238E27FC236}">
+                <a16:creationId xmlns:a16="http://schemas.microsoft.com/office/drawing/2014/main" id="{415391B5-5252-D151-18F4-9387BF4AF0A7}"/>
+              </a:ext>
+            </a:extLst>
+          </p:cNvPr>
+          <p:cNvSpPr>
+            <a:spLocks noGrp="1"/>
+          </p:cNvSpPr>
+          <p:nvPr>
+            <p:ph type="title"/>
+          </p:nvPr>
+        </p:nvSpPr>
+        <p:spPr>
+          <a:xfrm>
+            <a:off x="794487" y="9054"/>
+            <a:ext cx="10515600" cy="719933"/>
+          </a:xfrm>
+        </p:spPr>
+        <p:txBody>
+          <a:bodyPr/>
+          <a:lstStyle/>
+          <a:p>
+            <a:r>
+              <a:rPr lang="en-KR" dirty="0"/>
+              <a:t>DeepSeek-Janus</a:t>
+            </a:r>
+          </a:p>
+        </p:txBody>
+      </p:sp>
     </p:spTree>
     <p:extLst>
       <p:ext uri="{BB962C8B-B14F-4D97-AF65-F5344CB8AC3E}">
@@ -6729,10 +9464,208 @@
   <p:clrMapOvr>
     <a:masterClrMapping/>
   </p:clrMapOvr>
+  <mc:AlternateContent xmlns:mc="http://schemas.openxmlformats.org/markup-compatibility/2006">
+    <mc:Choice xmlns:p159="http://schemas.microsoft.com/office/powerpoint/2015/09/main" Requires="p159">
+      <p:transition xmlns:p14="http://schemas.microsoft.com/office/powerpoint/2010/main" spd="slow" p14:dur="2000">
+        <p159:morph option="byObject"/>
+      </p:transition>
+    </mc:Choice>
+    <mc:Fallback>
+      <p:transition spd="slow">
+        <p:fade/>
+      </p:transition>
+    </mc:Fallback>
+  </mc:AlternateContent>
 </p:sld>
 </file>
 
 <file path=ppt/slides/slide4.xml><?xml version="1.0" encoding="utf-8"?>
+<p:sld xmlns:a="http://schemas.openxmlformats.org/drawingml/2006/main" xmlns:r="http://schemas.openxmlformats.org/officeDocument/2006/relationships" xmlns:p="http://schemas.openxmlformats.org/presentationml/2006/main">
+  <p:cSld>
+    <p:spTree>
+      <p:nvGrpSpPr>
+        <p:cNvPr id="1" name="">
+          <a:extLst>
+            <a:ext uri="{FF2B5EF4-FFF2-40B4-BE49-F238E27FC236}">
+              <a16:creationId xmlns:a16="http://schemas.microsoft.com/office/drawing/2014/main" id="{3285FAC3-FA53-6E73-E655-3FB84902C22E}"/>
+            </a:ext>
+          </a:extLst>
+        </p:cNvPr>
+        <p:cNvGrpSpPr/>
+        <p:nvPr/>
+      </p:nvGrpSpPr>
+      <p:grpSpPr>
+        <a:xfrm>
+          <a:off x="0" y="0"/>
+          <a:ext cx="0" cy="0"/>
+          <a:chOff x="0" y="0"/>
+          <a:chExt cx="0" cy="0"/>
+        </a:xfrm>
+      </p:grpSpPr>
+      <p:sp>
+        <p:nvSpPr>
+          <p:cNvPr id="2" name="Title 1">
+            <a:extLst>
+              <a:ext uri="{FF2B5EF4-FFF2-40B4-BE49-F238E27FC236}">
+                <a16:creationId xmlns:a16="http://schemas.microsoft.com/office/drawing/2014/main" id="{E612C20B-DE3B-3170-38DD-6B3C06140A45}"/>
+              </a:ext>
+            </a:extLst>
+          </p:cNvPr>
+          <p:cNvSpPr>
+            <a:spLocks noGrp="1"/>
+          </p:cNvSpPr>
+          <p:nvPr>
+            <p:ph type="title"/>
+          </p:nvPr>
+        </p:nvSpPr>
+        <p:spPr/>
+        <p:txBody>
+          <a:bodyPr/>
+          <a:lstStyle/>
+          <a:p>
+            <a:r>
+              <a:rPr lang="en-KR" dirty="0"/>
+              <a:t>DeepSeek-Janus</a:t>
+            </a:r>
+          </a:p>
+        </p:txBody>
+      </p:sp>
+      <p:sp>
+        <p:nvSpPr>
+          <p:cNvPr id="3" name="Content Placeholder 2">
+            <a:extLst>
+              <a:ext uri="{FF2B5EF4-FFF2-40B4-BE49-F238E27FC236}">
+                <a16:creationId xmlns:a16="http://schemas.microsoft.com/office/drawing/2014/main" id="{8BD85622-454B-17E8-A425-88761064DA68}"/>
+              </a:ext>
+            </a:extLst>
+          </p:cNvPr>
+          <p:cNvSpPr>
+            <a:spLocks noGrp="1"/>
+          </p:cNvSpPr>
+          <p:nvPr>
+            <p:ph idx="1"/>
+          </p:nvPr>
+        </p:nvSpPr>
+        <p:spPr/>
+        <p:txBody>
+          <a:bodyPr/>
+          <a:lstStyle/>
+          <a:p>
+            <a:r>
+              <a:rPr lang="en-US" dirty="0"/>
+              <a:t>B</a:t>
+            </a:r>
+            <a:r>
+              <a:rPr lang="en-KR" dirty="0"/>
+              <a:t>ased on Auto Regressive Transformer</a:t>
+            </a:r>
+            <a:endParaRPr lang="en-US" altLang="ko-KR" dirty="0"/>
+          </a:p>
+          <a:p>
+            <a:pPr lvl="1"/>
+            <a:r>
+              <a:rPr lang="ko-KR" altLang="en-US" dirty="0"/>
+              <a:t>다음 토큰을 </a:t>
+            </a:r>
+            <a:r>
+              <a:rPr lang="ko-KR" altLang="en-US" dirty="0" err="1"/>
+              <a:t>예측하는것이</a:t>
+            </a:r>
+            <a:r>
+              <a:rPr lang="ko-KR" altLang="en-US" dirty="0"/>
+              <a:t> 기본적인 동작 방식</a:t>
+            </a:r>
+            <a:endParaRPr lang="en-US" altLang="ko-KR" dirty="0"/>
+          </a:p>
+          <a:p>
+            <a:endParaRPr lang="en-KR" dirty="0"/>
+          </a:p>
+        </p:txBody>
+      </p:sp>
+      <p:pic>
+        <p:nvPicPr>
+          <p:cNvPr id="4" name="Picture 3">
+            <a:extLst>
+              <a:ext uri="{FF2B5EF4-FFF2-40B4-BE49-F238E27FC236}">
+                <a16:creationId xmlns:a16="http://schemas.microsoft.com/office/drawing/2014/main" id="{EE6A58D5-F39F-F6D1-280D-FDB3E7992724}"/>
+              </a:ext>
+            </a:extLst>
+          </p:cNvPr>
+          <p:cNvPicPr>
+            <a:picLocks noChangeAspect="1"/>
+          </p:cNvPicPr>
+          <p:nvPr/>
+        </p:nvPicPr>
+        <p:blipFill>
+          <a:blip r:embed="rId2"/>
+          <a:srcRect r="50000"/>
+          <a:stretch/>
+        </p:blipFill>
+        <p:spPr>
+          <a:xfrm>
+            <a:off x="2209800" y="2856482"/>
+            <a:ext cx="3886200" cy="3455418"/>
+          </a:xfrm>
+          <a:prstGeom prst="rect">
+            <a:avLst/>
+          </a:prstGeom>
+        </p:spPr>
+      </p:pic>
+      <p:pic>
+        <p:nvPicPr>
+          <p:cNvPr id="5" name="Picture 4">
+            <a:extLst>
+              <a:ext uri="{FF2B5EF4-FFF2-40B4-BE49-F238E27FC236}">
+                <a16:creationId xmlns:a16="http://schemas.microsoft.com/office/drawing/2014/main" id="{DFD47405-B000-1E10-0F0D-11A925831B04}"/>
+              </a:ext>
+            </a:extLst>
+          </p:cNvPr>
+          <p:cNvPicPr>
+            <a:picLocks noChangeAspect="1"/>
+          </p:cNvPicPr>
+          <p:nvPr/>
+        </p:nvPicPr>
+        <p:blipFill>
+          <a:blip r:embed="rId2"/>
+          <a:srcRect l="50000"/>
+          <a:stretch/>
+        </p:blipFill>
+        <p:spPr>
+          <a:xfrm>
+            <a:off x="6095998" y="2856482"/>
+            <a:ext cx="3886201" cy="3455418"/>
+          </a:xfrm>
+          <a:prstGeom prst="rect">
+            <a:avLst/>
+          </a:prstGeom>
+        </p:spPr>
+      </p:pic>
+    </p:spTree>
+    <p:extLst>
+      <p:ext uri="{BB962C8B-B14F-4D97-AF65-F5344CB8AC3E}">
+        <p14:creationId xmlns:p14="http://schemas.microsoft.com/office/powerpoint/2010/main" val="1786579967"/>
+      </p:ext>
+    </p:extLst>
+  </p:cSld>
+  <p:clrMapOvr>
+    <a:masterClrMapping/>
+  </p:clrMapOvr>
+  <mc:AlternateContent xmlns:mc="http://schemas.openxmlformats.org/markup-compatibility/2006">
+    <mc:Choice xmlns:p159="http://schemas.microsoft.com/office/powerpoint/2015/09/main" Requires="p159">
+      <p:transition xmlns:p14="http://schemas.microsoft.com/office/powerpoint/2010/main" spd="slow" p14:dur="2000">
+        <p159:morph option="byObject"/>
+      </p:transition>
+    </mc:Choice>
+    <mc:Fallback>
+      <p:transition spd="slow">
+        <p:fade/>
+      </p:transition>
+    </mc:Fallback>
+  </mc:AlternateContent>
+</p:sld>
+</file>
+
+<file path=ppt/slides/slide5.xml><?xml version="1.0" encoding="utf-8"?>
 <p:sld xmlns:a="http://schemas.openxmlformats.org/drawingml/2006/main" xmlns:r="http://schemas.openxmlformats.org/officeDocument/2006/relationships" xmlns:p="http://schemas.openxmlformats.org/presentationml/2006/main">
   <p:cSld>
     <p:spTree>
@@ -6749,58 +9682,6 @@
           <a:chExt cx="0" cy="0"/>
         </a:xfrm>
       </p:grpSpPr>
-      <p:sp>
-        <p:nvSpPr>
-          <p:cNvPr id="6" name="TextBox 5">
-            <a:extLst>
-              <a:ext uri="{FF2B5EF4-FFF2-40B4-BE49-F238E27FC236}">
-                <a16:creationId xmlns:a16="http://schemas.microsoft.com/office/drawing/2014/main" id="{E2E67D77-9FE1-0602-506E-07365BC9EB79}"/>
-              </a:ext>
-            </a:extLst>
-          </p:cNvPr>
-          <p:cNvSpPr txBox="1"/>
-          <p:nvPr/>
-        </p:nvSpPr>
-        <p:spPr>
-          <a:xfrm>
-            <a:off x="4211805" y="121444"/>
-            <a:ext cx="3891193" cy="369332"/>
-          </a:xfrm>
-          <a:prstGeom prst="rect">
-            <a:avLst/>
-          </a:prstGeom>
-          <a:noFill/>
-        </p:spPr>
-        <p:txBody>
-          <a:bodyPr wrap="none" rtlCol="0">
-            <a:spAutoFit/>
-          </a:bodyPr>
-          <a:lstStyle/>
-          <a:p>
-            <a:r>
-              <a:rPr lang="en-US" b="1" u="sng" dirty="0" err="1">
-                <a:solidFill>
-                  <a:srgbClr val="0070C0"/>
-                </a:solidFill>
-              </a:rPr>
-              <a:t>DeepSeek</a:t>
-            </a:r>
-            <a:r>
-              <a:rPr lang="en-US" b="1" u="sng" dirty="0">
-                <a:solidFill>
-                  <a:srgbClr val="0070C0"/>
-                </a:solidFill>
-              </a:rPr>
-              <a:t> – Janus visual generation</a:t>
-            </a:r>
-            <a:endParaRPr lang="en-KR" b="1" u="sng" dirty="0">
-              <a:solidFill>
-                <a:srgbClr val="0070C0"/>
-              </a:solidFill>
-            </a:endParaRPr>
-          </a:p>
-        </p:txBody>
-      </p:sp>
       <p:sp>
         <p:nvSpPr>
           <p:cNvPr id="7" name="TextBox 6">
@@ -9580,6 +12461,83 @@
           </a:p>
         </p:txBody>
       </p:sp>
+      <p:sp>
+        <p:nvSpPr>
+          <p:cNvPr id="45" name="TextBox 44">
+            <a:extLst>
+              <a:ext uri="{FF2B5EF4-FFF2-40B4-BE49-F238E27FC236}">
+                <a16:creationId xmlns:a16="http://schemas.microsoft.com/office/drawing/2014/main" id="{1BFF36CD-D9F4-5E44-8E3F-574B53E7FF0F}"/>
+              </a:ext>
+            </a:extLst>
+          </p:cNvPr>
+          <p:cNvSpPr txBox="1"/>
+          <p:nvPr/>
+        </p:nvSpPr>
+        <p:spPr>
+          <a:xfrm>
+            <a:off x="874400" y="681004"/>
+            <a:ext cx="2401555" cy="369332"/>
+          </a:xfrm>
+          <a:prstGeom prst="rect">
+            <a:avLst/>
+          </a:prstGeom>
+          <a:noFill/>
+        </p:spPr>
+        <p:txBody>
+          <a:bodyPr wrap="none" rtlCol="0">
+            <a:spAutoFit/>
+          </a:bodyPr>
+          <a:lstStyle/>
+          <a:p>
+            <a:r>
+              <a:rPr lang="en-US" b="1" u="sng" dirty="0">
+                <a:solidFill>
+                  <a:srgbClr val="0070C0"/>
+                </a:solidFill>
+              </a:rPr>
+              <a:t>Janus visual generation</a:t>
+            </a:r>
+            <a:endParaRPr lang="en-KR" b="1" u="sng" dirty="0">
+              <a:solidFill>
+                <a:srgbClr val="0070C0"/>
+              </a:solidFill>
+            </a:endParaRPr>
+          </a:p>
+        </p:txBody>
+      </p:sp>
+      <p:sp>
+        <p:nvSpPr>
+          <p:cNvPr id="46" name="Title 1">
+            <a:extLst>
+              <a:ext uri="{FF2B5EF4-FFF2-40B4-BE49-F238E27FC236}">
+                <a16:creationId xmlns:a16="http://schemas.microsoft.com/office/drawing/2014/main" id="{611D48BC-B10A-0E08-07CA-D12BE1429B72}"/>
+              </a:ext>
+            </a:extLst>
+          </p:cNvPr>
+          <p:cNvSpPr>
+            <a:spLocks noGrp="1"/>
+          </p:cNvSpPr>
+          <p:nvPr>
+            <p:ph type="title"/>
+          </p:nvPr>
+        </p:nvSpPr>
+        <p:spPr>
+          <a:xfrm>
+            <a:off x="794487" y="9054"/>
+            <a:ext cx="10515600" cy="719933"/>
+          </a:xfrm>
+        </p:spPr>
+        <p:txBody>
+          <a:bodyPr/>
+          <a:lstStyle/>
+          <a:p>
+            <a:r>
+              <a:rPr lang="en-KR" dirty="0"/>
+              <a:t>DeepSeek-Janus</a:t>
+            </a:r>
+          </a:p>
+        </p:txBody>
+      </p:sp>
     </p:spTree>
     <p:extLst>
       <p:ext uri="{BB962C8B-B14F-4D97-AF65-F5344CB8AC3E}">
@@ -9590,10 +12548,22 @@
   <p:clrMapOvr>
     <a:masterClrMapping/>
   </p:clrMapOvr>
+  <mc:AlternateContent xmlns:mc="http://schemas.openxmlformats.org/markup-compatibility/2006">
+    <mc:Choice xmlns:p159="http://schemas.microsoft.com/office/powerpoint/2015/09/main" Requires="p159">
+      <p:transition xmlns:p14="http://schemas.microsoft.com/office/powerpoint/2010/main" spd="slow" p14:dur="2000">
+        <p159:morph option="byObject"/>
+      </p:transition>
+    </mc:Choice>
+    <mc:Fallback>
+      <p:transition spd="slow">
+        <p:fade/>
+      </p:transition>
+    </mc:Fallback>
+  </mc:AlternateContent>
 </p:sld>
 </file>
 
-<file path=ppt/slides/slide5.xml><?xml version="1.0" encoding="utf-8"?>
+<file path=ppt/slides/slide6.xml><?xml version="1.0" encoding="utf-8"?>
 <p:sld xmlns:a="http://schemas.openxmlformats.org/drawingml/2006/main" xmlns:r="http://schemas.openxmlformats.org/officeDocument/2006/relationships" xmlns:p="http://schemas.openxmlformats.org/presentationml/2006/main">
   <p:cSld>
     <p:spTree>
@@ -9839,143 +12809,18 @@
   <p:clrMapOvr>
     <a:masterClrMapping/>
   </p:clrMapOvr>
-</p:sld>
-</file>
-
-<file path=ppt/slides/slide6.xml><?xml version="1.0" encoding="utf-8"?>
-<p:sld xmlns:a="http://schemas.openxmlformats.org/drawingml/2006/main" xmlns:r="http://schemas.openxmlformats.org/officeDocument/2006/relationships" xmlns:p="http://schemas.openxmlformats.org/presentationml/2006/main">
-  <p:cSld>
-    <p:spTree>
-      <p:nvGrpSpPr>
-        <p:cNvPr id="1" name=""/>
-        <p:cNvGrpSpPr/>
-        <p:nvPr/>
-      </p:nvGrpSpPr>
-      <p:grpSpPr>
-        <a:xfrm>
-          <a:off x="0" y="0"/>
-          <a:ext cx="0" cy="0"/>
-          <a:chOff x="0" y="0"/>
-          <a:chExt cx="0" cy="0"/>
-        </a:xfrm>
-      </p:grpSpPr>
-      <p:sp>
-        <p:nvSpPr>
-          <p:cNvPr id="2" name="Title 1">
-            <a:extLst>
-              <a:ext uri="{FF2B5EF4-FFF2-40B4-BE49-F238E27FC236}">
-                <a16:creationId xmlns:a16="http://schemas.microsoft.com/office/drawing/2014/main" id="{13907ED7-5894-BBEB-3BD5-E25D064DF83C}"/>
-              </a:ext>
-            </a:extLst>
-          </p:cNvPr>
-          <p:cNvSpPr>
-            <a:spLocks noGrp="1"/>
-          </p:cNvSpPr>
-          <p:nvPr>
-            <p:ph type="title"/>
-          </p:nvPr>
-        </p:nvSpPr>
-        <p:spPr/>
-        <p:txBody>
-          <a:bodyPr/>
-          <a:lstStyle/>
-          <a:p>
-            <a:endParaRPr lang="en-KR"/>
-          </a:p>
-        </p:txBody>
-      </p:sp>
-      <p:sp>
-        <p:nvSpPr>
-          <p:cNvPr id="3" name="Content Placeholder 2">
-            <a:extLst>
-              <a:ext uri="{FF2B5EF4-FFF2-40B4-BE49-F238E27FC236}">
-                <a16:creationId xmlns:a16="http://schemas.microsoft.com/office/drawing/2014/main" id="{550773A3-68A3-0C92-DC5B-E92B8D78C8D5}"/>
-              </a:ext>
-            </a:extLst>
-          </p:cNvPr>
-          <p:cNvSpPr>
-            <a:spLocks noGrp="1"/>
-          </p:cNvSpPr>
-          <p:nvPr>
-            <p:ph idx="1"/>
-          </p:nvPr>
-        </p:nvSpPr>
-        <p:spPr/>
-        <p:txBody>
-          <a:bodyPr/>
-          <a:lstStyle/>
-          <a:p>
-            <a:endParaRPr lang="en-KR"/>
-          </a:p>
-        </p:txBody>
-      </p:sp>
-      <p:pic>
-        <p:nvPicPr>
-          <p:cNvPr id="4" name="Picture 3">
-            <a:extLst>
-              <a:ext uri="{FF2B5EF4-FFF2-40B4-BE49-F238E27FC236}">
-                <a16:creationId xmlns:a16="http://schemas.microsoft.com/office/drawing/2014/main" id="{0C2D199C-791D-9556-0CA9-554536E08073}"/>
-              </a:ext>
-            </a:extLst>
-          </p:cNvPr>
-          <p:cNvPicPr>
-            <a:picLocks noChangeAspect="1"/>
-          </p:cNvPicPr>
-          <p:nvPr/>
-        </p:nvPicPr>
-        <p:blipFill>
-          <a:blip r:embed="rId2"/>
-          <a:stretch>
-            <a:fillRect/>
-          </a:stretch>
-        </p:blipFill>
-        <p:spPr>
-          <a:xfrm>
-            <a:off x="1372259" y="2307615"/>
-            <a:ext cx="9447482" cy="2603587"/>
-          </a:xfrm>
-          <a:prstGeom prst="rect">
-            <a:avLst/>
-          </a:prstGeom>
-          <a:noFill/>
-          <a:ln w="38100" cap="flat">
-            <a:gradFill>
-              <a:gsLst>
-                <a:gs pos="80000">
-                  <a:srgbClr val="EA3566"/>
-                </a:gs>
-                <a:gs pos="60000">
-                  <a:srgbClr val="EA3B58"/>
-                </a:gs>
-                <a:gs pos="40000">
-                  <a:srgbClr val="EC6037"/>
-                </a:gs>
-                <a:gs pos="19000">
-                  <a:srgbClr val="ED6D32"/>
-                </a:gs>
-                <a:gs pos="0">
-                  <a:srgbClr val="F4B140"/>
-                </a:gs>
-                <a:gs pos="100000">
-                  <a:srgbClr val="CB4CC9"/>
-                </a:gs>
-              </a:gsLst>
-              <a:lin ang="2700000" scaled="0"/>
-            </a:gradFill>
-            <a:miter lim="800000"/>
-          </a:ln>
-        </p:spPr>
-      </p:pic>
-    </p:spTree>
-    <p:extLst>
-      <p:ext uri="{BB962C8B-B14F-4D97-AF65-F5344CB8AC3E}">
-        <p14:creationId xmlns:p14="http://schemas.microsoft.com/office/powerpoint/2010/main" val="765859738"/>
-      </p:ext>
-    </p:extLst>
-  </p:cSld>
-  <p:clrMapOvr>
-    <a:masterClrMapping/>
-  </p:clrMapOvr>
+  <mc:AlternateContent xmlns:mc="http://schemas.openxmlformats.org/markup-compatibility/2006">
+    <mc:Choice xmlns:p159="http://schemas.microsoft.com/office/powerpoint/2015/09/main" Requires="p159">
+      <p:transition xmlns:p14="http://schemas.microsoft.com/office/powerpoint/2010/main" spd="slow" p14:dur="2000">
+        <p159:morph option="byObject"/>
+      </p:transition>
+    </mc:Choice>
+    <mc:Fallback>
+      <p:transition spd="slow">
+        <p:fade/>
+      </p:transition>
+    </mc:Fallback>
+  </mc:AlternateContent>
 </p:sld>
 </file>
 
@@ -10017,7 +12862,10 @@
           <a:bodyPr/>
           <a:lstStyle/>
           <a:p>
-            <a:endParaRPr lang="en-KR"/>
+            <a:r>
+              <a:rPr lang="en-KR" dirty="0"/>
+              <a:t>1 stage</a:t>
+            </a:r>
           </a:p>
         </p:txBody>
       </p:sp>
@@ -10037,12 +12885,60 @@
             <p:ph idx="1"/>
           </p:nvPr>
         </p:nvSpPr>
-        <p:spPr/>
+        <p:spPr>
+          <a:xfrm>
+            <a:off x="4713316" y="1825625"/>
+            <a:ext cx="6640483" cy="4351338"/>
+          </a:xfrm>
+        </p:spPr>
         <p:txBody>
           <a:bodyPr/>
           <a:lstStyle/>
           <a:p>
-            <a:endParaRPr lang="en-KR"/>
+            <a:r>
+              <a:rPr lang="en-US" dirty="0"/>
+              <a:t>Adaptor</a:t>
+            </a:r>
+            <a:r>
+              <a:rPr lang="ko-KR" altLang="en-US" dirty="0"/>
+              <a:t> 활용</a:t>
+            </a:r>
+            <a:endParaRPr lang="en-US" altLang="ko-KR" dirty="0"/>
+          </a:p>
+          <a:p>
+            <a:pPr lvl="1"/>
+            <a:r>
+              <a:rPr lang="en-US" altLang="ko-KR" dirty="0"/>
+              <a:t>Visual understanding </a:t>
+            </a:r>
+            <a:r>
+              <a:rPr lang="ko-KR" altLang="en-US" dirty="0"/>
+              <a:t>과 </a:t>
+            </a:r>
+            <a:r>
+              <a:rPr lang="en-US" altLang="ko-KR" dirty="0"/>
+              <a:t>linguistic understanding </a:t>
+            </a:r>
+            <a:r>
+              <a:rPr lang="ko-KR" altLang="en-US" dirty="0"/>
+              <a:t>의 </a:t>
+            </a:r>
+            <a:r>
+              <a:rPr lang="en-US" altLang="ko-KR" dirty="0"/>
+              <a:t>embedding space </a:t>
+            </a:r>
+            <a:r>
+              <a:rPr lang="ko-KR" altLang="en-US" dirty="0" err="1"/>
+              <a:t>를</a:t>
+            </a:r>
+            <a:r>
+              <a:rPr lang="ko-KR" altLang="en-US" dirty="0"/>
+              <a:t> 맞추기 위한 과정</a:t>
+            </a:r>
+            <a:endParaRPr lang="en-US" altLang="ko-KR" dirty="0"/>
+          </a:p>
+          <a:p>
+            <a:endParaRPr lang="en-US" altLang="ko-KR" dirty="0"/>
           </a:p>
         </p:txBody>
       </p:sp>
@@ -10112,53 +13008,463 @@
   <p:clrMapOvr>
     <a:masterClrMapping/>
   </p:clrMapOvr>
+  <mc:AlternateContent xmlns:mc="http://schemas.openxmlformats.org/markup-compatibility/2006">
+    <mc:Choice xmlns:p159="http://schemas.microsoft.com/office/powerpoint/2015/09/main" Requires="p159">
+      <p:transition xmlns:p14="http://schemas.microsoft.com/office/powerpoint/2010/main" spd="slow" p14:dur="2000">
+        <p159:morph option="byObject"/>
+      </p:transition>
+    </mc:Choice>
+    <mc:Fallback>
+      <p:transition spd="slow">
+        <p:fade/>
+      </p:transition>
+    </mc:Fallback>
+  </mc:AlternateContent>
+</p:sld>
+</file>
+
+<file path=ppt/slides/slide8.xml><?xml version="1.0" encoding="utf-8"?>
+<p:sld xmlns:a="http://schemas.openxmlformats.org/drawingml/2006/main" xmlns:r="http://schemas.openxmlformats.org/officeDocument/2006/relationships" xmlns:p="http://schemas.openxmlformats.org/presentationml/2006/main">
+  <p:cSld>
+    <p:spTree>
+      <p:nvGrpSpPr>
+        <p:cNvPr id="1" name=""/>
+        <p:cNvGrpSpPr/>
+        <p:nvPr/>
+      </p:nvGrpSpPr>
+      <p:grpSpPr>
+        <a:xfrm>
+          <a:off x="0" y="0"/>
+          <a:ext cx="0" cy="0"/>
+          <a:chOff x="0" y="0"/>
+          <a:chExt cx="0" cy="0"/>
+        </a:xfrm>
+      </p:grpSpPr>
+      <p:sp>
+        <p:nvSpPr>
+          <p:cNvPr id="2" name="Title 1">
+            <a:extLst>
+              <a:ext uri="{FF2B5EF4-FFF2-40B4-BE49-F238E27FC236}">
+                <a16:creationId xmlns:a16="http://schemas.microsoft.com/office/drawing/2014/main" id="{13907ED7-5894-BBEB-3BD5-E25D064DF83C}"/>
+              </a:ext>
+            </a:extLst>
+          </p:cNvPr>
+          <p:cNvSpPr>
+            <a:spLocks noGrp="1"/>
+          </p:cNvSpPr>
+          <p:nvPr>
+            <p:ph type="title"/>
+          </p:nvPr>
+        </p:nvSpPr>
+        <p:spPr/>
+        <p:txBody>
+          <a:bodyPr/>
+          <a:lstStyle/>
+          <a:p>
+            <a:r>
+              <a:rPr lang="en-US" altLang="ko-KR" dirty="0"/>
+              <a:t>2</a:t>
+            </a:r>
+            <a:r>
+              <a:rPr lang="ko-KR" altLang="en-US" dirty="0"/>
+              <a:t> </a:t>
+            </a:r>
+            <a:r>
+              <a:rPr lang="en-US" altLang="ko-KR" dirty="0"/>
+              <a:t>stage</a:t>
+            </a:r>
+            <a:endParaRPr lang="en-KR" dirty="0"/>
+          </a:p>
+        </p:txBody>
+      </p:sp>
+      <p:sp>
+        <p:nvSpPr>
+          <p:cNvPr id="3" name="Content Placeholder 2">
+            <a:extLst>
+              <a:ext uri="{FF2B5EF4-FFF2-40B4-BE49-F238E27FC236}">
+                <a16:creationId xmlns:a16="http://schemas.microsoft.com/office/drawing/2014/main" id="{550773A3-68A3-0C92-DC5B-E92B8D78C8D5}"/>
+              </a:ext>
+            </a:extLst>
+          </p:cNvPr>
+          <p:cNvSpPr>
+            <a:spLocks noGrp="1"/>
+          </p:cNvSpPr>
+          <p:nvPr>
+            <p:ph idx="1"/>
+          </p:nvPr>
+        </p:nvSpPr>
+        <p:spPr>
+          <a:xfrm>
+            <a:off x="7581206" y="1825625"/>
+            <a:ext cx="3772593" cy="4351338"/>
+          </a:xfrm>
+        </p:spPr>
+        <p:txBody>
+          <a:bodyPr>
+            <a:normAutofit/>
+          </a:bodyPr>
+          <a:lstStyle/>
+          <a:p>
+            <a:r>
+              <a:rPr lang="ko-KR" altLang="en-US" sz="1800" dirty="0"/>
+              <a:t>간단한 이미지 생성을 학습 시킴 </a:t>
+            </a:r>
+            <a:r>
+              <a:rPr lang="en-US" altLang="ko-KR" sz="1800" dirty="0"/>
+              <a:t>(imagenet-1k)</a:t>
+            </a:r>
+          </a:p>
+          <a:p>
+            <a:pPr lvl="1"/>
+            <a:r>
+              <a:rPr lang="en-US" sz="1600" dirty="0"/>
+              <a:t>Text-to-image </a:t>
+            </a:r>
+            <a:r>
+              <a:rPr lang="ko-KR" altLang="en-US" sz="1600" dirty="0"/>
+              <a:t>데이터셋 활용하여 </a:t>
+            </a:r>
+            <a:endParaRPr lang="en-US" altLang="ko-KR" sz="1600" dirty="0"/>
+          </a:p>
+          <a:p>
+            <a:pPr marL="457200" lvl="1" indent="0">
+              <a:buNone/>
+            </a:pPr>
+            <a:r>
+              <a:rPr lang="en-US" sz="1600" dirty="0"/>
+              <a:t>Open-domain </a:t>
+            </a:r>
+            <a:r>
+              <a:rPr lang="ko-KR" altLang="en-US" sz="1600" dirty="0"/>
+              <a:t>모델로 발전시킴</a:t>
+            </a:r>
+            <a:endParaRPr lang="en-KR" sz="1600" dirty="0"/>
+          </a:p>
+        </p:txBody>
+      </p:sp>
+      <p:pic>
+        <p:nvPicPr>
+          <p:cNvPr id="4" name="Picture 3">
+            <a:extLst>
+              <a:ext uri="{FF2B5EF4-FFF2-40B4-BE49-F238E27FC236}">
+                <a16:creationId xmlns:a16="http://schemas.microsoft.com/office/drawing/2014/main" id="{0C2D199C-791D-9556-0CA9-554536E08073}"/>
+              </a:ext>
+            </a:extLst>
+          </p:cNvPr>
+          <p:cNvPicPr>
+            <a:picLocks noChangeAspect="1"/>
+          </p:cNvPicPr>
+          <p:nvPr/>
+        </p:nvPicPr>
+        <p:blipFill rotWithShape="1">
+          <a:blip r:embed="rId2"/>
+          <a:srcRect l="32989" r="34280"/>
+          <a:stretch/>
+        </p:blipFill>
+        <p:spPr>
+          <a:xfrm>
+            <a:off x="4488873" y="2307615"/>
+            <a:ext cx="3092334" cy="2603587"/>
+          </a:xfrm>
+          <a:prstGeom prst="rect">
+            <a:avLst/>
+          </a:prstGeom>
+          <a:noFill/>
+          <a:ln w="38100" cap="flat">
+            <a:gradFill>
+              <a:gsLst>
+                <a:gs pos="80000">
+                  <a:srgbClr val="EA3566"/>
+                </a:gs>
+                <a:gs pos="60000">
+                  <a:srgbClr val="EA3B58"/>
+                </a:gs>
+                <a:gs pos="40000">
+                  <a:srgbClr val="EC6037"/>
+                </a:gs>
+                <a:gs pos="19000">
+                  <a:srgbClr val="ED6D32"/>
+                </a:gs>
+                <a:gs pos="0">
+                  <a:srgbClr val="F4B140"/>
+                </a:gs>
+                <a:gs pos="100000">
+                  <a:srgbClr val="CB4CC9"/>
+                </a:gs>
+              </a:gsLst>
+              <a:lin ang="2700000" scaled="0"/>
+            </a:gradFill>
+            <a:miter lim="800000"/>
+          </a:ln>
+        </p:spPr>
+      </p:pic>
+    </p:spTree>
+    <p:extLst>
+      <p:ext uri="{BB962C8B-B14F-4D97-AF65-F5344CB8AC3E}">
+        <p14:creationId xmlns:p14="http://schemas.microsoft.com/office/powerpoint/2010/main" val="765859738"/>
+      </p:ext>
+    </p:extLst>
+  </p:cSld>
+  <p:clrMapOvr>
+    <a:masterClrMapping/>
+  </p:clrMapOvr>
+  <mc:AlternateContent xmlns:mc="http://schemas.openxmlformats.org/markup-compatibility/2006">
+    <mc:Choice xmlns:p159="http://schemas.microsoft.com/office/powerpoint/2015/09/main" Requires="p159">
+      <p:transition xmlns:p14="http://schemas.microsoft.com/office/powerpoint/2010/main" spd="slow" p14:dur="2000">
+        <p159:morph option="byObject"/>
+      </p:transition>
+    </mc:Choice>
+    <mc:Fallback>
+      <p:transition spd="slow">
+        <p:fade/>
+      </p:transition>
+    </mc:Fallback>
+  </mc:AlternateContent>
+</p:sld>
+</file>
+
+<file path=ppt/slides/slide9.xml><?xml version="1.0" encoding="utf-8"?>
+<p:sld xmlns:a="http://schemas.openxmlformats.org/drawingml/2006/main" xmlns:r="http://schemas.openxmlformats.org/officeDocument/2006/relationships" xmlns:p="http://schemas.openxmlformats.org/presentationml/2006/main">
+  <p:cSld>
+    <p:spTree>
+      <p:nvGrpSpPr>
+        <p:cNvPr id="1" name="">
+          <a:extLst>
+            <a:ext uri="{FF2B5EF4-FFF2-40B4-BE49-F238E27FC236}">
+              <a16:creationId xmlns:a16="http://schemas.microsoft.com/office/drawing/2014/main" id="{3BA6C4CA-52B8-977B-205C-7A3F15DF8E65}"/>
+            </a:ext>
+          </a:extLst>
+        </p:cNvPr>
+        <p:cNvGrpSpPr/>
+        <p:nvPr/>
+      </p:nvGrpSpPr>
+      <p:grpSpPr>
+        <a:xfrm>
+          <a:off x="0" y="0"/>
+          <a:ext cx="0" cy="0"/>
+          <a:chOff x="0" y="0"/>
+          <a:chExt cx="0" cy="0"/>
+        </a:xfrm>
+      </p:grpSpPr>
+      <p:sp>
+        <p:nvSpPr>
+          <p:cNvPr id="2" name="Title 1">
+            <a:extLst>
+              <a:ext uri="{FF2B5EF4-FFF2-40B4-BE49-F238E27FC236}">
+                <a16:creationId xmlns:a16="http://schemas.microsoft.com/office/drawing/2014/main" id="{C33ED6A9-92A4-976B-8D3B-B3807E9C0CE4}"/>
+              </a:ext>
+            </a:extLst>
+          </p:cNvPr>
+          <p:cNvSpPr>
+            <a:spLocks noGrp="1"/>
+          </p:cNvSpPr>
+          <p:nvPr>
+            <p:ph type="title"/>
+          </p:nvPr>
+        </p:nvSpPr>
+        <p:spPr/>
+        <p:txBody>
+          <a:bodyPr/>
+          <a:lstStyle/>
+          <a:p>
+            <a:r>
+              <a:rPr lang="en-US" altLang="ko-KR" dirty="0"/>
+              <a:t>3</a:t>
+            </a:r>
+            <a:r>
+              <a:rPr lang="ko-KR" altLang="en-US" dirty="0"/>
+              <a:t> </a:t>
+            </a:r>
+            <a:r>
+              <a:rPr lang="en-US" altLang="ko-KR" dirty="0"/>
+              <a:t>stage</a:t>
+            </a:r>
+            <a:endParaRPr lang="en-KR" dirty="0"/>
+          </a:p>
+        </p:txBody>
+      </p:sp>
+      <p:sp>
+        <p:nvSpPr>
+          <p:cNvPr id="3" name="Content Placeholder 2">
+            <a:extLst>
+              <a:ext uri="{FF2B5EF4-FFF2-40B4-BE49-F238E27FC236}">
+                <a16:creationId xmlns:a16="http://schemas.microsoft.com/office/drawing/2014/main" id="{25CFE849-7183-0B2A-0B62-1CFB7B4337EA}"/>
+              </a:ext>
+            </a:extLst>
+          </p:cNvPr>
+          <p:cNvSpPr>
+            <a:spLocks noGrp="1"/>
+          </p:cNvSpPr>
+          <p:nvPr>
+            <p:ph idx="1"/>
+          </p:nvPr>
+        </p:nvSpPr>
+        <p:spPr/>
+        <p:txBody>
+          <a:bodyPr/>
+          <a:lstStyle/>
+          <a:p>
+            <a:r>
+              <a:rPr lang="en-US" dirty="0"/>
+              <a:t>I</a:t>
+            </a:r>
+            <a:r>
+              <a:rPr lang="en-KR" dirty="0"/>
+              <a:t>nstruction following </a:t>
+            </a:r>
+            <a:r>
+              <a:rPr lang="ko-KR" altLang="en-US" dirty="0" err="1"/>
+              <a:t>에</a:t>
+            </a:r>
+            <a:r>
+              <a:rPr lang="ko-KR" altLang="en-US" dirty="0"/>
+              <a:t> 집중</a:t>
+            </a:r>
+            <a:endParaRPr lang="en-US" altLang="ko-KR" dirty="0"/>
+          </a:p>
+          <a:p>
+            <a:pPr lvl="1"/>
+            <a:r>
+              <a:rPr lang="en-US" altLang="ko-KR" dirty="0"/>
+              <a:t>Supervising answer</a:t>
+            </a:r>
+            <a:r>
+              <a:rPr lang="ko-KR" altLang="en-US" dirty="0"/>
+              <a:t> </a:t>
+            </a:r>
+            <a:endParaRPr lang="en-US" altLang="ko-KR" dirty="0"/>
+          </a:p>
+          <a:p>
+            <a:pPr lvl="1"/>
+            <a:endParaRPr lang="en-KR" dirty="0"/>
+          </a:p>
+        </p:txBody>
+      </p:sp>
+      <p:pic>
+        <p:nvPicPr>
+          <p:cNvPr id="4" name="Picture 3">
+            <a:extLst>
+              <a:ext uri="{FF2B5EF4-FFF2-40B4-BE49-F238E27FC236}">
+                <a16:creationId xmlns:a16="http://schemas.microsoft.com/office/drawing/2014/main" id="{C8184023-DF0F-31BE-7B75-325A8BD4610F}"/>
+              </a:ext>
+            </a:extLst>
+          </p:cNvPr>
+          <p:cNvPicPr>
+            <a:picLocks noChangeAspect="1"/>
+          </p:cNvPicPr>
+          <p:nvPr/>
+        </p:nvPicPr>
+        <p:blipFill>
+          <a:blip r:embed="rId2"/>
+          <a:srcRect l="66689"/>
+          <a:stretch/>
+        </p:blipFill>
+        <p:spPr>
+          <a:xfrm>
+            <a:off x="7672647" y="2307615"/>
+            <a:ext cx="3147094" cy="2603587"/>
+          </a:xfrm>
+          <a:prstGeom prst="rect">
+            <a:avLst/>
+          </a:prstGeom>
+          <a:noFill/>
+          <a:ln w="38100" cap="flat">
+            <a:gradFill>
+              <a:gsLst>
+                <a:gs pos="80000">
+                  <a:srgbClr val="EA3566"/>
+                </a:gs>
+                <a:gs pos="60000">
+                  <a:srgbClr val="EA3B58"/>
+                </a:gs>
+                <a:gs pos="40000">
+                  <a:srgbClr val="EC6037"/>
+                </a:gs>
+                <a:gs pos="19000">
+                  <a:srgbClr val="ED6D32"/>
+                </a:gs>
+                <a:gs pos="0">
+                  <a:srgbClr val="F4B140"/>
+                </a:gs>
+                <a:gs pos="100000">
+                  <a:srgbClr val="CB4CC9"/>
+                </a:gs>
+              </a:gsLst>
+              <a:lin ang="2700000" scaled="0"/>
+            </a:gradFill>
+            <a:miter lim="800000"/>
+          </a:ln>
+        </p:spPr>
+      </p:pic>
+    </p:spTree>
+    <p:extLst>
+      <p:ext uri="{BB962C8B-B14F-4D97-AF65-F5344CB8AC3E}">
+        <p14:creationId xmlns:p14="http://schemas.microsoft.com/office/powerpoint/2010/main" val="1898405639"/>
+      </p:ext>
+    </p:extLst>
+  </p:cSld>
+  <p:clrMapOvr>
+    <a:masterClrMapping/>
+  </p:clrMapOvr>
+  <mc:AlternateContent xmlns:mc="http://schemas.openxmlformats.org/markup-compatibility/2006">
+    <mc:Choice xmlns:p159="http://schemas.microsoft.com/office/powerpoint/2015/09/main" Requires="p159">
+      <p:transition xmlns:p14="http://schemas.microsoft.com/office/powerpoint/2010/main" spd="slow" p14:dur="2000">
+        <p159:morph option="byObject"/>
+      </p:transition>
+    </mc:Choice>
+    <mc:Fallback>
+      <p:transition spd="slow">
+        <p:fade/>
+      </p:transition>
+    </mc:Fallback>
+  </mc:AlternateContent>
 </p:sld>
 </file>
 
 <file path=ppt/theme/theme1.xml><?xml version="1.0" encoding="utf-8"?>
-<a:theme xmlns:a="http://schemas.openxmlformats.org/drawingml/2006/main" name="Office Theme">
+<a:theme xmlns:a="http://schemas.openxmlformats.org/drawingml/2006/main" name="Office 2013 - 2022 Theme">
   <a:themeElements>
-    <a:clrScheme name="inst_cstm1">
+    <a:clrScheme name="Office 2013 - 2022 Theme">
       <a:dk1>
-        <a:srgbClr val="2E2E57"/>
+        <a:sysClr val="windowText" lastClr="000000"/>
       </a:dk1>
       <a:lt1>
-        <a:srgbClr val="FFFFFF"/>
+        <a:sysClr val="window" lastClr="FFFFFF"/>
       </a:lt1>
       <a:dk2>
-        <a:srgbClr val="3B3737"/>
+        <a:srgbClr val="44546A"/>
       </a:dk2>
       <a:lt2>
-        <a:srgbClr val="DCE0E7"/>
+        <a:srgbClr val="E7E6E6"/>
       </a:lt2>
       <a:accent1>
-        <a:srgbClr val="F4B040"/>
+        <a:srgbClr val="4472C4"/>
       </a:accent1>
       <a:accent2>
-        <a:srgbClr val="EC6C32"/>
+        <a:srgbClr val="ED7D31"/>
       </a:accent2>
       <a:accent3>
-        <a:srgbClr val="EC6036"/>
+        <a:srgbClr val="A5A5A5"/>
       </a:accent3>
       <a:accent4>
-        <a:srgbClr val="E93A58"/>
+        <a:srgbClr val="FFC000"/>
       </a:accent4>
       <a:accent5>
-        <a:srgbClr val="EA3566"/>
+        <a:srgbClr val="5B9BD5"/>
       </a:accent5>
       <a:accent6>
-        <a:srgbClr val="CB4BC9"/>
+        <a:srgbClr val="70AD47"/>
       </a:accent6>
       <a:hlink>
-        <a:srgbClr val="87ABDF"/>
+        <a:srgbClr val="0563C1"/>
       </a:hlink>
       <a:folHlink>
-        <a:srgbClr val="3BB9A4"/>
+        <a:srgbClr val="954F72"/>
       </a:folHlink>
     </a:clrScheme>
-    <a:fontScheme name="Office">
+    <a:fontScheme name="Office 2013 - 2022 Theme">
       <a:majorFont>
-        <a:latin typeface="Aptos Display" panose="02110004020202020204"/>
+        <a:latin typeface="Calibri Light" panose="020F0302020204030204"/>
         <a:ea typeface=""/>
         <a:cs typeface=""/>
         <a:font script="Jpan" typeface="游ゴシック Light"/>
@@ -10191,26 +13497,9 @@
         <a:font script="Viet" typeface="Times New Roman"/>
         <a:font script="Uigh" typeface="Microsoft Uighur"/>
         <a:font script="Geor" typeface="Sylfaen"/>
-        <a:font script="Armn" typeface="Arial"/>
-        <a:font script="Bugi" typeface="Leelawadee UI"/>
-        <a:font script="Bopo" typeface="Microsoft JhengHei"/>
-        <a:font script="Java" typeface="Javanese Text"/>
-        <a:font script="Lisu" typeface="Segoe UI"/>
-        <a:font script="Mymr" typeface="Myanmar Text"/>
-        <a:font script="Nkoo" typeface="Ebrima"/>
-        <a:font script="Olck" typeface="Nirmala UI"/>
-        <a:font script="Osma" typeface="Ebrima"/>
-        <a:font script="Phag" typeface="Phagspa"/>
-        <a:font script="Syrn" typeface="Estrangelo Edessa"/>
-        <a:font script="Syrj" typeface="Estrangelo Edessa"/>
-        <a:font script="Syre" typeface="Estrangelo Edessa"/>
-        <a:font script="Sora" typeface="Nirmala UI"/>
-        <a:font script="Tale" typeface="Microsoft Tai Le"/>
-        <a:font script="Talu" typeface="Microsoft New Tai Lue"/>
-        <a:font script="Tfng" typeface="Ebrima"/>
       </a:majorFont>
       <a:minorFont>
-        <a:latin typeface="Aptos" panose="02110004020202020204"/>
+        <a:latin typeface="Calibri" panose="020F0502020204030204"/>
         <a:ea typeface=""/>
         <a:cs typeface=""/>
         <a:font script="Jpan" typeface="游ゴシック"/>
@@ -10243,26 +13532,9 @@
         <a:font script="Viet" typeface="Arial"/>
         <a:font script="Uigh" typeface="Microsoft Uighur"/>
         <a:font script="Geor" typeface="Sylfaen"/>
-        <a:font script="Armn" typeface="Arial"/>
-        <a:font script="Bugi" typeface="Leelawadee UI"/>
-        <a:font script="Bopo" typeface="Microsoft JhengHei"/>
-        <a:font script="Java" typeface="Javanese Text"/>
-        <a:font script="Lisu" typeface="Segoe UI"/>
-        <a:font script="Mymr" typeface="Myanmar Text"/>
-        <a:font script="Nkoo" typeface="Ebrima"/>
-        <a:font script="Olck" typeface="Nirmala UI"/>
-        <a:font script="Osma" typeface="Ebrima"/>
-        <a:font script="Phag" typeface="Phagspa"/>
-        <a:font script="Syrn" typeface="Estrangelo Edessa"/>
-        <a:font script="Syrj" typeface="Estrangelo Edessa"/>
-        <a:font script="Syre" typeface="Estrangelo Edessa"/>
-        <a:font script="Sora" typeface="Nirmala UI"/>
-        <a:font script="Tale" typeface="Microsoft Tai Le"/>
-        <a:font script="Talu" typeface="Microsoft New Tai Lue"/>
-        <a:font script="Tfng" typeface="Ebrima"/>
       </a:minorFont>
     </a:fontScheme>
-    <a:fmtScheme name="Office">
+    <a:fmtScheme name="Office 2013 - 2022 Theme">
       <a:fillStyleLst>
         <a:solidFill>
           <a:schemeClr val="phClr"/>
@@ -10321,6 +13593,13 @@
         </a:gradFill>
       </a:fillStyleLst>
       <a:lnStyleLst>
+        <a:ln w="6350" cap="flat" cmpd="sng" algn="ctr">
+          <a:solidFill>
+            <a:schemeClr val="phClr"/>
+          </a:solidFill>
+          <a:prstDash val="solid"/>
+          <a:miter lim="800000"/>
+        </a:ln>
         <a:ln w="12700" cap="flat" cmpd="sng" algn="ctr">
           <a:solidFill>
             <a:schemeClr val="phClr"/>
@@ -10329,13 +13608,6 @@
           <a:miter lim="800000"/>
         </a:ln>
         <a:ln w="19050" cap="flat" cmpd="sng" algn="ctr">
-          <a:solidFill>
-            <a:schemeClr val="phClr"/>
-          </a:solidFill>
-          <a:prstDash val="solid"/>
-          <a:miter lim="800000"/>
-        </a:ln>
-        <a:ln w="25400" cap="flat" cmpd="sng" algn="ctr">
           <a:solidFill>
             <a:schemeClr val="phClr"/>
           </a:solidFill>
@@ -10400,31 +13672,11 @@
       </a:bgFillStyleLst>
     </a:fmtScheme>
   </a:themeElements>
-  <a:objectDefaults>
-    <a:lnDef>
-      <a:spPr/>
-      <a:bodyPr/>
-      <a:lstStyle/>
-      <a:style>
-        <a:lnRef idx="2">
-          <a:schemeClr val="accent1"/>
-        </a:lnRef>
-        <a:fillRef idx="0">
-          <a:schemeClr val="accent1"/>
-        </a:fillRef>
-        <a:effectRef idx="1">
-          <a:schemeClr val="accent1"/>
-        </a:effectRef>
-        <a:fontRef idx="minor">
-          <a:schemeClr val="tx1"/>
-        </a:fontRef>
-      </a:style>
-    </a:lnDef>
-  </a:objectDefaults>
+  <a:objectDefaults/>
   <a:extraClrSchemeLst/>
   <a:extLst>
     <a:ext uri="{05A4C25C-085E-4340-85A3-A5531E510DB2}">
-      <thm15:themeFamily xmlns:thm15="http://schemas.microsoft.com/office/thememl/2012/main" name="Office Theme" id="{2E142A2C-CD16-42D6-873A-C26D2A0506FA}" vid="{1BDDFF52-6CD6-40A5-AB3C-68EB2F1E4D0A}"/>
+      <thm15:themeFamily xmlns:thm15="http://schemas.microsoft.com/office/thememl/2012/main" name="Office 2013 - 2022 Theme" id="{62F939B6-93AF-4DB8-9C6B-D6C7DFDC589F}" vid="{4A3C46E8-61CC-4603-A589-7422A47A8E4A}"/>
     </a:ext>
   </a:extLst>
 </a:theme>
